--- a/hw02.pptx
+++ b/hw02.pptx
@@ -4,8 +4,18 @@
   <p:sldMasterIdLst>
     <p:sldMasterId id="2147483648" r:id="rId1"/>
   </p:sldMasterIdLst>
+  <p:notesMasterIdLst>
+    <p:notesMasterId r:id="rId10"/>
+  </p:notesMasterIdLst>
   <p:sldIdLst>
     <p:sldId id="256" r:id="rId2"/>
+    <p:sldId id="257" r:id="rId3"/>
+    <p:sldId id="258" r:id="rId4"/>
+    <p:sldId id="259" r:id="rId5"/>
+    <p:sldId id="260" r:id="rId6"/>
+    <p:sldId id="261" r:id="rId7"/>
+    <p:sldId id="262" r:id="rId8"/>
+    <p:sldId id="263" r:id="rId9"/>
   </p:sldIdLst>
   <p:sldSz cx="12192000" cy="6858000"/>
   <p:notesSz cx="6858000" cy="9144000"/>
@@ -104,7 +114,1370 @@
       </a:defRPr>
     </a:lvl9pPr>
   </p:defaultTextStyle>
+  <p:extLst>
+    <p:ext uri="{EFAFB233-063F-42B5-8137-9DF3F51BA10A}">
+      <p15:sldGuideLst xmlns:p15="http://schemas.microsoft.com/office/powerpoint/2012/main"/>
+    </p:ext>
+  </p:extLst>
 </p:presentation>
+</file>
+
+<file path=ppt/notesMasters/notesMaster1.xml><?xml version="1.0" encoding="utf-8"?>
+<p:notesMaster xmlns:a="http://schemas.openxmlformats.org/drawingml/2006/main" xmlns:r="http://schemas.openxmlformats.org/officeDocument/2006/relationships" xmlns:p="http://schemas.openxmlformats.org/presentationml/2006/main">
+  <p:cSld>
+    <p:bg>
+      <p:bgRef idx="1001">
+        <a:schemeClr val="bg1"/>
+      </p:bgRef>
+    </p:bg>
+    <p:spTree>
+      <p:nvGrpSpPr>
+        <p:cNvPr id="1" name=""/>
+        <p:cNvGrpSpPr/>
+        <p:nvPr/>
+      </p:nvGrpSpPr>
+      <p:grpSpPr>
+        <a:xfrm>
+          <a:off x="0" y="0"/>
+          <a:ext cx="0" cy="0"/>
+          <a:chOff x="0" y="0"/>
+          <a:chExt cx="0" cy="0"/>
+        </a:xfrm>
+      </p:grpSpPr>
+      <p:sp>
+        <p:nvSpPr>
+          <p:cNvPr id="2" name="頁首版面配置區 1"/>
+          <p:cNvSpPr>
+            <a:spLocks noGrp="1"/>
+          </p:cNvSpPr>
+          <p:nvPr>
+            <p:ph type="hdr" sz="quarter"/>
+          </p:nvPr>
+        </p:nvSpPr>
+        <p:spPr>
+          <a:xfrm>
+            <a:off x="0" y="0"/>
+            <a:ext cx="2971800" cy="458788"/>
+          </a:xfrm>
+          <a:prstGeom prst="rect">
+            <a:avLst/>
+          </a:prstGeom>
+        </p:spPr>
+        <p:txBody>
+          <a:bodyPr vert="horz" lIns="91440" tIns="45720" rIns="91440" bIns="45720" rtlCol="0"/>
+          <a:lstStyle>
+            <a:lvl1pPr algn="l">
+              <a:defRPr sz="1200"/>
+            </a:lvl1pPr>
+          </a:lstStyle>
+          <a:p>
+            <a:endParaRPr lang="zh-TW" altLang="en-US"/>
+          </a:p>
+        </p:txBody>
+      </p:sp>
+      <p:sp>
+        <p:nvSpPr>
+          <p:cNvPr id="3" name="日期版面配置區 2"/>
+          <p:cNvSpPr>
+            <a:spLocks noGrp="1"/>
+          </p:cNvSpPr>
+          <p:nvPr>
+            <p:ph type="dt" idx="1"/>
+          </p:nvPr>
+        </p:nvSpPr>
+        <p:spPr>
+          <a:xfrm>
+            <a:off x="3884613" y="0"/>
+            <a:ext cx="2971800" cy="458788"/>
+          </a:xfrm>
+          <a:prstGeom prst="rect">
+            <a:avLst/>
+          </a:prstGeom>
+        </p:spPr>
+        <p:txBody>
+          <a:bodyPr vert="horz" lIns="91440" tIns="45720" rIns="91440" bIns="45720" rtlCol="0"/>
+          <a:lstStyle>
+            <a:lvl1pPr algn="r">
+              <a:defRPr sz="1200"/>
+            </a:lvl1pPr>
+          </a:lstStyle>
+          <a:p>
+            <a:fld id="{66B67B9B-FC1C-4B2B-B81B-2ED2DA6C8B6F}" type="datetimeFigureOut">
+              <a:rPr lang="zh-TW" altLang="en-US" smtClean="0"/>
+              <a:t>2024/10/20</a:t>
+            </a:fld>
+            <a:endParaRPr lang="zh-TW" altLang="en-US"/>
+          </a:p>
+        </p:txBody>
+      </p:sp>
+      <p:sp>
+        <p:nvSpPr>
+          <p:cNvPr id="4" name="投影片影像版面配置區 3"/>
+          <p:cNvSpPr>
+            <a:spLocks noGrp="1" noRot="1" noChangeAspect="1"/>
+          </p:cNvSpPr>
+          <p:nvPr>
+            <p:ph type="sldImg" idx="2"/>
+          </p:nvPr>
+        </p:nvSpPr>
+        <p:spPr>
+          <a:xfrm>
+            <a:off x="685800" y="1143000"/>
+            <a:ext cx="5486400" cy="3086100"/>
+          </a:xfrm>
+          <a:prstGeom prst="rect">
+            <a:avLst/>
+          </a:prstGeom>
+          <a:noFill/>
+          <a:ln w="12700">
+            <a:solidFill>
+              <a:prstClr val="black"/>
+            </a:solidFill>
+          </a:ln>
+        </p:spPr>
+        <p:txBody>
+          <a:bodyPr vert="horz" lIns="91440" tIns="45720" rIns="91440" bIns="45720" rtlCol="0" anchor="ctr"/>
+          <a:lstStyle/>
+          <a:p>
+            <a:endParaRPr lang="zh-TW" altLang="en-US"/>
+          </a:p>
+        </p:txBody>
+      </p:sp>
+      <p:sp>
+        <p:nvSpPr>
+          <p:cNvPr id="5" name="備忘稿版面配置區 4"/>
+          <p:cNvSpPr>
+            <a:spLocks noGrp="1"/>
+          </p:cNvSpPr>
+          <p:nvPr>
+            <p:ph type="body" sz="quarter" idx="3"/>
+          </p:nvPr>
+        </p:nvSpPr>
+        <p:spPr>
+          <a:xfrm>
+            <a:off x="685800" y="4400550"/>
+            <a:ext cx="5486400" cy="3600450"/>
+          </a:xfrm>
+          <a:prstGeom prst="rect">
+            <a:avLst/>
+          </a:prstGeom>
+        </p:spPr>
+        <p:txBody>
+          <a:bodyPr vert="horz" lIns="91440" tIns="45720" rIns="91440" bIns="45720" rtlCol="0"/>
+          <a:lstStyle/>
+          <a:p>
+            <a:pPr lvl="0"/>
+            <a:r>
+              <a:rPr lang="zh-TW" altLang="en-US"/>
+              <a:t>按一下以編輯母片文字樣式</a:t>
+            </a:r>
+          </a:p>
+          <a:p>
+            <a:pPr lvl="1"/>
+            <a:r>
+              <a:rPr lang="zh-TW" altLang="en-US"/>
+              <a:t>第二層</a:t>
+            </a:r>
+          </a:p>
+          <a:p>
+            <a:pPr lvl="2"/>
+            <a:r>
+              <a:rPr lang="zh-TW" altLang="en-US"/>
+              <a:t>第三層</a:t>
+            </a:r>
+          </a:p>
+          <a:p>
+            <a:pPr lvl="3"/>
+            <a:r>
+              <a:rPr lang="zh-TW" altLang="en-US"/>
+              <a:t>第四層</a:t>
+            </a:r>
+          </a:p>
+          <a:p>
+            <a:pPr lvl="4"/>
+            <a:r>
+              <a:rPr lang="zh-TW" altLang="en-US"/>
+              <a:t>第五層</a:t>
+            </a:r>
+          </a:p>
+        </p:txBody>
+      </p:sp>
+      <p:sp>
+        <p:nvSpPr>
+          <p:cNvPr id="6" name="頁尾版面配置區 5"/>
+          <p:cNvSpPr>
+            <a:spLocks noGrp="1"/>
+          </p:cNvSpPr>
+          <p:nvPr>
+            <p:ph type="ftr" sz="quarter" idx="4"/>
+          </p:nvPr>
+        </p:nvSpPr>
+        <p:spPr>
+          <a:xfrm>
+            <a:off x="0" y="8685213"/>
+            <a:ext cx="2971800" cy="458787"/>
+          </a:xfrm>
+          <a:prstGeom prst="rect">
+            <a:avLst/>
+          </a:prstGeom>
+        </p:spPr>
+        <p:txBody>
+          <a:bodyPr vert="horz" lIns="91440" tIns="45720" rIns="91440" bIns="45720" rtlCol="0" anchor="b"/>
+          <a:lstStyle>
+            <a:lvl1pPr algn="l">
+              <a:defRPr sz="1200"/>
+            </a:lvl1pPr>
+          </a:lstStyle>
+          <a:p>
+            <a:endParaRPr lang="zh-TW" altLang="en-US"/>
+          </a:p>
+        </p:txBody>
+      </p:sp>
+      <p:sp>
+        <p:nvSpPr>
+          <p:cNvPr id="7" name="投影片編號版面配置區 6"/>
+          <p:cNvSpPr>
+            <a:spLocks noGrp="1"/>
+          </p:cNvSpPr>
+          <p:nvPr>
+            <p:ph type="sldNum" sz="quarter" idx="5"/>
+          </p:nvPr>
+        </p:nvSpPr>
+        <p:spPr>
+          <a:xfrm>
+            <a:off x="3884613" y="8685213"/>
+            <a:ext cx="2971800" cy="458787"/>
+          </a:xfrm>
+          <a:prstGeom prst="rect">
+            <a:avLst/>
+          </a:prstGeom>
+        </p:spPr>
+        <p:txBody>
+          <a:bodyPr vert="horz" lIns="91440" tIns="45720" rIns="91440" bIns="45720" rtlCol="0" anchor="b"/>
+          <a:lstStyle>
+            <a:lvl1pPr algn="r">
+              <a:defRPr sz="1200"/>
+            </a:lvl1pPr>
+          </a:lstStyle>
+          <a:p>
+            <a:fld id="{A33D6E49-B626-4B80-9E21-BA59F75776F8}" type="slidenum">
+              <a:rPr lang="zh-TW" altLang="en-US" smtClean="0"/>
+              <a:t>‹#›</a:t>
+            </a:fld>
+            <a:endParaRPr lang="zh-TW" altLang="en-US"/>
+          </a:p>
+        </p:txBody>
+      </p:sp>
+    </p:spTree>
+    <p:extLst>
+      <p:ext uri="{BB962C8B-B14F-4D97-AF65-F5344CB8AC3E}">
+        <p14:creationId xmlns:p14="http://schemas.microsoft.com/office/powerpoint/2010/main" val="1644077716"/>
+      </p:ext>
+    </p:extLst>
+  </p:cSld>
+  <p:clrMap bg1="lt1" tx1="dk1" bg2="lt2" tx2="dk2" accent1="accent1" accent2="accent2" accent3="accent3" accent4="accent4" accent5="accent5" accent6="accent6" hlink="hlink" folHlink="folHlink"/>
+  <p:notesStyle>
+    <a:lvl1pPr marL="0" algn="l" defTabSz="914400" rtl="0" eaLnBrk="1" latinLnBrk="0" hangingPunct="1">
+      <a:defRPr sz="1200" kern="1200">
+        <a:solidFill>
+          <a:schemeClr val="tx1"/>
+        </a:solidFill>
+        <a:latin typeface="+mn-lt"/>
+        <a:ea typeface="+mn-ea"/>
+        <a:cs typeface="+mn-cs"/>
+      </a:defRPr>
+    </a:lvl1pPr>
+    <a:lvl2pPr marL="457200" algn="l" defTabSz="914400" rtl="0" eaLnBrk="1" latinLnBrk="0" hangingPunct="1">
+      <a:defRPr sz="1200" kern="1200">
+        <a:solidFill>
+          <a:schemeClr val="tx1"/>
+        </a:solidFill>
+        <a:latin typeface="+mn-lt"/>
+        <a:ea typeface="+mn-ea"/>
+        <a:cs typeface="+mn-cs"/>
+      </a:defRPr>
+    </a:lvl2pPr>
+    <a:lvl3pPr marL="914400" algn="l" defTabSz="914400" rtl="0" eaLnBrk="1" latinLnBrk="0" hangingPunct="1">
+      <a:defRPr sz="1200" kern="1200">
+        <a:solidFill>
+          <a:schemeClr val="tx1"/>
+        </a:solidFill>
+        <a:latin typeface="+mn-lt"/>
+        <a:ea typeface="+mn-ea"/>
+        <a:cs typeface="+mn-cs"/>
+      </a:defRPr>
+    </a:lvl3pPr>
+    <a:lvl4pPr marL="1371600" algn="l" defTabSz="914400" rtl="0" eaLnBrk="1" latinLnBrk="0" hangingPunct="1">
+      <a:defRPr sz="1200" kern="1200">
+        <a:solidFill>
+          <a:schemeClr val="tx1"/>
+        </a:solidFill>
+        <a:latin typeface="+mn-lt"/>
+        <a:ea typeface="+mn-ea"/>
+        <a:cs typeface="+mn-cs"/>
+      </a:defRPr>
+    </a:lvl4pPr>
+    <a:lvl5pPr marL="1828800" algn="l" defTabSz="914400" rtl="0" eaLnBrk="1" latinLnBrk="0" hangingPunct="1">
+      <a:defRPr sz="1200" kern="1200">
+        <a:solidFill>
+          <a:schemeClr val="tx1"/>
+        </a:solidFill>
+        <a:latin typeface="+mn-lt"/>
+        <a:ea typeface="+mn-ea"/>
+        <a:cs typeface="+mn-cs"/>
+      </a:defRPr>
+    </a:lvl5pPr>
+    <a:lvl6pPr marL="2286000" algn="l" defTabSz="914400" rtl="0" eaLnBrk="1" latinLnBrk="0" hangingPunct="1">
+      <a:defRPr sz="1200" kern="1200">
+        <a:solidFill>
+          <a:schemeClr val="tx1"/>
+        </a:solidFill>
+        <a:latin typeface="+mn-lt"/>
+        <a:ea typeface="+mn-ea"/>
+        <a:cs typeface="+mn-cs"/>
+      </a:defRPr>
+    </a:lvl6pPr>
+    <a:lvl7pPr marL="2743200" algn="l" defTabSz="914400" rtl="0" eaLnBrk="1" latinLnBrk="0" hangingPunct="1">
+      <a:defRPr sz="1200" kern="1200">
+        <a:solidFill>
+          <a:schemeClr val="tx1"/>
+        </a:solidFill>
+        <a:latin typeface="+mn-lt"/>
+        <a:ea typeface="+mn-ea"/>
+        <a:cs typeface="+mn-cs"/>
+      </a:defRPr>
+    </a:lvl7pPr>
+    <a:lvl8pPr marL="3200400" algn="l" defTabSz="914400" rtl="0" eaLnBrk="1" latinLnBrk="0" hangingPunct="1">
+      <a:defRPr sz="1200" kern="1200">
+        <a:solidFill>
+          <a:schemeClr val="tx1"/>
+        </a:solidFill>
+        <a:latin typeface="+mn-lt"/>
+        <a:ea typeface="+mn-ea"/>
+        <a:cs typeface="+mn-cs"/>
+      </a:defRPr>
+    </a:lvl8pPr>
+    <a:lvl9pPr marL="3657600" algn="l" defTabSz="914400" rtl="0" eaLnBrk="1" latinLnBrk="0" hangingPunct="1">
+      <a:defRPr sz="1200" kern="1200">
+        <a:solidFill>
+          <a:schemeClr val="tx1"/>
+        </a:solidFill>
+        <a:latin typeface="+mn-lt"/>
+        <a:ea typeface="+mn-ea"/>
+        <a:cs typeface="+mn-cs"/>
+      </a:defRPr>
+    </a:lvl9pPr>
+  </p:notesStyle>
+</p:notesMaster>
+</file>
+
+<file path=ppt/notesSlides/notesSlide1.xml><?xml version="1.0" encoding="utf-8"?>
+<p:notes xmlns:a="http://schemas.openxmlformats.org/drawingml/2006/main" xmlns:r="http://schemas.openxmlformats.org/officeDocument/2006/relationships" xmlns:p="http://schemas.openxmlformats.org/presentationml/2006/main">
+  <p:cSld>
+    <p:spTree>
+      <p:nvGrpSpPr>
+        <p:cNvPr id="1" name=""/>
+        <p:cNvGrpSpPr/>
+        <p:nvPr/>
+      </p:nvGrpSpPr>
+      <p:grpSpPr>
+        <a:xfrm>
+          <a:off x="0" y="0"/>
+          <a:ext cx="0" cy="0"/>
+          <a:chOff x="0" y="0"/>
+          <a:chExt cx="0" cy="0"/>
+        </a:xfrm>
+      </p:grpSpPr>
+      <p:sp>
+        <p:nvSpPr>
+          <p:cNvPr id="2" name="投影片影像版面配置區 1"/>
+          <p:cNvSpPr>
+            <a:spLocks noGrp="1" noRot="1" noChangeAspect="1"/>
+          </p:cNvSpPr>
+          <p:nvPr>
+            <p:ph type="sldImg"/>
+          </p:nvPr>
+        </p:nvSpPr>
+        <p:spPr/>
+      </p:sp>
+      <p:sp>
+        <p:nvSpPr>
+          <p:cNvPr id="3" name="備忘稿版面配置區 2"/>
+          <p:cNvSpPr>
+            <a:spLocks noGrp="1"/>
+          </p:cNvSpPr>
+          <p:nvPr>
+            <p:ph type="body" idx="1"/>
+          </p:nvPr>
+        </p:nvSpPr>
+        <p:spPr/>
+        <p:txBody>
+          <a:bodyPr/>
+          <a:lstStyle/>
+          <a:p>
+            <a:endParaRPr lang="zh-TW" altLang="en-US" dirty="0"/>
+          </a:p>
+        </p:txBody>
+      </p:sp>
+      <p:sp>
+        <p:nvSpPr>
+          <p:cNvPr id="4" name="投影片編號版面配置區 3"/>
+          <p:cNvSpPr>
+            <a:spLocks noGrp="1"/>
+          </p:cNvSpPr>
+          <p:nvPr>
+            <p:ph type="sldNum" sz="quarter" idx="5"/>
+          </p:nvPr>
+        </p:nvSpPr>
+        <p:spPr/>
+        <p:txBody>
+          <a:bodyPr/>
+          <a:lstStyle/>
+          <a:p>
+            <a:fld id="{A33D6E49-B626-4B80-9E21-BA59F75776F8}" type="slidenum">
+              <a:rPr lang="zh-TW" altLang="en-US" smtClean="0"/>
+              <a:t>1</a:t>
+            </a:fld>
+            <a:endParaRPr lang="zh-TW" altLang="en-US"/>
+          </a:p>
+        </p:txBody>
+      </p:sp>
+    </p:spTree>
+    <p:extLst>
+      <p:ext uri="{BB962C8B-B14F-4D97-AF65-F5344CB8AC3E}">
+        <p14:creationId xmlns:p14="http://schemas.microsoft.com/office/powerpoint/2010/main" val="655022308"/>
+      </p:ext>
+    </p:extLst>
+  </p:cSld>
+  <p:clrMapOvr>
+    <a:masterClrMapping/>
+  </p:clrMapOvr>
+</p:notes>
+</file>
+
+<file path=ppt/notesSlides/notesSlide2.xml><?xml version="1.0" encoding="utf-8"?>
+<p:notes xmlns:a="http://schemas.openxmlformats.org/drawingml/2006/main" xmlns:r="http://schemas.openxmlformats.org/officeDocument/2006/relationships" xmlns:p="http://schemas.openxmlformats.org/presentationml/2006/main">
+  <p:cSld>
+    <p:spTree>
+      <p:nvGrpSpPr>
+        <p:cNvPr id="1" name=""/>
+        <p:cNvGrpSpPr/>
+        <p:nvPr/>
+      </p:nvGrpSpPr>
+      <p:grpSpPr>
+        <a:xfrm>
+          <a:off x="0" y="0"/>
+          <a:ext cx="0" cy="0"/>
+          <a:chOff x="0" y="0"/>
+          <a:chExt cx="0" cy="0"/>
+        </a:xfrm>
+      </p:grpSpPr>
+      <p:sp>
+        <p:nvSpPr>
+          <p:cNvPr id="2" name="投影片影像版面配置區 1"/>
+          <p:cNvSpPr>
+            <a:spLocks noGrp="1" noRot="1" noChangeAspect="1"/>
+          </p:cNvSpPr>
+          <p:nvPr>
+            <p:ph type="sldImg"/>
+          </p:nvPr>
+        </p:nvSpPr>
+        <p:spPr/>
+      </p:sp>
+      <p:sp>
+        <p:nvSpPr>
+          <p:cNvPr id="3" name="備忘稿版面配置區 2"/>
+          <p:cNvSpPr>
+            <a:spLocks noGrp="1"/>
+          </p:cNvSpPr>
+          <p:nvPr>
+            <p:ph type="body" idx="1"/>
+          </p:nvPr>
+        </p:nvSpPr>
+        <p:spPr/>
+        <p:txBody>
+          <a:bodyPr/>
+          <a:lstStyle/>
+          <a:p>
+            <a:r>
+              <a:rPr lang="zh-TW" altLang="en-US" dirty="0"/>
+              <a:t>主角跟幾位大學同學約好在開學前要一起去綠島玩。主角是男生擁有深藍色短髮、白皮膚細長臉、戴細框眼鏡、藍紫色眼睛</a:t>
+            </a:r>
+            <a:r>
+              <a:rPr lang="en-US" altLang="zh-TW" dirty="0"/>
+              <a:t>(</a:t>
+            </a:r>
+            <a:r>
+              <a:rPr lang="zh-TW" altLang="en-US" dirty="0"/>
+              <a:t>和頭髮很像</a:t>
+            </a:r>
+            <a:r>
+              <a:rPr lang="en-US" altLang="zh-TW" dirty="0"/>
+              <a:t>)</a:t>
+            </a:r>
+            <a:r>
+              <a:rPr lang="zh-TW" altLang="en-US" dirty="0"/>
+              <a:t>，並且是日本動漫風格，請根據前面描述生成主角和適合的背景圖片</a:t>
+            </a:r>
+            <a:r>
+              <a:rPr lang="en-US" altLang="zh-TW" dirty="0"/>
+              <a:t>(</a:t>
+            </a:r>
+            <a:r>
+              <a:rPr lang="zh-TW" altLang="en-US" dirty="0"/>
+              <a:t>有大學同學綠島，不需要人物介紹</a:t>
+            </a:r>
+            <a:r>
+              <a:rPr lang="en-US" altLang="zh-TW" dirty="0"/>
+              <a:t>)</a:t>
+            </a:r>
+            <a:r>
+              <a:rPr lang="zh-TW" altLang="en-US" dirty="0"/>
+              <a:t>讓我可以看圖說故事。</a:t>
+            </a:r>
+          </a:p>
+        </p:txBody>
+      </p:sp>
+      <p:sp>
+        <p:nvSpPr>
+          <p:cNvPr id="4" name="投影片編號版面配置區 3"/>
+          <p:cNvSpPr>
+            <a:spLocks noGrp="1"/>
+          </p:cNvSpPr>
+          <p:nvPr>
+            <p:ph type="sldNum" sz="quarter" idx="5"/>
+          </p:nvPr>
+        </p:nvSpPr>
+        <p:spPr/>
+        <p:txBody>
+          <a:bodyPr/>
+          <a:lstStyle/>
+          <a:p>
+            <a:fld id="{A33D6E49-B626-4B80-9E21-BA59F75776F8}" type="slidenum">
+              <a:rPr lang="zh-TW" altLang="en-US" smtClean="0"/>
+              <a:t>2</a:t>
+            </a:fld>
+            <a:endParaRPr lang="zh-TW" altLang="en-US"/>
+          </a:p>
+        </p:txBody>
+      </p:sp>
+    </p:spTree>
+    <p:extLst>
+      <p:ext uri="{BB962C8B-B14F-4D97-AF65-F5344CB8AC3E}">
+        <p14:creationId xmlns:p14="http://schemas.microsoft.com/office/powerpoint/2010/main" val="662748137"/>
+      </p:ext>
+    </p:extLst>
+  </p:cSld>
+  <p:clrMapOvr>
+    <a:masterClrMapping/>
+  </p:clrMapOvr>
+</p:notes>
+</file>
+
+<file path=ppt/notesSlides/notesSlide3.xml><?xml version="1.0" encoding="utf-8"?>
+<p:notes xmlns:a="http://schemas.openxmlformats.org/drawingml/2006/main" xmlns:r="http://schemas.openxmlformats.org/officeDocument/2006/relationships" xmlns:p="http://schemas.openxmlformats.org/presentationml/2006/main">
+  <p:cSld>
+    <p:spTree>
+      <p:nvGrpSpPr>
+        <p:cNvPr id="1" name=""/>
+        <p:cNvGrpSpPr/>
+        <p:nvPr/>
+      </p:nvGrpSpPr>
+      <p:grpSpPr>
+        <a:xfrm>
+          <a:off x="0" y="0"/>
+          <a:ext cx="0" cy="0"/>
+          <a:chOff x="0" y="0"/>
+          <a:chExt cx="0" cy="0"/>
+        </a:xfrm>
+      </p:grpSpPr>
+      <p:sp>
+        <p:nvSpPr>
+          <p:cNvPr id="2" name="投影片影像版面配置區 1"/>
+          <p:cNvSpPr>
+            <a:spLocks noGrp="1" noRot="1" noChangeAspect="1"/>
+          </p:cNvSpPr>
+          <p:nvPr>
+            <p:ph type="sldImg"/>
+          </p:nvPr>
+        </p:nvSpPr>
+        <p:spPr/>
+      </p:sp>
+      <p:sp>
+        <p:nvSpPr>
+          <p:cNvPr id="3" name="備忘稿版面配置區 2"/>
+          <p:cNvSpPr>
+            <a:spLocks noGrp="1"/>
+          </p:cNvSpPr>
+          <p:nvPr>
+            <p:ph type="body" idx="1"/>
+          </p:nvPr>
+        </p:nvSpPr>
+        <p:spPr/>
+        <p:txBody>
+          <a:bodyPr/>
+          <a:lstStyle/>
+          <a:p>
+            <a:pPr algn="l"/>
+            <a:r>
+              <a:rPr lang="zh-TW" altLang="en-US" b="0" i="0" dirty="0">
+                <a:solidFill>
+                  <a:srgbClr val="282523"/>
+                </a:solidFill>
+                <a:effectLst/>
+                <a:highlight>
+                  <a:srgbClr val="F8F4F2"/>
+                </a:highlight>
+                <a:latin typeface="Ginto"/>
+              </a:rPr>
+              <a:t>但是出發前一天中央氣象局的網站公告綠島易有</a:t>
+            </a:r>
+            <a:r>
+              <a:rPr lang="en-US" altLang="zh-TW" b="0" i="0" dirty="0">
+                <a:solidFill>
+                  <a:srgbClr val="282523"/>
+                </a:solidFill>
+                <a:effectLst/>
+                <a:highlight>
+                  <a:srgbClr val="F8F4F2"/>
+                </a:highlight>
+                <a:latin typeface="Ginto"/>
+              </a:rPr>
+              <a:t>9~10</a:t>
+            </a:r>
+            <a:r>
+              <a:rPr lang="zh-TW" altLang="en-US" b="0" i="0" dirty="0">
+                <a:solidFill>
+                  <a:srgbClr val="282523"/>
+                </a:solidFill>
+                <a:effectLst/>
+                <a:highlight>
+                  <a:srgbClr val="F8F4F2"/>
+                </a:highlight>
+                <a:latin typeface="Ginto"/>
+              </a:rPr>
+              <a:t>級強陣風。主角是男生擁有深藍色短髮、白皮膚細長臉、戴細框眼鏡、藍紫色眼睛</a:t>
+            </a:r>
+            <a:r>
+              <a:rPr lang="en-US" altLang="zh-TW" b="0" i="0" dirty="0">
+                <a:solidFill>
+                  <a:srgbClr val="282523"/>
+                </a:solidFill>
+                <a:effectLst/>
+                <a:highlight>
+                  <a:srgbClr val="F8F4F2"/>
+                </a:highlight>
+                <a:latin typeface="Ginto"/>
+              </a:rPr>
+              <a:t>(</a:t>
+            </a:r>
+            <a:r>
+              <a:rPr lang="zh-TW" altLang="en-US" b="0" i="0" dirty="0">
+                <a:solidFill>
+                  <a:srgbClr val="282523"/>
+                </a:solidFill>
+                <a:effectLst/>
+                <a:highlight>
+                  <a:srgbClr val="F8F4F2"/>
+                </a:highlight>
+                <a:latin typeface="Ginto"/>
+              </a:rPr>
+              <a:t>和頭髮很像</a:t>
+            </a:r>
+            <a:r>
+              <a:rPr lang="en-US" altLang="zh-TW" b="0" i="0" dirty="0">
+                <a:solidFill>
+                  <a:srgbClr val="282523"/>
+                </a:solidFill>
+                <a:effectLst/>
+                <a:highlight>
+                  <a:srgbClr val="F8F4F2"/>
+                </a:highlight>
+                <a:latin typeface="Ginto"/>
+              </a:rPr>
+              <a:t>)</a:t>
+            </a:r>
+            <a:r>
+              <a:rPr lang="zh-TW" altLang="en-US" b="0" i="0" dirty="0">
+                <a:solidFill>
+                  <a:srgbClr val="282523"/>
+                </a:solidFill>
+                <a:effectLst/>
+                <a:highlight>
+                  <a:srgbClr val="F8F4F2"/>
+                </a:highlight>
+                <a:latin typeface="Ginto"/>
+              </a:rPr>
+              <a:t>，並且是日本動漫風格，請根據前面描述生成主角苦惱的樣子和適合的背景圖片</a:t>
+            </a:r>
+            <a:r>
+              <a:rPr lang="en-US" altLang="zh-TW" b="0" i="0" dirty="0">
+                <a:solidFill>
+                  <a:srgbClr val="282523"/>
+                </a:solidFill>
+                <a:effectLst/>
+                <a:highlight>
+                  <a:srgbClr val="F8F4F2"/>
+                </a:highlight>
+                <a:latin typeface="Ginto"/>
+              </a:rPr>
+              <a:t>(</a:t>
+            </a:r>
+            <a:r>
+              <a:rPr lang="zh-TW" altLang="en-US" b="0" i="0" dirty="0">
+                <a:solidFill>
+                  <a:srgbClr val="282523"/>
+                </a:solidFill>
+                <a:effectLst/>
+                <a:highlight>
+                  <a:srgbClr val="F8F4F2"/>
+                </a:highlight>
+                <a:latin typeface="Ginto"/>
+              </a:rPr>
+              <a:t>氣象預報</a:t>
+            </a:r>
+            <a:r>
+              <a:rPr lang="en-US" altLang="zh-TW" b="0" i="0" dirty="0">
+                <a:solidFill>
+                  <a:srgbClr val="282523"/>
+                </a:solidFill>
+                <a:effectLst/>
+                <a:highlight>
+                  <a:srgbClr val="F8F4F2"/>
+                </a:highlight>
+                <a:latin typeface="Ginto"/>
+              </a:rPr>
+              <a:t>)</a:t>
+            </a:r>
+            <a:r>
+              <a:rPr lang="zh-TW" altLang="en-US" b="0" i="0" dirty="0">
+                <a:solidFill>
+                  <a:srgbClr val="282523"/>
+                </a:solidFill>
+                <a:effectLst/>
+                <a:highlight>
+                  <a:srgbClr val="F8F4F2"/>
+                </a:highlight>
+                <a:latin typeface="Ginto"/>
+              </a:rPr>
+              <a:t>讓我可以看圖說故事。</a:t>
+            </a:r>
+          </a:p>
+          <a:p>
+            <a:pPr algn="l"/>
+            <a:endParaRPr lang="zh-TW" altLang="en-US" b="0" i="0" dirty="0">
+              <a:solidFill>
+                <a:srgbClr val="282523"/>
+              </a:solidFill>
+              <a:effectLst/>
+              <a:highlight>
+                <a:srgbClr val="F8F4F2"/>
+              </a:highlight>
+              <a:latin typeface="Ginto"/>
+            </a:endParaRPr>
+          </a:p>
+        </p:txBody>
+      </p:sp>
+      <p:sp>
+        <p:nvSpPr>
+          <p:cNvPr id="4" name="投影片編號版面配置區 3"/>
+          <p:cNvSpPr>
+            <a:spLocks noGrp="1"/>
+          </p:cNvSpPr>
+          <p:nvPr>
+            <p:ph type="sldNum" sz="quarter" idx="5"/>
+          </p:nvPr>
+        </p:nvSpPr>
+        <p:spPr/>
+        <p:txBody>
+          <a:bodyPr/>
+          <a:lstStyle/>
+          <a:p>
+            <a:fld id="{A33D6E49-B626-4B80-9E21-BA59F75776F8}" type="slidenum">
+              <a:rPr lang="zh-TW" altLang="en-US" smtClean="0"/>
+              <a:t>3</a:t>
+            </a:fld>
+            <a:endParaRPr lang="zh-TW" altLang="en-US"/>
+          </a:p>
+        </p:txBody>
+      </p:sp>
+    </p:spTree>
+    <p:extLst>
+      <p:ext uri="{BB962C8B-B14F-4D97-AF65-F5344CB8AC3E}">
+        <p14:creationId xmlns:p14="http://schemas.microsoft.com/office/powerpoint/2010/main" val="3878831978"/>
+      </p:ext>
+    </p:extLst>
+  </p:cSld>
+  <p:clrMapOvr>
+    <a:masterClrMapping/>
+  </p:clrMapOvr>
+</p:notes>
+</file>
+
+<file path=ppt/notesSlides/notesSlide4.xml><?xml version="1.0" encoding="utf-8"?>
+<p:notes xmlns:a="http://schemas.openxmlformats.org/drawingml/2006/main" xmlns:r="http://schemas.openxmlformats.org/officeDocument/2006/relationships" xmlns:p="http://schemas.openxmlformats.org/presentationml/2006/main">
+  <p:cSld>
+    <p:spTree>
+      <p:nvGrpSpPr>
+        <p:cNvPr id="1" name=""/>
+        <p:cNvGrpSpPr/>
+        <p:nvPr/>
+      </p:nvGrpSpPr>
+      <p:grpSpPr>
+        <a:xfrm>
+          <a:off x="0" y="0"/>
+          <a:ext cx="0" cy="0"/>
+          <a:chOff x="0" y="0"/>
+          <a:chExt cx="0" cy="0"/>
+        </a:xfrm>
+      </p:grpSpPr>
+      <p:sp>
+        <p:nvSpPr>
+          <p:cNvPr id="2" name="投影片影像版面配置區 1"/>
+          <p:cNvSpPr>
+            <a:spLocks noGrp="1" noRot="1" noChangeAspect="1"/>
+          </p:cNvSpPr>
+          <p:nvPr>
+            <p:ph type="sldImg"/>
+          </p:nvPr>
+        </p:nvSpPr>
+        <p:spPr/>
+      </p:sp>
+      <p:sp>
+        <p:nvSpPr>
+          <p:cNvPr id="3" name="備忘稿版面配置區 2"/>
+          <p:cNvSpPr>
+            <a:spLocks noGrp="1"/>
+          </p:cNvSpPr>
+          <p:nvPr>
+            <p:ph type="body" idx="1"/>
+          </p:nvPr>
+        </p:nvSpPr>
+        <p:spPr/>
+        <p:txBody>
+          <a:bodyPr/>
+          <a:lstStyle/>
+          <a:p>
+            <a:r>
+              <a:rPr lang="zh-TW" altLang="en-US" dirty="0"/>
+              <a:t>在出發前我們都吃好暈車藥，並且睡飽準備搭船。主角是男生擁有深藍色短髮、白皮膚細長臉、戴細框眼鏡、藍紫色眼睛</a:t>
+            </a:r>
+            <a:r>
+              <a:rPr lang="en-US" altLang="zh-TW" dirty="0"/>
+              <a:t>(</a:t>
+            </a:r>
+            <a:r>
+              <a:rPr lang="zh-TW" altLang="en-US" dirty="0"/>
+              <a:t>和頭髮很像</a:t>
+            </a:r>
+            <a:r>
+              <a:rPr lang="en-US" altLang="zh-TW" dirty="0"/>
+              <a:t>)</a:t>
+            </a:r>
+            <a:r>
+              <a:rPr lang="zh-TW" altLang="en-US" dirty="0"/>
+              <a:t>，並且是日本動漫風格，請根據前面描述生成主角吃暈船藥和適合的背景圖片</a:t>
+            </a:r>
+            <a:r>
+              <a:rPr lang="en-US" altLang="zh-TW" dirty="0"/>
+              <a:t>(</a:t>
+            </a:r>
+            <a:r>
+              <a:rPr lang="zh-TW" altLang="en-US" dirty="0"/>
+              <a:t>船</a:t>
+            </a:r>
+            <a:r>
+              <a:rPr lang="en-US" altLang="zh-TW" dirty="0"/>
+              <a:t>)</a:t>
+            </a:r>
+            <a:r>
+              <a:rPr lang="zh-TW" altLang="en-US" dirty="0"/>
+              <a:t>讓我可以看圖說故事。</a:t>
+            </a:r>
+          </a:p>
+        </p:txBody>
+      </p:sp>
+      <p:sp>
+        <p:nvSpPr>
+          <p:cNvPr id="4" name="投影片編號版面配置區 3"/>
+          <p:cNvSpPr>
+            <a:spLocks noGrp="1"/>
+          </p:cNvSpPr>
+          <p:nvPr>
+            <p:ph type="sldNum" sz="quarter" idx="5"/>
+          </p:nvPr>
+        </p:nvSpPr>
+        <p:spPr/>
+        <p:txBody>
+          <a:bodyPr/>
+          <a:lstStyle/>
+          <a:p>
+            <a:fld id="{A33D6E49-B626-4B80-9E21-BA59F75776F8}" type="slidenum">
+              <a:rPr lang="zh-TW" altLang="en-US" smtClean="0"/>
+              <a:t>4</a:t>
+            </a:fld>
+            <a:endParaRPr lang="zh-TW" altLang="en-US"/>
+          </a:p>
+        </p:txBody>
+      </p:sp>
+    </p:spTree>
+    <p:extLst>
+      <p:ext uri="{BB962C8B-B14F-4D97-AF65-F5344CB8AC3E}">
+        <p14:creationId xmlns:p14="http://schemas.microsoft.com/office/powerpoint/2010/main" val="1952004891"/>
+      </p:ext>
+    </p:extLst>
+  </p:cSld>
+  <p:clrMapOvr>
+    <a:masterClrMapping/>
+  </p:clrMapOvr>
+</p:notes>
+</file>
+
+<file path=ppt/notesSlides/notesSlide5.xml><?xml version="1.0" encoding="utf-8"?>
+<p:notes xmlns:a="http://schemas.openxmlformats.org/drawingml/2006/main" xmlns:r="http://schemas.openxmlformats.org/officeDocument/2006/relationships" xmlns:p="http://schemas.openxmlformats.org/presentationml/2006/main">
+  <p:cSld>
+    <p:spTree>
+      <p:nvGrpSpPr>
+        <p:cNvPr id="1" name=""/>
+        <p:cNvGrpSpPr/>
+        <p:nvPr/>
+      </p:nvGrpSpPr>
+      <p:grpSpPr>
+        <a:xfrm>
+          <a:off x="0" y="0"/>
+          <a:ext cx="0" cy="0"/>
+          <a:chOff x="0" y="0"/>
+          <a:chExt cx="0" cy="0"/>
+        </a:xfrm>
+      </p:grpSpPr>
+      <p:sp>
+        <p:nvSpPr>
+          <p:cNvPr id="2" name="投影片影像版面配置區 1"/>
+          <p:cNvSpPr>
+            <a:spLocks noGrp="1" noRot="1" noChangeAspect="1"/>
+          </p:cNvSpPr>
+          <p:nvPr>
+            <p:ph type="sldImg"/>
+          </p:nvPr>
+        </p:nvSpPr>
+        <p:spPr/>
+      </p:sp>
+      <p:sp>
+        <p:nvSpPr>
+          <p:cNvPr id="3" name="備忘稿版面配置區 2"/>
+          <p:cNvSpPr>
+            <a:spLocks noGrp="1"/>
+          </p:cNvSpPr>
+          <p:nvPr>
+            <p:ph type="body" idx="1"/>
+          </p:nvPr>
+        </p:nvSpPr>
+        <p:spPr/>
+        <p:txBody>
+          <a:bodyPr/>
+          <a:lstStyle/>
+          <a:p>
+            <a:r>
+              <a:rPr lang="zh-TW" altLang="en-US" dirty="0"/>
+              <a:t>船在出發後果然如預期的一樣晃，不時還會整艘船噴射離開海面。主角是男生擁有深藍色短髮、白皮膚細長臉、戴細框眼鏡、藍紫色眼睛</a:t>
+            </a:r>
+            <a:r>
+              <a:rPr lang="en-US" altLang="zh-TW" dirty="0"/>
+              <a:t>(</a:t>
+            </a:r>
+            <a:r>
+              <a:rPr lang="zh-TW" altLang="en-US" dirty="0"/>
+              <a:t>和頭髮很像</a:t>
+            </a:r>
+            <a:r>
+              <a:rPr lang="en-US" altLang="zh-TW" dirty="0"/>
+              <a:t>)</a:t>
+            </a:r>
+            <a:r>
+              <a:rPr lang="zh-TW" altLang="en-US" dirty="0"/>
+              <a:t>，並且是日本動漫風格，請根據前面描述生成主角搭大船和適合的背景圖片讓我可以看圖說故事。</a:t>
+            </a:r>
+          </a:p>
+        </p:txBody>
+      </p:sp>
+      <p:sp>
+        <p:nvSpPr>
+          <p:cNvPr id="4" name="投影片編號版面配置區 3"/>
+          <p:cNvSpPr>
+            <a:spLocks noGrp="1"/>
+          </p:cNvSpPr>
+          <p:nvPr>
+            <p:ph type="sldNum" sz="quarter" idx="5"/>
+          </p:nvPr>
+        </p:nvSpPr>
+        <p:spPr/>
+        <p:txBody>
+          <a:bodyPr/>
+          <a:lstStyle/>
+          <a:p>
+            <a:fld id="{A33D6E49-B626-4B80-9E21-BA59F75776F8}" type="slidenum">
+              <a:rPr lang="zh-TW" altLang="en-US" smtClean="0"/>
+              <a:t>5</a:t>
+            </a:fld>
+            <a:endParaRPr lang="zh-TW" altLang="en-US"/>
+          </a:p>
+        </p:txBody>
+      </p:sp>
+    </p:spTree>
+    <p:extLst>
+      <p:ext uri="{BB962C8B-B14F-4D97-AF65-F5344CB8AC3E}">
+        <p14:creationId xmlns:p14="http://schemas.microsoft.com/office/powerpoint/2010/main" val="1813277496"/>
+      </p:ext>
+    </p:extLst>
+  </p:cSld>
+  <p:clrMapOvr>
+    <a:masterClrMapping/>
+  </p:clrMapOvr>
+</p:notes>
+</file>
+
+<file path=ppt/notesSlides/notesSlide6.xml><?xml version="1.0" encoding="utf-8"?>
+<p:notes xmlns:a="http://schemas.openxmlformats.org/drawingml/2006/main" xmlns:r="http://schemas.openxmlformats.org/officeDocument/2006/relationships" xmlns:p="http://schemas.openxmlformats.org/presentationml/2006/main">
+  <p:cSld>
+    <p:spTree>
+      <p:nvGrpSpPr>
+        <p:cNvPr id="1" name=""/>
+        <p:cNvGrpSpPr/>
+        <p:nvPr/>
+      </p:nvGrpSpPr>
+      <p:grpSpPr>
+        <a:xfrm>
+          <a:off x="0" y="0"/>
+          <a:ext cx="0" cy="0"/>
+          <a:chOff x="0" y="0"/>
+          <a:chExt cx="0" cy="0"/>
+        </a:xfrm>
+      </p:grpSpPr>
+      <p:sp>
+        <p:nvSpPr>
+          <p:cNvPr id="2" name="投影片影像版面配置區 1"/>
+          <p:cNvSpPr>
+            <a:spLocks noGrp="1" noRot="1" noChangeAspect="1"/>
+          </p:cNvSpPr>
+          <p:nvPr>
+            <p:ph type="sldImg"/>
+          </p:nvPr>
+        </p:nvSpPr>
+        <p:spPr/>
+      </p:sp>
+      <p:sp>
+        <p:nvSpPr>
+          <p:cNvPr id="3" name="備忘稿版面配置區 2"/>
+          <p:cNvSpPr>
+            <a:spLocks noGrp="1"/>
+          </p:cNvSpPr>
+          <p:nvPr>
+            <p:ph type="body" idx="1"/>
+          </p:nvPr>
+        </p:nvSpPr>
+        <p:spPr/>
+        <p:txBody>
+          <a:bodyPr/>
+          <a:lstStyle/>
+          <a:p>
+            <a:r>
+              <a:rPr lang="zh-TW" altLang="en-US" dirty="0"/>
+              <a:t>在行駛</a:t>
+            </a:r>
+            <a:r>
+              <a:rPr lang="en-US" altLang="zh-TW" dirty="0"/>
+              <a:t>10</a:t>
+            </a:r>
+            <a:r>
+              <a:rPr lang="zh-TW" altLang="en-US" dirty="0"/>
+              <a:t>分鐘之後船上陸陸續續開始有嘔吐的聲音出現。主角是男生擁有深藍色短髮、白皮膚細長臉、戴細框眼鏡、藍紫色眼睛</a:t>
+            </a:r>
+            <a:r>
+              <a:rPr lang="en-US" altLang="zh-TW" dirty="0"/>
+              <a:t>(</a:t>
+            </a:r>
+            <a:r>
+              <a:rPr lang="zh-TW" altLang="en-US" dirty="0"/>
+              <a:t>和頭髮很像</a:t>
+            </a:r>
+            <a:r>
+              <a:rPr lang="en-US" altLang="zh-TW" dirty="0"/>
+              <a:t>)</a:t>
+            </a:r>
+            <a:r>
+              <a:rPr lang="zh-TW" altLang="en-US" dirty="0"/>
+              <a:t>，並且是日本動漫風格，請根據前面描述生成主角不舒服和適合的背景圖片</a:t>
+            </a:r>
+            <a:r>
+              <a:rPr lang="en-US" altLang="zh-TW" dirty="0"/>
+              <a:t>(</a:t>
+            </a:r>
+            <a:r>
+              <a:rPr lang="zh-TW" altLang="en-US" dirty="0"/>
+              <a:t>有人嘔吐</a:t>
+            </a:r>
+            <a:r>
+              <a:rPr lang="en-US" altLang="zh-TW" dirty="0"/>
+              <a:t>)</a:t>
+            </a:r>
+            <a:r>
+              <a:rPr lang="zh-TW" altLang="en-US" dirty="0"/>
+              <a:t>讓我可以看圖說故事。</a:t>
+            </a:r>
+          </a:p>
+        </p:txBody>
+      </p:sp>
+      <p:sp>
+        <p:nvSpPr>
+          <p:cNvPr id="4" name="投影片編號版面配置區 3"/>
+          <p:cNvSpPr>
+            <a:spLocks noGrp="1"/>
+          </p:cNvSpPr>
+          <p:nvPr>
+            <p:ph type="sldNum" sz="quarter" idx="5"/>
+          </p:nvPr>
+        </p:nvSpPr>
+        <p:spPr/>
+        <p:txBody>
+          <a:bodyPr/>
+          <a:lstStyle/>
+          <a:p>
+            <a:fld id="{A33D6E49-B626-4B80-9E21-BA59F75776F8}" type="slidenum">
+              <a:rPr lang="zh-TW" altLang="en-US" smtClean="0"/>
+              <a:t>6</a:t>
+            </a:fld>
+            <a:endParaRPr lang="zh-TW" altLang="en-US"/>
+          </a:p>
+        </p:txBody>
+      </p:sp>
+    </p:spTree>
+    <p:extLst>
+      <p:ext uri="{BB962C8B-B14F-4D97-AF65-F5344CB8AC3E}">
+        <p14:creationId xmlns:p14="http://schemas.microsoft.com/office/powerpoint/2010/main" val="3949013063"/>
+      </p:ext>
+    </p:extLst>
+  </p:cSld>
+  <p:clrMapOvr>
+    <a:masterClrMapping/>
+  </p:clrMapOvr>
+</p:notes>
+</file>
+
+<file path=ppt/notesSlides/notesSlide7.xml><?xml version="1.0" encoding="utf-8"?>
+<p:notes xmlns:a="http://schemas.openxmlformats.org/drawingml/2006/main" xmlns:r="http://schemas.openxmlformats.org/officeDocument/2006/relationships" xmlns:p="http://schemas.openxmlformats.org/presentationml/2006/main">
+  <p:cSld>
+    <p:spTree>
+      <p:nvGrpSpPr>
+        <p:cNvPr id="1" name=""/>
+        <p:cNvGrpSpPr/>
+        <p:nvPr/>
+      </p:nvGrpSpPr>
+      <p:grpSpPr>
+        <a:xfrm>
+          <a:off x="0" y="0"/>
+          <a:ext cx="0" cy="0"/>
+          <a:chOff x="0" y="0"/>
+          <a:chExt cx="0" cy="0"/>
+        </a:xfrm>
+      </p:grpSpPr>
+      <p:sp>
+        <p:nvSpPr>
+          <p:cNvPr id="2" name="投影片影像版面配置區 1"/>
+          <p:cNvSpPr>
+            <a:spLocks noGrp="1" noRot="1" noChangeAspect="1"/>
+          </p:cNvSpPr>
+          <p:nvPr>
+            <p:ph type="sldImg"/>
+          </p:nvPr>
+        </p:nvSpPr>
+        <p:spPr/>
+      </p:sp>
+      <p:sp>
+        <p:nvSpPr>
+          <p:cNvPr id="3" name="備忘稿版面配置區 2"/>
+          <p:cNvSpPr>
+            <a:spLocks noGrp="1"/>
+          </p:cNvSpPr>
+          <p:nvPr>
+            <p:ph type="body" idx="1"/>
+          </p:nvPr>
+        </p:nvSpPr>
+        <p:spPr/>
+        <p:txBody>
+          <a:bodyPr/>
+          <a:lstStyle/>
+          <a:p>
+            <a:r>
+              <a:rPr lang="zh-TW" altLang="en-US" dirty="0"/>
+              <a:t>在</a:t>
+            </a:r>
+            <a:r>
+              <a:rPr lang="en-US" altLang="zh-TW" dirty="0"/>
+              <a:t>50</a:t>
+            </a:r>
+            <a:r>
+              <a:rPr lang="zh-TW" altLang="en-US" dirty="0"/>
+              <a:t>分鐘的航程中一直覺得快要撐不下去了，但不去注意時間，閉上眼睛休息後，好不容易終於撐過去了。主角是男生擁有深藍色短髮、白皮膚細長臉、戴細框眼鏡、藍紫色眼睛</a:t>
+            </a:r>
+            <a:r>
+              <a:rPr lang="en-US" altLang="zh-TW" dirty="0"/>
+              <a:t>(</a:t>
+            </a:r>
+            <a:r>
+              <a:rPr lang="zh-TW" altLang="en-US" dirty="0"/>
+              <a:t>和頭髮很像</a:t>
+            </a:r>
+            <a:r>
+              <a:rPr lang="en-US" altLang="zh-TW" dirty="0"/>
+              <a:t>)</a:t>
+            </a:r>
+            <a:r>
+              <a:rPr lang="zh-TW" altLang="en-US" dirty="0"/>
+              <a:t>，並且是日本動漫風格，請根據前面描述生成主角豁然開朗和適合的背景圖片讓我可以看圖說故事。</a:t>
+            </a:r>
+          </a:p>
+          <a:p>
+            <a:endParaRPr lang="zh-TW" altLang="en-US" dirty="0"/>
+          </a:p>
+        </p:txBody>
+      </p:sp>
+      <p:sp>
+        <p:nvSpPr>
+          <p:cNvPr id="4" name="投影片編號版面配置區 3"/>
+          <p:cNvSpPr>
+            <a:spLocks noGrp="1"/>
+          </p:cNvSpPr>
+          <p:nvPr>
+            <p:ph type="sldNum" sz="quarter" idx="5"/>
+          </p:nvPr>
+        </p:nvSpPr>
+        <p:spPr/>
+        <p:txBody>
+          <a:bodyPr/>
+          <a:lstStyle/>
+          <a:p>
+            <a:fld id="{A33D6E49-B626-4B80-9E21-BA59F75776F8}" type="slidenum">
+              <a:rPr lang="zh-TW" altLang="en-US" smtClean="0"/>
+              <a:t>7</a:t>
+            </a:fld>
+            <a:endParaRPr lang="zh-TW" altLang="en-US"/>
+          </a:p>
+        </p:txBody>
+      </p:sp>
+    </p:spTree>
+    <p:extLst>
+      <p:ext uri="{BB962C8B-B14F-4D97-AF65-F5344CB8AC3E}">
+        <p14:creationId xmlns:p14="http://schemas.microsoft.com/office/powerpoint/2010/main" val="937657847"/>
+      </p:ext>
+    </p:extLst>
+  </p:cSld>
+  <p:clrMapOvr>
+    <a:masterClrMapping/>
+  </p:clrMapOvr>
+</p:notes>
+</file>
+
+<file path=ppt/notesSlides/notesSlide8.xml><?xml version="1.0" encoding="utf-8"?>
+<p:notes xmlns:a="http://schemas.openxmlformats.org/drawingml/2006/main" xmlns:r="http://schemas.openxmlformats.org/officeDocument/2006/relationships" xmlns:p="http://schemas.openxmlformats.org/presentationml/2006/main">
+  <p:cSld>
+    <p:spTree>
+      <p:nvGrpSpPr>
+        <p:cNvPr id="1" name=""/>
+        <p:cNvGrpSpPr/>
+        <p:nvPr/>
+      </p:nvGrpSpPr>
+      <p:grpSpPr>
+        <a:xfrm>
+          <a:off x="0" y="0"/>
+          <a:ext cx="0" cy="0"/>
+          <a:chOff x="0" y="0"/>
+          <a:chExt cx="0" cy="0"/>
+        </a:xfrm>
+      </p:grpSpPr>
+      <p:sp>
+        <p:nvSpPr>
+          <p:cNvPr id="2" name="投影片影像版面配置區 1"/>
+          <p:cNvSpPr>
+            <a:spLocks noGrp="1" noRot="1" noChangeAspect="1"/>
+          </p:cNvSpPr>
+          <p:nvPr>
+            <p:ph type="sldImg"/>
+          </p:nvPr>
+        </p:nvSpPr>
+        <p:spPr/>
+      </p:sp>
+      <p:sp>
+        <p:nvSpPr>
+          <p:cNvPr id="3" name="備忘稿版面配置區 2"/>
+          <p:cNvSpPr>
+            <a:spLocks noGrp="1"/>
+          </p:cNvSpPr>
+          <p:nvPr>
+            <p:ph type="body" idx="1"/>
+          </p:nvPr>
+        </p:nvSpPr>
+        <p:spPr/>
+        <p:txBody>
+          <a:bodyPr/>
+          <a:lstStyle/>
+          <a:p>
+            <a:r>
+              <a:rPr lang="zh-TW" altLang="en-US" dirty="0"/>
+              <a:t>於是我們開心地在綠島玩了兩天，回程的船也不向去的時候那麼晃了。主角是男生擁有深藍色短髮、白皮膚細長臉、戴細框眼鏡、藍紫色眼睛</a:t>
+            </a:r>
+            <a:r>
+              <a:rPr lang="en-US" altLang="zh-TW" dirty="0"/>
+              <a:t>(</a:t>
+            </a:r>
+            <a:r>
+              <a:rPr lang="zh-TW" altLang="en-US" dirty="0"/>
+              <a:t>和頭髮很像</a:t>
+            </a:r>
+            <a:r>
+              <a:rPr lang="en-US" altLang="zh-TW" dirty="0"/>
+              <a:t>)</a:t>
+            </a:r>
+            <a:r>
+              <a:rPr lang="zh-TW" altLang="en-US" dirty="0"/>
+              <a:t>，並且是日本動漫風格，請根據前面描述生成主角開心的和朋友玩和適合的背景圖片讓我可以看圖說故事。</a:t>
+            </a:r>
+          </a:p>
+        </p:txBody>
+      </p:sp>
+      <p:sp>
+        <p:nvSpPr>
+          <p:cNvPr id="4" name="投影片編號版面配置區 3"/>
+          <p:cNvSpPr>
+            <a:spLocks noGrp="1"/>
+          </p:cNvSpPr>
+          <p:nvPr>
+            <p:ph type="sldNum" sz="quarter" idx="5"/>
+          </p:nvPr>
+        </p:nvSpPr>
+        <p:spPr/>
+        <p:txBody>
+          <a:bodyPr/>
+          <a:lstStyle/>
+          <a:p>
+            <a:fld id="{A33D6E49-B626-4B80-9E21-BA59F75776F8}" type="slidenum">
+              <a:rPr lang="zh-TW" altLang="en-US" smtClean="0"/>
+              <a:t>8</a:t>
+            </a:fld>
+            <a:endParaRPr lang="zh-TW" altLang="en-US"/>
+          </a:p>
+        </p:txBody>
+      </p:sp>
+    </p:spTree>
+    <p:extLst>
+      <p:ext uri="{BB962C8B-B14F-4D97-AF65-F5344CB8AC3E}">
+        <p14:creationId xmlns:p14="http://schemas.microsoft.com/office/powerpoint/2010/main" val="1853951394"/>
+      </p:ext>
+    </p:extLst>
+  </p:cSld>
+  <p:clrMapOvr>
+    <a:masterClrMapping/>
+  </p:clrMapOvr>
+</p:notes>
 </file>
 
 <file path=ppt/slideLayouts/slideLayout1.xml><?xml version="1.0" encoding="utf-8"?>
@@ -129,7 +1502,7 @@
           <p:cNvPr id="2" name="標題 1">
             <a:extLst>
               <a:ext uri="{FF2B5EF4-FFF2-40B4-BE49-F238E27FC236}">
-                <a16:creationId xmlns:a16="http://schemas.microsoft.com/office/drawing/2014/main" id="{EB5CC918-B447-434E-B98E-5847BB49C259}"/>
+                <a16:creationId xmlns:a16="http://schemas.microsoft.com/office/drawing/2014/main" id="{DA976D70-B3AE-E9FD-2984-A2AE4B3E6C9F}"/>
               </a:ext>
             </a:extLst>
           </p:cNvPr>
@@ -166,7 +1539,7 @@
           <p:cNvPr id="3" name="副標題 2">
             <a:extLst>
               <a:ext uri="{FF2B5EF4-FFF2-40B4-BE49-F238E27FC236}">
-                <a16:creationId xmlns:a16="http://schemas.microsoft.com/office/drawing/2014/main" id="{817FCC70-CC4E-4CB6-B2CF-9FDA5AC4D346}"/>
+                <a16:creationId xmlns:a16="http://schemas.microsoft.com/office/drawing/2014/main" id="{6E73D6F4-59D5-F455-5F87-6F87DDDC53E6}"/>
               </a:ext>
             </a:extLst>
           </p:cNvPr>
@@ -236,7 +1609,7 @@
           <p:cNvPr id="4" name="日期版面配置區 3">
             <a:extLst>
               <a:ext uri="{FF2B5EF4-FFF2-40B4-BE49-F238E27FC236}">
-                <a16:creationId xmlns:a16="http://schemas.microsoft.com/office/drawing/2014/main" id="{BD08F018-0004-4322-AD0F-E6E740964233}"/>
+                <a16:creationId xmlns:a16="http://schemas.microsoft.com/office/drawing/2014/main" id="{6C760F2E-CB47-C886-36D4-362434994225}"/>
               </a:ext>
             </a:extLst>
           </p:cNvPr>
@@ -252,9 +1625,9 @@
           <a:bodyPr/>
           <a:lstStyle/>
           <a:p>
-            <a:fld id="{C3C90D7E-32D6-4894-AE08-7BBB3E610FC9}" type="datetimeFigureOut">
+            <a:fld id="{29C5B9B3-A2F1-4F61-B536-CCB8A05526C9}" type="datetimeFigureOut">
               <a:rPr lang="zh-TW" altLang="en-US" smtClean="0"/>
-              <a:t>2024/9/16</a:t>
+              <a:t>2024/10/20</a:t>
             </a:fld>
             <a:endParaRPr lang="zh-TW" altLang="en-US"/>
           </a:p>
@@ -265,7 +1638,7 @@
           <p:cNvPr id="5" name="頁尾版面配置區 4">
             <a:extLst>
               <a:ext uri="{FF2B5EF4-FFF2-40B4-BE49-F238E27FC236}">
-                <a16:creationId xmlns:a16="http://schemas.microsoft.com/office/drawing/2014/main" id="{30427B34-CB13-41C7-B2F2-CED9BDC5B595}"/>
+                <a16:creationId xmlns:a16="http://schemas.microsoft.com/office/drawing/2014/main" id="{F74A8A7B-077C-B48B-74ED-6E72EDB571DF}"/>
               </a:ext>
             </a:extLst>
           </p:cNvPr>
@@ -290,7 +1663,7 @@
           <p:cNvPr id="6" name="投影片編號版面配置區 5">
             <a:extLst>
               <a:ext uri="{FF2B5EF4-FFF2-40B4-BE49-F238E27FC236}">
-                <a16:creationId xmlns:a16="http://schemas.microsoft.com/office/drawing/2014/main" id="{76FA962E-5B03-439A-928C-87366876542D}"/>
+                <a16:creationId xmlns:a16="http://schemas.microsoft.com/office/drawing/2014/main" id="{A3D72F84-CF86-026D-027B-ABF6DC0B9AA8}"/>
               </a:ext>
             </a:extLst>
           </p:cNvPr>
@@ -306,7 +1679,7 @@
           <a:bodyPr/>
           <a:lstStyle/>
           <a:p>
-            <a:fld id="{E31EC408-072F-4346-BD0A-D6AA5788A305}" type="slidenum">
+            <a:fld id="{4EE9ADEE-C307-4E23-A7FD-F3C37E405BDB}" type="slidenum">
               <a:rPr lang="zh-TW" altLang="en-US" smtClean="0"/>
               <a:t>‹#›</a:t>
             </a:fld>
@@ -317,7 +1690,7 @@
     </p:spTree>
     <p:extLst>
       <p:ext uri="{BB962C8B-B14F-4D97-AF65-F5344CB8AC3E}">
-        <p14:creationId xmlns:p14="http://schemas.microsoft.com/office/powerpoint/2010/main" val="2963035110"/>
+        <p14:creationId xmlns:p14="http://schemas.microsoft.com/office/powerpoint/2010/main" val="3510674829"/>
       </p:ext>
     </p:extLst>
   </p:cSld>
@@ -349,7 +1722,7 @@
           <p:cNvPr id="2" name="標題 1">
             <a:extLst>
               <a:ext uri="{FF2B5EF4-FFF2-40B4-BE49-F238E27FC236}">
-                <a16:creationId xmlns:a16="http://schemas.microsoft.com/office/drawing/2014/main" id="{A02F0018-7F8E-4206-A929-07CDC6B5F34A}"/>
+                <a16:creationId xmlns:a16="http://schemas.microsoft.com/office/drawing/2014/main" id="{1A975D8A-2343-F8BB-7464-2B69AABD06C3}"/>
               </a:ext>
             </a:extLst>
           </p:cNvPr>
@@ -377,7 +1750,7 @@
           <p:cNvPr id="3" name="直排文字版面配置區 2">
             <a:extLst>
               <a:ext uri="{FF2B5EF4-FFF2-40B4-BE49-F238E27FC236}">
-                <a16:creationId xmlns:a16="http://schemas.microsoft.com/office/drawing/2014/main" id="{9B801E88-34C3-4545-A358-81F5614FED64}"/>
+                <a16:creationId xmlns:a16="http://schemas.microsoft.com/office/drawing/2014/main" id="{10554B4B-33BC-7A4A-026C-D1A9557AAA2B}"/>
               </a:ext>
             </a:extLst>
           </p:cNvPr>
@@ -434,7 +1807,7 @@
           <p:cNvPr id="4" name="日期版面配置區 3">
             <a:extLst>
               <a:ext uri="{FF2B5EF4-FFF2-40B4-BE49-F238E27FC236}">
-                <a16:creationId xmlns:a16="http://schemas.microsoft.com/office/drawing/2014/main" id="{60AFD716-8B99-4230-B55F-C8B88ECBB171}"/>
+                <a16:creationId xmlns:a16="http://schemas.microsoft.com/office/drawing/2014/main" id="{24EA3D59-A78A-8D47-B705-5A0901302CD6}"/>
               </a:ext>
             </a:extLst>
           </p:cNvPr>
@@ -450,9 +1823,9 @@
           <a:bodyPr/>
           <a:lstStyle/>
           <a:p>
-            <a:fld id="{C3C90D7E-32D6-4894-AE08-7BBB3E610FC9}" type="datetimeFigureOut">
+            <a:fld id="{29C5B9B3-A2F1-4F61-B536-CCB8A05526C9}" type="datetimeFigureOut">
               <a:rPr lang="zh-TW" altLang="en-US" smtClean="0"/>
-              <a:t>2024/9/16</a:t>
+              <a:t>2024/10/20</a:t>
             </a:fld>
             <a:endParaRPr lang="zh-TW" altLang="en-US"/>
           </a:p>
@@ -463,7 +1836,7 @@
           <p:cNvPr id="5" name="頁尾版面配置區 4">
             <a:extLst>
               <a:ext uri="{FF2B5EF4-FFF2-40B4-BE49-F238E27FC236}">
-                <a16:creationId xmlns:a16="http://schemas.microsoft.com/office/drawing/2014/main" id="{EA374743-76D9-4BF8-A60C-2F50B2636A8A}"/>
+                <a16:creationId xmlns:a16="http://schemas.microsoft.com/office/drawing/2014/main" id="{F87DE99F-0847-7795-CB37-7B2AFDBBC9F0}"/>
               </a:ext>
             </a:extLst>
           </p:cNvPr>
@@ -488,7 +1861,7 @@
           <p:cNvPr id="6" name="投影片編號版面配置區 5">
             <a:extLst>
               <a:ext uri="{FF2B5EF4-FFF2-40B4-BE49-F238E27FC236}">
-                <a16:creationId xmlns:a16="http://schemas.microsoft.com/office/drawing/2014/main" id="{00454594-6C11-4013-A666-A151E960EC9B}"/>
+                <a16:creationId xmlns:a16="http://schemas.microsoft.com/office/drawing/2014/main" id="{4166FFF0-6E97-23D5-ABD9-E185AFD27220}"/>
               </a:ext>
             </a:extLst>
           </p:cNvPr>
@@ -504,7 +1877,7 @@
           <a:bodyPr/>
           <a:lstStyle/>
           <a:p>
-            <a:fld id="{E31EC408-072F-4346-BD0A-D6AA5788A305}" type="slidenum">
+            <a:fld id="{4EE9ADEE-C307-4E23-A7FD-F3C37E405BDB}" type="slidenum">
               <a:rPr lang="zh-TW" altLang="en-US" smtClean="0"/>
               <a:t>‹#›</a:t>
             </a:fld>
@@ -515,7 +1888,7 @@
     </p:spTree>
     <p:extLst>
       <p:ext uri="{BB962C8B-B14F-4D97-AF65-F5344CB8AC3E}">
-        <p14:creationId xmlns:p14="http://schemas.microsoft.com/office/powerpoint/2010/main" val="188953001"/>
+        <p14:creationId xmlns:p14="http://schemas.microsoft.com/office/powerpoint/2010/main" val="539742792"/>
       </p:ext>
     </p:extLst>
   </p:cSld>
@@ -547,7 +1920,7 @@
           <p:cNvPr id="2" name="直排標題 1">
             <a:extLst>
               <a:ext uri="{FF2B5EF4-FFF2-40B4-BE49-F238E27FC236}">
-                <a16:creationId xmlns:a16="http://schemas.microsoft.com/office/drawing/2014/main" id="{70F760AC-E708-4605-85E2-7D0F424B3E29}"/>
+                <a16:creationId xmlns:a16="http://schemas.microsoft.com/office/drawing/2014/main" id="{22198C43-37F4-4C2B-AE11-CDEC704F7DF1}"/>
               </a:ext>
             </a:extLst>
           </p:cNvPr>
@@ -580,7 +1953,7 @@
           <p:cNvPr id="3" name="直排文字版面配置區 2">
             <a:extLst>
               <a:ext uri="{FF2B5EF4-FFF2-40B4-BE49-F238E27FC236}">
-                <a16:creationId xmlns:a16="http://schemas.microsoft.com/office/drawing/2014/main" id="{84BECF48-F3B6-4D47-82A8-C6AE92EDC2F0}"/>
+                <a16:creationId xmlns:a16="http://schemas.microsoft.com/office/drawing/2014/main" id="{35DBAB1D-51DF-8EE3-2DD9-4DC80B31B780}"/>
               </a:ext>
             </a:extLst>
           </p:cNvPr>
@@ -642,7 +2015,7 @@
           <p:cNvPr id="4" name="日期版面配置區 3">
             <a:extLst>
               <a:ext uri="{FF2B5EF4-FFF2-40B4-BE49-F238E27FC236}">
-                <a16:creationId xmlns:a16="http://schemas.microsoft.com/office/drawing/2014/main" id="{215DE52A-093E-4116-A2FE-F61BA999B89F}"/>
+                <a16:creationId xmlns:a16="http://schemas.microsoft.com/office/drawing/2014/main" id="{B34B281B-8505-26C7-5727-9DF3CE2F691B}"/>
               </a:ext>
             </a:extLst>
           </p:cNvPr>
@@ -658,9 +2031,9 @@
           <a:bodyPr/>
           <a:lstStyle/>
           <a:p>
-            <a:fld id="{C3C90D7E-32D6-4894-AE08-7BBB3E610FC9}" type="datetimeFigureOut">
+            <a:fld id="{29C5B9B3-A2F1-4F61-B536-CCB8A05526C9}" type="datetimeFigureOut">
               <a:rPr lang="zh-TW" altLang="en-US" smtClean="0"/>
-              <a:t>2024/9/16</a:t>
+              <a:t>2024/10/20</a:t>
             </a:fld>
             <a:endParaRPr lang="zh-TW" altLang="en-US"/>
           </a:p>
@@ -671,7 +2044,7 @@
           <p:cNvPr id="5" name="頁尾版面配置區 4">
             <a:extLst>
               <a:ext uri="{FF2B5EF4-FFF2-40B4-BE49-F238E27FC236}">
-                <a16:creationId xmlns:a16="http://schemas.microsoft.com/office/drawing/2014/main" id="{34553FE1-A5D9-4070-AA9C-378F491D4677}"/>
+                <a16:creationId xmlns:a16="http://schemas.microsoft.com/office/drawing/2014/main" id="{C6F3C085-A484-B3E5-312A-D546AB724642}"/>
               </a:ext>
             </a:extLst>
           </p:cNvPr>
@@ -696,7 +2069,7 @@
           <p:cNvPr id="6" name="投影片編號版面配置區 5">
             <a:extLst>
               <a:ext uri="{FF2B5EF4-FFF2-40B4-BE49-F238E27FC236}">
-                <a16:creationId xmlns:a16="http://schemas.microsoft.com/office/drawing/2014/main" id="{928EFDDC-5B11-4543-8144-518625EDA57F}"/>
+                <a16:creationId xmlns:a16="http://schemas.microsoft.com/office/drawing/2014/main" id="{0622DE67-1961-6A06-A155-E0842D39699D}"/>
               </a:ext>
             </a:extLst>
           </p:cNvPr>
@@ -712,7 +2085,7 @@
           <a:bodyPr/>
           <a:lstStyle/>
           <a:p>
-            <a:fld id="{E31EC408-072F-4346-BD0A-D6AA5788A305}" type="slidenum">
+            <a:fld id="{4EE9ADEE-C307-4E23-A7FD-F3C37E405BDB}" type="slidenum">
               <a:rPr lang="zh-TW" altLang="en-US" smtClean="0"/>
               <a:t>‹#›</a:t>
             </a:fld>
@@ -723,7 +2096,7 @@
     </p:spTree>
     <p:extLst>
       <p:ext uri="{BB962C8B-B14F-4D97-AF65-F5344CB8AC3E}">
-        <p14:creationId xmlns:p14="http://schemas.microsoft.com/office/powerpoint/2010/main" val="2483123943"/>
+        <p14:creationId xmlns:p14="http://schemas.microsoft.com/office/powerpoint/2010/main" val="4103155378"/>
       </p:ext>
     </p:extLst>
   </p:cSld>
@@ -755,7 +2128,7 @@
           <p:cNvPr id="2" name="標題 1">
             <a:extLst>
               <a:ext uri="{FF2B5EF4-FFF2-40B4-BE49-F238E27FC236}">
-                <a16:creationId xmlns:a16="http://schemas.microsoft.com/office/drawing/2014/main" id="{A1BFCF4C-FB58-444C-B754-A594851E4C7B}"/>
+                <a16:creationId xmlns:a16="http://schemas.microsoft.com/office/drawing/2014/main" id="{12036BD7-A7DD-6727-7652-E0BB5EC8453E}"/>
               </a:ext>
             </a:extLst>
           </p:cNvPr>
@@ -783,7 +2156,7 @@
           <p:cNvPr id="3" name="內容版面配置區 2">
             <a:extLst>
               <a:ext uri="{FF2B5EF4-FFF2-40B4-BE49-F238E27FC236}">
-                <a16:creationId xmlns:a16="http://schemas.microsoft.com/office/drawing/2014/main" id="{987C475D-648F-4511-A6FE-04B04F755F93}"/>
+                <a16:creationId xmlns:a16="http://schemas.microsoft.com/office/drawing/2014/main" id="{FA168BDC-E1FA-42C8-B16E-123794EF30B9}"/>
               </a:ext>
             </a:extLst>
           </p:cNvPr>
@@ -840,7 +2213,7 @@
           <p:cNvPr id="4" name="日期版面配置區 3">
             <a:extLst>
               <a:ext uri="{FF2B5EF4-FFF2-40B4-BE49-F238E27FC236}">
-                <a16:creationId xmlns:a16="http://schemas.microsoft.com/office/drawing/2014/main" id="{F511FCF8-D8F7-4914-920F-D63F2D97F713}"/>
+                <a16:creationId xmlns:a16="http://schemas.microsoft.com/office/drawing/2014/main" id="{E4CAC25A-DFB8-D10C-FBD1-5E7E483C4313}"/>
               </a:ext>
             </a:extLst>
           </p:cNvPr>
@@ -856,9 +2229,9 @@
           <a:bodyPr/>
           <a:lstStyle/>
           <a:p>
-            <a:fld id="{C3C90D7E-32D6-4894-AE08-7BBB3E610FC9}" type="datetimeFigureOut">
+            <a:fld id="{29C5B9B3-A2F1-4F61-B536-CCB8A05526C9}" type="datetimeFigureOut">
               <a:rPr lang="zh-TW" altLang="en-US" smtClean="0"/>
-              <a:t>2024/9/16</a:t>
+              <a:t>2024/10/20</a:t>
             </a:fld>
             <a:endParaRPr lang="zh-TW" altLang="en-US"/>
           </a:p>
@@ -869,7 +2242,7 @@
           <p:cNvPr id="5" name="頁尾版面配置區 4">
             <a:extLst>
               <a:ext uri="{FF2B5EF4-FFF2-40B4-BE49-F238E27FC236}">
-                <a16:creationId xmlns:a16="http://schemas.microsoft.com/office/drawing/2014/main" id="{7E1D3E8F-338D-4B4D-B411-5282866FF95D}"/>
+                <a16:creationId xmlns:a16="http://schemas.microsoft.com/office/drawing/2014/main" id="{CA2C2C33-7DAC-ED8E-2EE6-259E3B155BD0}"/>
               </a:ext>
             </a:extLst>
           </p:cNvPr>
@@ -894,7 +2267,7 @@
           <p:cNvPr id="6" name="投影片編號版面配置區 5">
             <a:extLst>
               <a:ext uri="{FF2B5EF4-FFF2-40B4-BE49-F238E27FC236}">
-                <a16:creationId xmlns:a16="http://schemas.microsoft.com/office/drawing/2014/main" id="{F7DF3AD5-06B6-42D8-AEDF-66CCE6582524}"/>
+                <a16:creationId xmlns:a16="http://schemas.microsoft.com/office/drawing/2014/main" id="{CAAC9AB5-FD7B-46AB-B4F6-45392837657F}"/>
               </a:ext>
             </a:extLst>
           </p:cNvPr>
@@ -910,7 +2283,7 @@
           <a:bodyPr/>
           <a:lstStyle/>
           <a:p>
-            <a:fld id="{E31EC408-072F-4346-BD0A-D6AA5788A305}" type="slidenum">
+            <a:fld id="{4EE9ADEE-C307-4E23-A7FD-F3C37E405BDB}" type="slidenum">
               <a:rPr lang="zh-TW" altLang="en-US" smtClean="0"/>
               <a:t>‹#›</a:t>
             </a:fld>
@@ -921,7 +2294,7 @@
     </p:spTree>
     <p:extLst>
       <p:ext uri="{BB962C8B-B14F-4D97-AF65-F5344CB8AC3E}">
-        <p14:creationId xmlns:p14="http://schemas.microsoft.com/office/powerpoint/2010/main" val="4198509733"/>
+        <p14:creationId xmlns:p14="http://schemas.microsoft.com/office/powerpoint/2010/main" val="3015580067"/>
       </p:ext>
     </p:extLst>
   </p:cSld>
@@ -953,7 +2326,7 @@
           <p:cNvPr id="2" name="標題 1">
             <a:extLst>
               <a:ext uri="{FF2B5EF4-FFF2-40B4-BE49-F238E27FC236}">
-                <a16:creationId xmlns:a16="http://schemas.microsoft.com/office/drawing/2014/main" id="{5986B870-2B24-4658-9AEB-3C92E8E40B41}"/>
+                <a16:creationId xmlns:a16="http://schemas.microsoft.com/office/drawing/2014/main" id="{4E8EB251-E2D3-965B-CD3C-D2B51BE2545D}"/>
               </a:ext>
             </a:extLst>
           </p:cNvPr>
@@ -990,7 +2363,7 @@
           <p:cNvPr id="3" name="文字版面配置區 2">
             <a:extLst>
               <a:ext uri="{FF2B5EF4-FFF2-40B4-BE49-F238E27FC236}">
-                <a16:creationId xmlns:a16="http://schemas.microsoft.com/office/drawing/2014/main" id="{90235018-E757-4630-8511-F466B919268F}"/>
+                <a16:creationId xmlns:a16="http://schemas.microsoft.com/office/drawing/2014/main" id="{E554C5A3-1665-67AA-342C-D4428F86C1B8}"/>
               </a:ext>
             </a:extLst>
           </p:cNvPr>
@@ -1115,7 +2488,7 @@
           <p:cNvPr id="4" name="日期版面配置區 3">
             <a:extLst>
               <a:ext uri="{FF2B5EF4-FFF2-40B4-BE49-F238E27FC236}">
-                <a16:creationId xmlns:a16="http://schemas.microsoft.com/office/drawing/2014/main" id="{37546C76-CF19-433D-9070-0A54A149F1B2}"/>
+                <a16:creationId xmlns:a16="http://schemas.microsoft.com/office/drawing/2014/main" id="{45AC117F-8A07-E19A-EFB4-D1AA2ADC5141}"/>
               </a:ext>
             </a:extLst>
           </p:cNvPr>
@@ -1131,9 +2504,9 @@
           <a:bodyPr/>
           <a:lstStyle/>
           <a:p>
-            <a:fld id="{C3C90D7E-32D6-4894-AE08-7BBB3E610FC9}" type="datetimeFigureOut">
+            <a:fld id="{29C5B9B3-A2F1-4F61-B536-CCB8A05526C9}" type="datetimeFigureOut">
               <a:rPr lang="zh-TW" altLang="en-US" smtClean="0"/>
-              <a:t>2024/9/16</a:t>
+              <a:t>2024/10/20</a:t>
             </a:fld>
             <a:endParaRPr lang="zh-TW" altLang="en-US"/>
           </a:p>
@@ -1144,7 +2517,7 @@
           <p:cNvPr id="5" name="頁尾版面配置區 4">
             <a:extLst>
               <a:ext uri="{FF2B5EF4-FFF2-40B4-BE49-F238E27FC236}">
-                <a16:creationId xmlns:a16="http://schemas.microsoft.com/office/drawing/2014/main" id="{9C9DC25F-827C-4564-AD0E-7FD815D53AF7}"/>
+                <a16:creationId xmlns:a16="http://schemas.microsoft.com/office/drawing/2014/main" id="{72D816F4-7FDA-B48B-6E55-791383BF451C}"/>
               </a:ext>
             </a:extLst>
           </p:cNvPr>
@@ -1169,7 +2542,7 @@
           <p:cNvPr id="6" name="投影片編號版面配置區 5">
             <a:extLst>
               <a:ext uri="{FF2B5EF4-FFF2-40B4-BE49-F238E27FC236}">
-                <a16:creationId xmlns:a16="http://schemas.microsoft.com/office/drawing/2014/main" id="{8C0653A6-68AA-4213-8D62-EAF9243D6998}"/>
+                <a16:creationId xmlns:a16="http://schemas.microsoft.com/office/drawing/2014/main" id="{1615913A-96EC-AAA6-CFA6-B8BB96A03F25}"/>
               </a:ext>
             </a:extLst>
           </p:cNvPr>
@@ -1185,7 +2558,7 @@
           <a:bodyPr/>
           <a:lstStyle/>
           <a:p>
-            <a:fld id="{E31EC408-072F-4346-BD0A-D6AA5788A305}" type="slidenum">
+            <a:fld id="{4EE9ADEE-C307-4E23-A7FD-F3C37E405BDB}" type="slidenum">
               <a:rPr lang="zh-TW" altLang="en-US" smtClean="0"/>
               <a:t>‹#›</a:t>
             </a:fld>
@@ -1196,7 +2569,7 @@
     </p:spTree>
     <p:extLst>
       <p:ext uri="{BB962C8B-B14F-4D97-AF65-F5344CB8AC3E}">
-        <p14:creationId xmlns:p14="http://schemas.microsoft.com/office/powerpoint/2010/main" val="3126775509"/>
+        <p14:creationId xmlns:p14="http://schemas.microsoft.com/office/powerpoint/2010/main" val="3212675566"/>
       </p:ext>
     </p:extLst>
   </p:cSld>
@@ -1228,7 +2601,7 @@
           <p:cNvPr id="2" name="標題 1">
             <a:extLst>
               <a:ext uri="{FF2B5EF4-FFF2-40B4-BE49-F238E27FC236}">
-                <a16:creationId xmlns:a16="http://schemas.microsoft.com/office/drawing/2014/main" id="{F8A74D77-9E6E-4FD1-97AD-0ADC1228B6AF}"/>
+                <a16:creationId xmlns:a16="http://schemas.microsoft.com/office/drawing/2014/main" id="{17FE02AE-01A3-ECD9-C75B-F2EFAEFA50EC}"/>
               </a:ext>
             </a:extLst>
           </p:cNvPr>
@@ -1256,7 +2629,7 @@
           <p:cNvPr id="3" name="內容版面配置區 2">
             <a:extLst>
               <a:ext uri="{FF2B5EF4-FFF2-40B4-BE49-F238E27FC236}">
-                <a16:creationId xmlns:a16="http://schemas.microsoft.com/office/drawing/2014/main" id="{9FDE4E9B-689C-4373-B281-9636BE211982}"/>
+                <a16:creationId xmlns:a16="http://schemas.microsoft.com/office/drawing/2014/main" id="{D97979E9-7F96-0952-7925-3830B72452EF}"/>
               </a:ext>
             </a:extLst>
           </p:cNvPr>
@@ -1318,7 +2691,7 @@
           <p:cNvPr id="4" name="內容版面配置區 3">
             <a:extLst>
               <a:ext uri="{FF2B5EF4-FFF2-40B4-BE49-F238E27FC236}">
-                <a16:creationId xmlns:a16="http://schemas.microsoft.com/office/drawing/2014/main" id="{CD25EC10-0BDA-4ECA-AB8E-059AC3378E22}"/>
+                <a16:creationId xmlns:a16="http://schemas.microsoft.com/office/drawing/2014/main" id="{F20E64D4-F84E-3BDB-0160-5D534AF44941}"/>
               </a:ext>
             </a:extLst>
           </p:cNvPr>
@@ -1380,7 +2753,7 @@
           <p:cNvPr id="5" name="日期版面配置區 4">
             <a:extLst>
               <a:ext uri="{FF2B5EF4-FFF2-40B4-BE49-F238E27FC236}">
-                <a16:creationId xmlns:a16="http://schemas.microsoft.com/office/drawing/2014/main" id="{63DAF127-0983-4C38-869C-C0A513FA9147}"/>
+                <a16:creationId xmlns:a16="http://schemas.microsoft.com/office/drawing/2014/main" id="{F2034B3B-6D09-A9DF-B586-8CA45F48EA3B}"/>
               </a:ext>
             </a:extLst>
           </p:cNvPr>
@@ -1396,9 +2769,9 @@
           <a:bodyPr/>
           <a:lstStyle/>
           <a:p>
-            <a:fld id="{C3C90D7E-32D6-4894-AE08-7BBB3E610FC9}" type="datetimeFigureOut">
+            <a:fld id="{29C5B9B3-A2F1-4F61-B536-CCB8A05526C9}" type="datetimeFigureOut">
               <a:rPr lang="zh-TW" altLang="en-US" smtClean="0"/>
-              <a:t>2024/9/16</a:t>
+              <a:t>2024/10/20</a:t>
             </a:fld>
             <a:endParaRPr lang="zh-TW" altLang="en-US"/>
           </a:p>
@@ -1409,7 +2782,7 @@
           <p:cNvPr id="6" name="頁尾版面配置區 5">
             <a:extLst>
               <a:ext uri="{FF2B5EF4-FFF2-40B4-BE49-F238E27FC236}">
-                <a16:creationId xmlns:a16="http://schemas.microsoft.com/office/drawing/2014/main" id="{E014CBA6-CCE3-4CF4-8E13-D895EDBD8F25}"/>
+                <a16:creationId xmlns:a16="http://schemas.microsoft.com/office/drawing/2014/main" id="{9265A043-078E-C04F-2396-B2B0D081BA48}"/>
               </a:ext>
             </a:extLst>
           </p:cNvPr>
@@ -1434,7 +2807,7 @@
           <p:cNvPr id="7" name="投影片編號版面配置區 6">
             <a:extLst>
               <a:ext uri="{FF2B5EF4-FFF2-40B4-BE49-F238E27FC236}">
-                <a16:creationId xmlns:a16="http://schemas.microsoft.com/office/drawing/2014/main" id="{5CEAA8E5-79B3-445E-B8C3-29BD56CE6D7A}"/>
+                <a16:creationId xmlns:a16="http://schemas.microsoft.com/office/drawing/2014/main" id="{82F5F841-2A10-826B-8032-DB3A5B512D0F}"/>
               </a:ext>
             </a:extLst>
           </p:cNvPr>
@@ -1450,7 +2823,7 @@
           <a:bodyPr/>
           <a:lstStyle/>
           <a:p>
-            <a:fld id="{E31EC408-072F-4346-BD0A-D6AA5788A305}" type="slidenum">
+            <a:fld id="{4EE9ADEE-C307-4E23-A7FD-F3C37E405BDB}" type="slidenum">
               <a:rPr lang="zh-TW" altLang="en-US" smtClean="0"/>
               <a:t>‹#›</a:t>
             </a:fld>
@@ -1461,7 +2834,7 @@
     </p:spTree>
     <p:extLst>
       <p:ext uri="{BB962C8B-B14F-4D97-AF65-F5344CB8AC3E}">
-        <p14:creationId xmlns:p14="http://schemas.microsoft.com/office/powerpoint/2010/main" val="3858213488"/>
+        <p14:creationId xmlns:p14="http://schemas.microsoft.com/office/powerpoint/2010/main" val="489600582"/>
       </p:ext>
     </p:extLst>
   </p:cSld>
@@ -1493,7 +2866,7 @@
           <p:cNvPr id="2" name="標題 1">
             <a:extLst>
               <a:ext uri="{FF2B5EF4-FFF2-40B4-BE49-F238E27FC236}">
-                <a16:creationId xmlns:a16="http://schemas.microsoft.com/office/drawing/2014/main" id="{A00F76B6-8DEC-4A74-A06A-BA0146321CD8}"/>
+                <a16:creationId xmlns:a16="http://schemas.microsoft.com/office/drawing/2014/main" id="{4EE7A46C-031E-4FD4-B3A5-D74E79BC5EDE}"/>
               </a:ext>
             </a:extLst>
           </p:cNvPr>
@@ -1526,7 +2899,7 @@
           <p:cNvPr id="3" name="文字版面配置區 2">
             <a:extLst>
               <a:ext uri="{FF2B5EF4-FFF2-40B4-BE49-F238E27FC236}">
-                <a16:creationId xmlns:a16="http://schemas.microsoft.com/office/drawing/2014/main" id="{EF00F5C5-99A7-4F16-855A-F170362659F7}"/>
+                <a16:creationId xmlns:a16="http://schemas.microsoft.com/office/drawing/2014/main" id="{C6AD010C-0F6F-F7E1-39F5-2AFF7D126009}"/>
               </a:ext>
             </a:extLst>
           </p:cNvPr>
@@ -1597,7 +2970,7 @@
           <p:cNvPr id="4" name="內容版面配置區 3">
             <a:extLst>
               <a:ext uri="{FF2B5EF4-FFF2-40B4-BE49-F238E27FC236}">
-                <a16:creationId xmlns:a16="http://schemas.microsoft.com/office/drawing/2014/main" id="{6722BEB2-C9B4-4C14-8234-D17E84349984}"/>
+                <a16:creationId xmlns:a16="http://schemas.microsoft.com/office/drawing/2014/main" id="{6B5A8FDF-5D10-FA0F-B935-AA33FC975EA8}"/>
               </a:ext>
             </a:extLst>
           </p:cNvPr>
@@ -1659,7 +3032,7 @@
           <p:cNvPr id="5" name="文字版面配置區 4">
             <a:extLst>
               <a:ext uri="{FF2B5EF4-FFF2-40B4-BE49-F238E27FC236}">
-                <a16:creationId xmlns:a16="http://schemas.microsoft.com/office/drawing/2014/main" id="{E4A41162-A0AC-4211-940F-4B92208F9B0E}"/>
+                <a16:creationId xmlns:a16="http://schemas.microsoft.com/office/drawing/2014/main" id="{D9781017-DC9E-9C01-ED76-C655A40595D1}"/>
               </a:ext>
             </a:extLst>
           </p:cNvPr>
@@ -1730,7 +3103,7 @@
           <p:cNvPr id="6" name="內容版面配置區 5">
             <a:extLst>
               <a:ext uri="{FF2B5EF4-FFF2-40B4-BE49-F238E27FC236}">
-                <a16:creationId xmlns:a16="http://schemas.microsoft.com/office/drawing/2014/main" id="{E8EA159A-F9D7-4F58-A7C3-6E5B65E42266}"/>
+                <a16:creationId xmlns:a16="http://schemas.microsoft.com/office/drawing/2014/main" id="{C57F7366-F22E-701A-BCF3-B1C0D5ACC465}"/>
               </a:ext>
             </a:extLst>
           </p:cNvPr>
@@ -1792,7 +3165,7 @@
           <p:cNvPr id="7" name="日期版面配置區 6">
             <a:extLst>
               <a:ext uri="{FF2B5EF4-FFF2-40B4-BE49-F238E27FC236}">
-                <a16:creationId xmlns:a16="http://schemas.microsoft.com/office/drawing/2014/main" id="{AE973E80-9141-48B7-A9D7-605A4541768F}"/>
+                <a16:creationId xmlns:a16="http://schemas.microsoft.com/office/drawing/2014/main" id="{AF02FBCA-6FBA-454E-14BC-502BB366AC6B}"/>
               </a:ext>
             </a:extLst>
           </p:cNvPr>
@@ -1808,9 +3181,9 @@
           <a:bodyPr/>
           <a:lstStyle/>
           <a:p>
-            <a:fld id="{C3C90D7E-32D6-4894-AE08-7BBB3E610FC9}" type="datetimeFigureOut">
+            <a:fld id="{29C5B9B3-A2F1-4F61-B536-CCB8A05526C9}" type="datetimeFigureOut">
               <a:rPr lang="zh-TW" altLang="en-US" smtClean="0"/>
-              <a:t>2024/9/16</a:t>
+              <a:t>2024/10/20</a:t>
             </a:fld>
             <a:endParaRPr lang="zh-TW" altLang="en-US"/>
           </a:p>
@@ -1821,7 +3194,7 @@
           <p:cNvPr id="8" name="頁尾版面配置區 7">
             <a:extLst>
               <a:ext uri="{FF2B5EF4-FFF2-40B4-BE49-F238E27FC236}">
-                <a16:creationId xmlns:a16="http://schemas.microsoft.com/office/drawing/2014/main" id="{6520B07A-79F8-43E7-8013-632DD2AED223}"/>
+                <a16:creationId xmlns:a16="http://schemas.microsoft.com/office/drawing/2014/main" id="{1ABFC794-6307-FE51-0B28-78E7F9978F01}"/>
               </a:ext>
             </a:extLst>
           </p:cNvPr>
@@ -1846,7 +3219,7 @@
           <p:cNvPr id="9" name="投影片編號版面配置區 8">
             <a:extLst>
               <a:ext uri="{FF2B5EF4-FFF2-40B4-BE49-F238E27FC236}">
-                <a16:creationId xmlns:a16="http://schemas.microsoft.com/office/drawing/2014/main" id="{3B997D8F-4F1C-4DE6-A82C-3E0C38ACAE96}"/>
+                <a16:creationId xmlns:a16="http://schemas.microsoft.com/office/drawing/2014/main" id="{286BB858-E757-A6F5-B6A7-9B9A67667339}"/>
               </a:ext>
             </a:extLst>
           </p:cNvPr>
@@ -1862,7 +3235,7 @@
           <a:bodyPr/>
           <a:lstStyle/>
           <a:p>
-            <a:fld id="{E31EC408-072F-4346-BD0A-D6AA5788A305}" type="slidenum">
+            <a:fld id="{4EE9ADEE-C307-4E23-A7FD-F3C37E405BDB}" type="slidenum">
               <a:rPr lang="zh-TW" altLang="en-US" smtClean="0"/>
               <a:t>‹#›</a:t>
             </a:fld>
@@ -1873,7 +3246,7 @@
     </p:spTree>
     <p:extLst>
       <p:ext uri="{BB962C8B-B14F-4D97-AF65-F5344CB8AC3E}">
-        <p14:creationId xmlns:p14="http://schemas.microsoft.com/office/powerpoint/2010/main" val="3379995638"/>
+        <p14:creationId xmlns:p14="http://schemas.microsoft.com/office/powerpoint/2010/main" val="2447247573"/>
       </p:ext>
     </p:extLst>
   </p:cSld>
@@ -1905,7 +3278,7 @@
           <p:cNvPr id="2" name="標題 1">
             <a:extLst>
               <a:ext uri="{FF2B5EF4-FFF2-40B4-BE49-F238E27FC236}">
-                <a16:creationId xmlns:a16="http://schemas.microsoft.com/office/drawing/2014/main" id="{6CE04611-FD10-429D-89AA-73C259B64293}"/>
+                <a16:creationId xmlns:a16="http://schemas.microsoft.com/office/drawing/2014/main" id="{4F016AE3-5955-6C0D-C3B7-942D214C789B}"/>
               </a:ext>
             </a:extLst>
           </p:cNvPr>
@@ -1933,7 +3306,7 @@
           <p:cNvPr id="3" name="日期版面配置區 2">
             <a:extLst>
               <a:ext uri="{FF2B5EF4-FFF2-40B4-BE49-F238E27FC236}">
-                <a16:creationId xmlns:a16="http://schemas.microsoft.com/office/drawing/2014/main" id="{2D9009F3-A280-4DA8-ACC4-187DE2172BCA}"/>
+                <a16:creationId xmlns:a16="http://schemas.microsoft.com/office/drawing/2014/main" id="{964A2DF1-F1D5-531F-E376-B18D8A37373F}"/>
               </a:ext>
             </a:extLst>
           </p:cNvPr>
@@ -1949,9 +3322,9 @@
           <a:bodyPr/>
           <a:lstStyle/>
           <a:p>
-            <a:fld id="{C3C90D7E-32D6-4894-AE08-7BBB3E610FC9}" type="datetimeFigureOut">
+            <a:fld id="{29C5B9B3-A2F1-4F61-B536-CCB8A05526C9}" type="datetimeFigureOut">
               <a:rPr lang="zh-TW" altLang="en-US" smtClean="0"/>
-              <a:t>2024/9/16</a:t>
+              <a:t>2024/10/20</a:t>
             </a:fld>
             <a:endParaRPr lang="zh-TW" altLang="en-US"/>
           </a:p>
@@ -1962,7 +3335,7 @@
           <p:cNvPr id="4" name="頁尾版面配置區 3">
             <a:extLst>
               <a:ext uri="{FF2B5EF4-FFF2-40B4-BE49-F238E27FC236}">
-                <a16:creationId xmlns:a16="http://schemas.microsoft.com/office/drawing/2014/main" id="{F8FD791E-F627-4DDB-AD69-F7639FDD1767}"/>
+                <a16:creationId xmlns:a16="http://schemas.microsoft.com/office/drawing/2014/main" id="{6977EC32-1FC2-FE16-C707-C525760BF208}"/>
               </a:ext>
             </a:extLst>
           </p:cNvPr>
@@ -1987,7 +3360,7 @@
           <p:cNvPr id="5" name="投影片編號版面配置區 4">
             <a:extLst>
               <a:ext uri="{FF2B5EF4-FFF2-40B4-BE49-F238E27FC236}">
-                <a16:creationId xmlns:a16="http://schemas.microsoft.com/office/drawing/2014/main" id="{CE9C3C73-9A1B-4A20-B40C-BF8E0726E9AE}"/>
+                <a16:creationId xmlns:a16="http://schemas.microsoft.com/office/drawing/2014/main" id="{B94AA43A-439C-A9B8-E9DA-6B00EA0680AE}"/>
               </a:ext>
             </a:extLst>
           </p:cNvPr>
@@ -2003,7 +3376,7 @@
           <a:bodyPr/>
           <a:lstStyle/>
           <a:p>
-            <a:fld id="{E31EC408-072F-4346-BD0A-D6AA5788A305}" type="slidenum">
+            <a:fld id="{4EE9ADEE-C307-4E23-A7FD-F3C37E405BDB}" type="slidenum">
               <a:rPr lang="zh-TW" altLang="en-US" smtClean="0"/>
               <a:t>‹#›</a:t>
             </a:fld>
@@ -2014,7 +3387,7 @@
     </p:spTree>
     <p:extLst>
       <p:ext uri="{BB962C8B-B14F-4D97-AF65-F5344CB8AC3E}">
-        <p14:creationId xmlns:p14="http://schemas.microsoft.com/office/powerpoint/2010/main" val="3116621787"/>
+        <p14:creationId xmlns:p14="http://schemas.microsoft.com/office/powerpoint/2010/main" val="3190650784"/>
       </p:ext>
     </p:extLst>
   </p:cSld>
@@ -2046,7 +3419,7 @@
           <p:cNvPr id="2" name="日期版面配置區 1">
             <a:extLst>
               <a:ext uri="{FF2B5EF4-FFF2-40B4-BE49-F238E27FC236}">
-                <a16:creationId xmlns:a16="http://schemas.microsoft.com/office/drawing/2014/main" id="{1E1D8EED-F2A7-4221-9887-0DBB62EB3F80}"/>
+                <a16:creationId xmlns:a16="http://schemas.microsoft.com/office/drawing/2014/main" id="{0F5BF86D-96E3-2394-4AA0-1B63B3E6B5AD}"/>
               </a:ext>
             </a:extLst>
           </p:cNvPr>
@@ -2062,9 +3435,9 @@
           <a:bodyPr/>
           <a:lstStyle/>
           <a:p>
-            <a:fld id="{C3C90D7E-32D6-4894-AE08-7BBB3E610FC9}" type="datetimeFigureOut">
+            <a:fld id="{29C5B9B3-A2F1-4F61-B536-CCB8A05526C9}" type="datetimeFigureOut">
               <a:rPr lang="zh-TW" altLang="en-US" smtClean="0"/>
-              <a:t>2024/9/16</a:t>
+              <a:t>2024/10/20</a:t>
             </a:fld>
             <a:endParaRPr lang="zh-TW" altLang="en-US"/>
           </a:p>
@@ -2075,7 +3448,7 @@
           <p:cNvPr id="3" name="頁尾版面配置區 2">
             <a:extLst>
               <a:ext uri="{FF2B5EF4-FFF2-40B4-BE49-F238E27FC236}">
-                <a16:creationId xmlns:a16="http://schemas.microsoft.com/office/drawing/2014/main" id="{10593B39-DC86-45A7-85EF-B4DB9C28DC80}"/>
+                <a16:creationId xmlns:a16="http://schemas.microsoft.com/office/drawing/2014/main" id="{23DD814D-0E6D-E4D5-2836-CBFE7F17DB59}"/>
               </a:ext>
             </a:extLst>
           </p:cNvPr>
@@ -2100,7 +3473,7 @@
           <p:cNvPr id="4" name="投影片編號版面配置區 3">
             <a:extLst>
               <a:ext uri="{FF2B5EF4-FFF2-40B4-BE49-F238E27FC236}">
-                <a16:creationId xmlns:a16="http://schemas.microsoft.com/office/drawing/2014/main" id="{3D9056B2-6966-4CAF-94D1-2295A737E168}"/>
+                <a16:creationId xmlns:a16="http://schemas.microsoft.com/office/drawing/2014/main" id="{A59051D0-DD56-CB01-BB56-30818DB77F92}"/>
               </a:ext>
             </a:extLst>
           </p:cNvPr>
@@ -2116,7 +3489,7 @@
           <a:bodyPr/>
           <a:lstStyle/>
           <a:p>
-            <a:fld id="{E31EC408-072F-4346-BD0A-D6AA5788A305}" type="slidenum">
+            <a:fld id="{4EE9ADEE-C307-4E23-A7FD-F3C37E405BDB}" type="slidenum">
               <a:rPr lang="zh-TW" altLang="en-US" smtClean="0"/>
               <a:t>‹#›</a:t>
             </a:fld>
@@ -2127,7 +3500,7 @@
     </p:spTree>
     <p:extLst>
       <p:ext uri="{BB962C8B-B14F-4D97-AF65-F5344CB8AC3E}">
-        <p14:creationId xmlns:p14="http://schemas.microsoft.com/office/powerpoint/2010/main" val="3887241942"/>
+        <p14:creationId xmlns:p14="http://schemas.microsoft.com/office/powerpoint/2010/main" val="3026067423"/>
       </p:ext>
     </p:extLst>
   </p:cSld>
@@ -2159,7 +3532,7 @@
           <p:cNvPr id="2" name="標題 1">
             <a:extLst>
               <a:ext uri="{FF2B5EF4-FFF2-40B4-BE49-F238E27FC236}">
-                <a16:creationId xmlns:a16="http://schemas.microsoft.com/office/drawing/2014/main" id="{5C3076DF-D16B-4600-9550-96C6A8DD7F1A}"/>
+                <a16:creationId xmlns:a16="http://schemas.microsoft.com/office/drawing/2014/main" id="{7D7CCEC5-B3DF-64BE-C58A-4AC64149AB60}"/>
               </a:ext>
             </a:extLst>
           </p:cNvPr>
@@ -2196,7 +3569,7 @@
           <p:cNvPr id="3" name="內容版面配置區 2">
             <a:extLst>
               <a:ext uri="{FF2B5EF4-FFF2-40B4-BE49-F238E27FC236}">
-                <a16:creationId xmlns:a16="http://schemas.microsoft.com/office/drawing/2014/main" id="{9CD3D667-FDE5-4F5D-9495-588EC18912CE}"/>
+                <a16:creationId xmlns:a16="http://schemas.microsoft.com/office/drawing/2014/main" id="{F736C49C-1950-0B41-3E46-48F49346DD09}"/>
               </a:ext>
             </a:extLst>
           </p:cNvPr>
@@ -2286,7 +3659,7 @@
           <p:cNvPr id="4" name="文字版面配置區 3">
             <a:extLst>
               <a:ext uri="{FF2B5EF4-FFF2-40B4-BE49-F238E27FC236}">
-                <a16:creationId xmlns:a16="http://schemas.microsoft.com/office/drawing/2014/main" id="{22F511E7-BEEF-4F51-BA0E-52C1908D5608}"/>
+                <a16:creationId xmlns:a16="http://schemas.microsoft.com/office/drawing/2014/main" id="{BF265988-FA11-0A49-29A2-042E3BAB94DC}"/>
               </a:ext>
             </a:extLst>
           </p:cNvPr>
@@ -2357,7 +3730,7 @@
           <p:cNvPr id="5" name="日期版面配置區 4">
             <a:extLst>
               <a:ext uri="{FF2B5EF4-FFF2-40B4-BE49-F238E27FC236}">
-                <a16:creationId xmlns:a16="http://schemas.microsoft.com/office/drawing/2014/main" id="{88060697-A92E-4178-A790-FCBB90D70573}"/>
+                <a16:creationId xmlns:a16="http://schemas.microsoft.com/office/drawing/2014/main" id="{FB8D51EE-312D-D8E1-E50C-E9429E65A006}"/>
               </a:ext>
             </a:extLst>
           </p:cNvPr>
@@ -2373,9 +3746,9 @@
           <a:bodyPr/>
           <a:lstStyle/>
           <a:p>
-            <a:fld id="{C3C90D7E-32D6-4894-AE08-7BBB3E610FC9}" type="datetimeFigureOut">
+            <a:fld id="{29C5B9B3-A2F1-4F61-B536-CCB8A05526C9}" type="datetimeFigureOut">
               <a:rPr lang="zh-TW" altLang="en-US" smtClean="0"/>
-              <a:t>2024/9/16</a:t>
+              <a:t>2024/10/20</a:t>
             </a:fld>
             <a:endParaRPr lang="zh-TW" altLang="en-US"/>
           </a:p>
@@ -2386,7 +3759,7 @@
           <p:cNvPr id="6" name="頁尾版面配置區 5">
             <a:extLst>
               <a:ext uri="{FF2B5EF4-FFF2-40B4-BE49-F238E27FC236}">
-                <a16:creationId xmlns:a16="http://schemas.microsoft.com/office/drawing/2014/main" id="{2A8E3F57-A99A-4C4C-BF14-EE42AB99CE78}"/>
+                <a16:creationId xmlns:a16="http://schemas.microsoft.com/office/drawing/2014/main" id="{BF1C416B-F274-BC8D-7ADF-759D9EB21F7A}"/>
               </a:ext>
             </a:extLst>
           </p:cNvPr>
@@ -2411,7 +3784,7 @@
           <p:cNvPr id="7" name="投影片編號版面配置區 6">
             <a:extLst>
               <a:ext uri="{FF2B5EF4-FFF2-40B4-BE49-F238E27FC236}">
-                <a16:creationId xmlns:a16="http://schemas.microsoft.com/office/drawing/2014/main" id="{39234440-6924-48D7-AC1A-200D5946BCA9}"/>
+                <a16:creationId xmlns:a16="http://schemas.microsoft.com/office/drawing/2014/main" id="{9A356433-3122-3468-7D43-70C2227839A1}"/>
               </a:ext>
             </a:extLst>
           </p:cNvPr>
@@ -2427,7 +3800,7 @@
           <a:bodyPr/>
           <a:lstStyle/>
           <a:p>
-            <a:fld id="{E31EC408-072F-4346-BD0A-D6AA5788A305}" type="slidenum">
+            <a:fld id="{4EE9ADEE-C307-4E23-A7FD-F3C37E405BDB}" type="slidenum">
               <a:rPr lang="zh-TW" altLang="en-US" smtClean="0"/>
               <a:t>‹#›</a:t>
             </a:fld>
@@ -2438,7 +3811,7 @@
     </p:spTree>
     <p:extLst>
       <p:ext uri="{BB962C8B-B14F-4D97-AF65-F5344CB8AC3E}">
-        <p14:creationId xmlns:p14="http://schemas.microsoft.com/office/powerpoint/2010/main" val="2036183199"/>
+        <p14:creationId xmlns:p14="http://schemas.microsoft.com/office/powerpoint/2010/main" val="1132258869"/>
       </p:ext>
     </p:extLst>
   </p:cSld>
@@ -2470,7 +3843,7 @@
           <p:cNvPr id="2" name="標題 1">
             <a:extLst>
               <a:ext uri="{FF2B5EF4-FFF2-40B4-BE49-F238E27FC236}">
-                <a16:creationId xmlns:a16="http://schemas.microsoft.com/office/drawing/2014/main" id="{B2E81694-0B93-4D65-9DA3-21597478A96C}"/>
+                <a16:creationId xmlns:a16="http://schemas.microsoft.com/office/drawing/2014/main" id="{65EDCA45-57DF-5D8F-B2C2-7D4505E7F021}"/>
               </a:ext>
             </a:extLst>
           </p:cNvPr>
@@ -2507,7 +3880,7 @@
           <p:cNvPr id="3" name="圖片版面配置區 2">
             <a:extLst>
               <a:ext uri="{FF2B5EF4-FFF2-40B4-BE49-F238E27FC236}">
-                <a16:creationId xmlns:a16="http://schemas.microsoft.com/office/drawing/2014/main" id="{23E4D718-8CB0-4334-BB8A-FB8B57D7CDC6}"/>
+                <a16:creationId xmlns:a16="http://schemas.microsoft.com/office/drawing/2014/main" id="{AF4A52AC-C9B6-E2B8-FB72-1998C389A32A}"/>
               </a:ext>
             </a:extLst>
           </p:cNvPr>
@@ -2574,7 +3947,7 @@
           <p:cNvPr id="4" name="文字版面配置區 3">
             <a:extLst>
               <a:ext uri="{FF2B5EF4-FFF2-40B4-BE49-F238E27FC236}">
-                <a16:creationId xmlns:a16="http://schemas.microsoft.com/office/drawing/2014/main" id="{0DC47463-53E7-4FE3-B60B-1657D11127BD}"/>
+                <a16:creationId xmlns:a16="http://schemas.microsoft.com/office/drawing/2014/main" id="{BF80E7E9-1AD6-0A5C-0EBE-0AFB2C82627C}"/>
               </a:ext>
             </a:extLst>
           </p:cNvPr>
@@ -2645,7 +4018,7 @@
           <p:cNvPr id="5" name="日期版面配置區 4">
             <a:extLst>
               <a:ext uri="{FF2B5EF4-FFF2-40B4-BE49-F238E27FC236}">
-                <a16:creationId xmlns:a16="http://schemas.microsoft.com/office/drawing/2014/main" id="{28875DC5-6AFF-40C0-8C77-F81A0A3E1B0F}"/>
+                <a16:creationId xmlns:a16="http://schemas.microsoft.com/office/drawing/2014/main" id="{3CFCE465-F81A-5DA5-87EA-1C083DC46F07}"/>
               </a:ext>
             </a:extLst>
           </p:cNvPr>
@@ -2661,9 +4034,9 @@
           <a:bodyPr/>
           <a:lstStyle/>
           <a:p>
-            <a:fld id="{C3C90D7E-32D6-4894-AE08-7BBB3E610FC9}" type="datetimeFigureOut">
+            <a:fld id="{29C5B9B3-A2F1-4F61-B536-CCB8A05526C9}" type="datetimeFigureOut">
               <a:rPr lang="zh-TW" altLang="en-US" smtClean="0"/>
-              <a:t>2024/9/16</a:t>
+              <a:t>2024/10/20</a:t>
             </a:fld>
             <a:endParaRPr lang="zh-TW" altLang="en-US"/>
           </a:p>
@@ -2674,7 +4047,7 @@
           <p:cNvPr id="6" name="頁尾版面配置區 5">
             <a:extLst>
               <a:ext uri="{FF2B5EF4-FFF2-40B4-BE49-F238E27FC236}">
-                <a16:creationId xmlns:a16="http://schemas.microsoft.com/office/drawing/2014/main" id="{24F8A973-6D07-4F0C-97A0-280FEFC238E0}"/>
+                <a16:creationId xmlns:a16="http://schemas.microsoft.com/office/drawing/2014/main" id="{D80D1145-2FE4-20F5-18DD-CD3847E5EBCC}"/>
               </a:ext>
             </a:extLst>
           </p:cNvPr>
@@ -2699,7 +4072,7 @@
           <p:cNvPr id="7" name="投影片編號版面配置區 6">
             <a:extLst>
               <a:ext uri="{FF2B5EF4-FFF2-40B4-BE49-F238E27FC236}">
-                <a16:creationId xmlns:a16="http://schemas.microsoft.com/office/drawing/2014/main" id="{DB60BB1E-F41B-40F0-929B-5208374980BF}"/>
+                <a16:creationId xmlns:a16="http://schemas.microsoft.com/office/drawing/2014/main" id="{4C2BB238-618F-D544-3F41-B16C9D55642B}"/>
               </a:ext>
             </a:extLst>
           </p:cNvPr>
@@ -2715,7 +4088,7 @@
           <a:bodyPr/>
           <a:lstStyle/>
           <a:p>
-            <a:fld id="{E31EC408-072F-4346-BD0A-D6AA5788A305}" type="slidenum">
+            <a:fld id="{4EE9ADEE-C307-4E23-A7FD-F3C37E405BDB}" type="slidenum">
               <a:rPr lang="zh-TW" altLang="en-US" smtClean="0"/>
               <a:t>‹#›</a:t>
             </a:fld>
@@ -2726,7 +4099,7 @@
     </p:spTree>
     <p:extLst>
       <p:ext uri="{BB962C8B-B14F-4D97-AF65-F5344CB8AC3E}">
-        <p14:creationId xmlns:p14="http://schemas.microsoft.com/office/powerpoint/2010/main" val="3148270851"/>
+        <p14:creationId xmlns:p14="http://schemas.microsoft.com/office/powerpoint/2010/main" val="2529010464"/>
       </p:ext>
     </p:extLst>
   </p:cSld>
@@ -2740,9 +4113,14 @@
 <p:sldMaster xmlns:a="http://schemas.openxmlformats.org/drawingml/2006/main" xmlns:r="http://schemas.openxmlformats.org/officeDocument/2006/relationships" xmlns:p="http://schemas.openxmlformats.org/presentationml/2006/main">
   <p:cSld>
     <p:bg>
-      <p:bgRef idx="1001">
-        <a:schemeClr val="bg1"/>
-      </p:bgRef>
+      <p:bgPr>
+        <a:solidFill>
+          <a:schemeClr val="accent1">
+            <a:lumMod val="50000"/>
+          </a:schemeClr>
+        </a:solidFill>
+        <a:effectLst/>
+      </p:bgPr>
     </p:bg>
     <p:spTree>
       <p:nvGrpSpPr>
@@ -2763,7 +4141,7 @@
           <p:cNvPr id="2" name="標題版面配置區 1">
             <a:extLst>
               <a:ext uri="{FF2B5EF4-FFF2-40B4-BE49-F238E27FC236}">
-                <a16:creationId xmlns:a16="http://schemas.microsoft.com/office/drawing/2014/main" id="{B8575AAC-624C-4B52-ABD4-699B1E35D2CF}"/>
+                <a16:creationId xmlns:a16="http://schemas.microsoft.com/office/drawing/2014/main" id="{8C1C56B7-AD6F-55E1-C71D-CE97CC703658}"/>
               </a:ext>
             </a:extLst>
           </p:cNvPr>
@@ -2801,7 +4179,7 @@
           <p:cNvPr id="3" name="文字版面配置區 2">
             <a:extLst>
               <a:ext uri="{FF2B5EF4-FFF2-40B4-BE49-F238E27FC236}">
-                <a16:creationId xmlns:a16="http://schemas.microsoft.com/office/drawing/2014/main" id="{76722991-C57D-471F-8271-C419A1CFB074}"/>
+                <a16:creationId xmlns:a16="http://schemas.microsoft.com/office/drawing/2014/main" id="{51FF5F18-265B-3FA2-E9DC-A5662FA05244}"/>
               </a:ext>
             </a:extLst>
           </p:cNvPr>
@@ -2868,7 +4246,7 @@
           <p:cNvPr id="4" name="日期版面配置區 3">
             <a:extLst>
               <a:ext uri="{FF2B5EF4-FFF2-40B4-BE49-F238E27FC236}">
-                <a16:creationId xmlns:a16="http://schemas.microsoft.com/office/drawing/2014/main" id="{85C839DD-8CBF-4E23-A0C7-7C039E950BB8}"/>
+                <a16:creationId xmlns:a16="http://schemas.microsoft.com/office/drawing/2014/main" id="{26940CDD-D6AE-E4C5-52FF-4A686EAF8769}"/>
               </a:ext>
             </a:extLst>
           </p:cNvPr>
@@ -2902,9 +4280,9 @@
             </a:lvl1pPr>
           </a:lstStyle>
           <a:p>
-            <a:fld id="{C3C90D7E-32D6-4894-AE08-7BBB3E610FC9}" type="datetimeFigureOut">
+            <a:fld id="{29C5B9B3-A2F1-4F61-B536-CCB8A05526C9}" type="datetimeFigureOut">
               <a:rPr lang="zh-TW" altLang="en-US" smtClean="0"/>
-              <a:t>2024/9/16</a:t>
+              <a:t>2024/10/20</a:t>
             </a:fld>
             <a:endParaRPr lang="zh-TW" altLang="en-US"/>
           </a:p>
@@ -2915,7 +4293,7 @@
           <p:cNvPr id="5" name="頁尾版面配置區 4">
             <a:extLst>
               <a:ext uri="{FF2B5EF4-FFF2-40B4-BE49-F238E27FC236}">
-                <a16:creationId xmlns:a16="http://schemas.microsoft.com/office/drawing/2014/main" id="{12802D8A-77D4-418C-8190-43B6ADED2131}"/>
+                <a16:creationId xmlns:a16="http://schemas.microsoft.com/office/drawing/2014/main" id="{0487224F-CEAE-66E5-A09E-3B2C7558B39C}"/>
               </a:ext>
             </a:extLst>
           </p:cNvPr>
@@ -2958,7 +4336,7 @@
           <p:cNvPr id="6" name="投影片編號版面配置區 5">
             <a:extLst>
               <a:ext uri="{FF2B5EF4-FFF2-40B4-BE49-F238E27FC236}">
-                <a16:creationId xmlns:a16="http://schemas.microsoft.com/office/drawing/2014/main" id="{7072B55E-2BE2-4AF4-AFF8-2A716F492F1C}"/>
+                <a16:creationId xmlns:a16="http://schemas.microsoft.com/office/drawing/2014/main" id="{69EFB1CF-E458-277A-1D9C-9BE0679325ED}"/>
               </a:ext>
             </a:extLst>
           </p:cNvPr>
@@ -2992,7 +4370,7 @@
             </a:lvl1pPr>
           </a:lstStyle>
           <a:p>
-            <a:fld id="{E31EC408-072F-4346-BD0A-D6AA5788A305}" type="slidenum">
+            <a:fld id="{4EE9ADEE-C307-4E23-A7FD-F3C37E405BDB}" type="slidenum">
               <a:rPr lang="zh-TW" altLang="en-US" smtClean="0"/>
               <a:t>‹#›</a:t>
             </a:fld>
@@ -3003,7 +4381,7 @@
     </p:spTree>
     <p:extLst>
       <p:ext uri="{BB962C8B-B14F-4D97-AF65-F5344CB8AC3E}">
-        <p14:creationId xmlns:p14="http://schemas.microsoft.com/office/powerpoint/2010/main" val="2016052060"/>
+        <p14:creationId xmlns:p14="http://schemas.microsoft.com/office/powerpoint/2010/main" val="3357876529"/>
       </p:ext>
     </p:extLst>
   </p:cSld>
@@ -3326,7 +4704,7 @@
           <p:cNvPr id="2" name="標題 1">
             <a:extLst>
               <a:ext uri="{FF2B5EF4-FFF2-40B4-BE49-F238E27FC236}">
-                <a16:creationId xmlns:a16="http://schemas.microsoft.com/office/drawing/2014/main" id="{32532283-9F93-4E44-8138-32796965361F}"/>
+                <a16:creationId xmlns:a16="http://schemas.microsoft.com/office/drawing/2014/main" id="{011BBF44-C638-7AB6-485E-0562A91579B3}"/>
               </a:ext>
             </a:extLst>
           </p:cNvPr>
@@ -3337,12 +4715,30 @@
             <p:ph type="ctrTitle"/>
           </p:nvPr>
         </p:nvSpPr>
-        <p:spPr/>
-        <p:txBody>
-          <a:bodyPr/>
-          <a:lstStyle/>
-          <a:p>
-            <a:endParaRPr lang="zh-TW" altLang="en-US"/>
+        <p:spPr>
+          <a:xfrm>
+            <a:off x="869577" y="1059610"/>
+            <a:ext cx="5298141" cy="876766"/>
+          </a:xfrm>
+        </p:spPr>
+        <p:txBody>
+          <a:bodyPr>
+            <a:normAutofit fontScale="90000"/>
+          </a:bodyPr>
+          <a:lstStyle/>
+          <a:p>
+            <a:r>
+              <a:rPr lang="zh-TW" altLang="en-US" dirty="0">
+                <a:solidFill>
+                  <a:schemeClr val="bg2">
+                    <a:lumMod val="75000"/>
+                  </a:schemeClr>
+                </a:solidFill>
+                <a:latin typeface="標楷體" panose="03000509000000000000" pitchFamily="65" charset="-120"/>
+                <a:ea typeface="標楷體" panose="03000509000000000000" pitchFamily="65" charset="-120"/>
+              </a:rPr>
+              <a:t>電腦動畫作業二</a:t>
+            </a:r>
           </a:p>
         </p:txBody>
       </p:sp>
@@ -3351,7 +4747,7 @@
           <p:cNvPr id="3" name="副標題 2">
             <a:extLst>
               <a:ext uri="{FF2B5EF4-FFF2-40B4-BE49-F238E27FC236}">
-                <a16:creationId xmlns:a16="http://schemas.microsoft.com/office/drawing/2014/main" id="{8C946F38-524D-4B98-B9CB-80AEE57E455A}"/>
+                <a16:creationId xmlns:a16="http://schemas.microsoft.com/office/drawing/2014/main" id="{ED9725C5-F99F-C5F0-3056-013663D040BF}"/>
               </a:ext>
             </a:extLst>
           </p:cNvPr>
@@ -3362,25 +4758,2049 @@
             <p:ph type="subTitle" idx="1"/>
           </p:nvPr>
         </p:nvSpPr>
-        <p:spPr/>
-        <p:txBody>
-          <a:bodyPr/>
-          <a:lstStyle/>
-          <a:p>
-            <a:endParaRPr lang="zh-TW" altLang="en-US"/>
+        <p:spPr>
+          <a:xfrm>
+            <a:off x="1515036" y="4247497"/>
+            <a:ext cx="2510118" cy="876765"/>
+          </a:xfrm>
+        </p:spPr>
+        <p:txBody>
+          <a:bodyPr>
+            <a:normAutofit lnSpcReduction="10000"/>
+          </a:bodyPr>
+          <a:lstStyle/>
+          <a:p>
+            <a:r>
+              <a:rPr lang="zh-TW" altLang="en-US" dirty="0">
+                <a:solidFill>
+                  <a:schemeClr val="bg2">
+                    <a:lumMod val="75000"/>
+                  </a:schemeClr>
+                </a:solidFill>
+              </a:rPr>
+              <a:t>資工碩一 葉峻宇</a:t>
+            </a:r>
+            <a:endParaRPr lang="en-US" altLang="zh-TW" dirty="0">
+              <a:solidFill>
+                <a:schemeClr val="bg2">
+                  <a:lumMod val="75000"/>
+                </a:schemeClr>
+              </a:solidFill>
+            </a:endParaRPr>
+          </a:p>
+          <a:p>
+            <a:r>
+              <a:rPr lang="zh-TW" altLang="en-US" dirty="0">
+                <a:solidFill>
+                  <a:schemeClr val="bg2">
+                    <a:lumMod val="75000"/>
+                  </a:schemeClr>
+                </a:solidFill>
+              </a:rPr>
+              <a:t>學號 </a:t>
+            </a:r>
+            <a:r>
+              <a:rPr lang="en-US" altLang="zh-TW" dirty="0">
+                <a:solidFill>
+                  <a:schemeClr val="bg2">
+                    <a:lumMod val="75000"/>
+                  </a:schemeClr>
+                </a:solidFill>
+              </a:rPr>
+              <a:t>:</a:t>
+            </a:r>
+            <a:r>
+              <a:rPr lang="zh-TW" altLang="en-US" dirty="0">
+                <a:solidFill>
+                  <a:schemeClr val="bg2">
+                    <a:lumMod val="75000"/>
+                  </a:schemeClr>
+                </a:solidFill>
+              </a:rPr>
+              <a:t> </a:t>
+            </a:r>
+            <a:r>
+              <a:rPr lang="en-US" altLang="zh-TW" dirty="0">
+                <a:solidFill>
+                  <a:schemeClr val="bg2">
+                    <a:lumMod val="75000"/>
+                  </a:schemeClr>
+                </a:solidFill>
+              </a:rPr>
+              <a:t>113598028</a:t>
+            </a:r>
+            <a:endParaRPr lang="zh-TW" altLang="en-US" dirty="0">
+              <a:solidFill>
+                <a:schemeClr val="bg2">
+                  <a:lumMod val="75000"/>
+                </a:schemeClr>
+              </a:solidFill>
+            </a:endParaRPr>
+          </a:p>
+        </p:txBody>
+      </p:sp>
+      <p:sp>
+        <p:nvSpPr>
+          <p:cNvPr id="4" name="標題 1">
+            <a:extLst>
+              <a:ext uri="{FF2B5EF4-FFF2-40B4-BE49-F238E27FC236}">
+                <a16:creationId xmlns:a16="http://schemas.microsoft.com/office/drawing/2014/main" id="{CC427F8D-6953-0680-F6ED-038E3F6208D0}"/>
+              </a:ext>
+            </a:extLst>
+          </p:cNvPr>
+          <p:cNvSpPr txBox="1">
+            <a:spLocks/>
+          </p:cNvSpPr>
+          <p:nvPr/>
+        </p:nvSpPr>
+        <p:spPr>
+          <a:xfrm>
+            <a:off x="-10003697" y="53854"/>
+            <a:ext cx="10998962" cy="527454"/>
+          </a:xfrm>
+          <a:prstGeom prst="rect">
+            <a:avLst/>
+          </a:prstGeom>
+        </p:spPr>
+        <p:txBody>
+          <a:bodyPr vert="horz" lIns="91440" tIns="45720" rIns="91440" bIns="45720" rtlCol="0" anchor="b">
+            <a:normAutofit/>
+          </a:bodyPr>
+          <a:lstStyle>
+            <a:lvl1pPr algn="ctr" defTabSz="914400" rtl="0" eaLnBrk="1" latinLnBrk="0" hangingPunct="1">
+              <a:lnSpc>
+                <a:spcPct val="90000"/>
+              </a:lnSpc>
+              <a:spcBef>
+                <a:spcPct val="0"/>
+              </a:spcBef>
+              <a:buNone/>
+              <a:defRPr sz="6000" kern="1200">
+                <a:solidFill>
+                  <a:schemeClr val="tx1"/>
+                </a:solidFill>
+                <a:latin typeface="+mj-lt"/>
+                <a:ea typeface="+mj-ea"/>
+                <a:cs typeface="+mj-cs"/>
+              </a:defRPr>
+            </a:lvl1pPr>
+          </a:lstStyle>
+          <a:p>
+            <a:pPr algn="l"/>
+            <a:r>
+              <a:rPr lang="en-US" altLang="zh-TW" sz="2800" dirty="0">
+                <a:solidFill>
+                  <a:schemeClr val="bg2">
+                    <a:lumMod val="75000"/>
+                  </a:schemeClr>
+                </a:solidFill>
+                <a:latin typeface="標楷體" panose="03000509000000000000" pitchFamily="65" charset="-120"/>
+                <a:ea typeface="標楷體" panose="03000509000000000000" pitchFamily="65" charset="-120"/>
+              </a:rPr>
+              <a:t>1.</a:t>
+            </a:r>
+            <a:r>
+              <a:rPr lang="zh-TW" altLang="en-US" sz="2800" dirty="0">
+                <a:solidFill>
+                  <a:schemeClr val="bg2">
+                    <a:lumMod val="75000"/>
+                  </a:schemeClr>
+                </a:solidFill>
+                <a:latin typeface="標楷體" panose="03000509000000000000" pitchFamily="65" charset="-120"/>
+                <a:ea typeface="標楷體" panose="03000509000000000000" pitchFamily="65" charset="-120"/>
+              </a:rPr>
+              <a:t>目標</a:t>
+            </a:r>
+            <a:r>
+              <a:rPr lang="en-US" altLang="zh-TW" sz="2800" dirty="0">
+                <a:solidFill>
+                  <a:schemeClr val="bg2">
+                    <a:lumMod val="75000"/>
+                  </a:schemeClr>
+                </a:solidFill>
+                <a:latin typeface="標楷體" panose="03000509000000000000" pitchFamily="65" charset="-120"/>
+                <a:ea typeface="標楷體" panose="03000509000000000000" pitchFamily="65" charset="-120"/>
+              </a:rPr>
+              <a:t>:</a:t>
+            </a:r>
+            <a:r>
+              <a:rPr lang="zh-TW" altLang="en-US" sz="2800" dirty="0">
+                <a:solidFill>
+                  <a:schemeClr val="bg2">
+                    <a:lumMod val="75000"/>
+                  </a:schemeClr>
+                </a:solidFill>
+                <a:latin typeface="標楷體" panose="03000509000000000000" pitchFamily="65" charset="-120"/>
+                <a:ea typeface="標楷體" panose="03000509000000000000" pitchFamily="65" charset="-120"/>
+              </a:rPr>
+              <a:t>去年我跟幾位大學同學約好在開學前要一起去綠島玩。</a:t>
+            </a:r>
           </a:p>
         </p:txBody>
       </p:sp>
     </p:spTree>
     <p:extLst>
       <p:ext uri="{BB962C8B-B14F-4D97-AF65-F5344CB8AC3E}">
-        <p14:creationId xmlns:p14="http://schemas.microsoft.com/office/powerpoint/2010/main" val="1328321055"/>
+        <p14:creationId xmlns:p14="http://schemas.microsoft.com/office/powerpoint/2010/main" val="770513088"/>
       </p:ext>
     </p:extLst>
   </p:cSld>
   <p:clrMapOvr>
     <a:masterClrMapping/>
   </p:clrMapOvr>
+</p:sld>
+</file>
+
+<file path=ppt/slides/slide2.xml><?xml version="1.0" encoding="utf-8"?>
+<p:sld xmlns:a="http://schemas.openxmlformats.org/drawingml/2006/main" xmlns:r="http://schemas.openxmlformats.org/officeDocument/2006/relationships" xmlns:p="http://schemas.openxmlformats.org/presentationml/2006/main">
+  <p:cSld>
+    <p:spTree>
+      <p:nvGrpSpPr>
+        <p:cNvPr id="1" name=""/>
+        <p:cNvGrpSpPr/>
+        <p:nvPr/>
+      </p:nvGrpSpPr>
+      <p:grpSpPr>
+        <a:xfrm>
+          <a:off x="0" y="0"/>
+          <a:ext cx="0" cy="0"/>
+          <a:chOff x="0" y="0"/>
+          <a:chExt cx="0" cy="0"/>
+        </a:xfrm>
+      </p:grpSpPr>
+      <p:sp>
+        <p:nvSpPr>
+          <p:cNvPr id="2" name="標題 1">
+            <a:extLst>
+              <a:ext uri="{FF2B5EF4-FFF2-40B4-BE49-F238E27FC236}">
+                <a16:creationId xmlns:a16="http://schemas.microsoft.com/office/drawing/2014/main" id="{011BBF44-C638-7AB6-485E-0562A91579B3}"/>
+              </a:ext>
+            </a:extLst>
+          </p:cNvPr>
+          <p:cNvSpPr>
+            <a:spLocks noGrp="1"/>
+          </p:cNvSpPr>
+          <p:nvPr>
+            <p:ph type="ctrTitle"/>
+          </p:nvPr>
+        </p:nvSpPr>
+        <p:spPr>
+          <a:xfrm>
+            <a:off x="272418" y="205273"/>
+            <a:ext cx="10998962" cy="527454"/>
+          </a:xfrm>
+        </p:spPr>
+        <p:txBody>
+          <a:bodyPr>
+            <a:normAutofit/>
+          </a:bodyPr>
+          <a:lstStyle/>
+          <a:p>
+            <a:pPr algn="l"/>
+            <a:r>
+              <a:rPr lang="en-US" altLang="zh-TW" sz="2800" dirty="0">
+                <a:solidFill>
+                  <a:schemeClr val="bg2">
+                    <a:lumMod val="75000"/>
+                  </a:schemeClr>
+                </a:solidFill>
+                <a:latin typeface="標楷體" panose="03000509000000000000" pitchFamily="65" charset="-120"/>
+                <a:ea typeface="標楷體" panose="03000509000000000000" pitchFamily="65" charset="-120"/>
+              </a:rPr>
+              <a:t>1.</a:t>
+            </a:r>
+            <a:r>
+              <a:rPr lang="zh-TW" altLang="en-US" sz="2800" dirty="0">
+                <a:solidFill>
+                  <a:schemeClr val="bg2">
+                    <a:lumMod val="75000"/>
+                  </a:schemeClr>
+                </a:solidFill>
+                <a:latin typeface="標楷體" panose="03000509000000000000" pitchFamily="65" charset="-120"/>
+                <a:ea typeface="標楷體" panose="03000509000000000000" pitchFamily="65" charset="-120"/>
+              </a:rPr>
+              <a:t>目標</a:t>
+            </a:r>
+            <a:r>
+              <a:rPr lang="en-US" altLang="zh-TW" sz="2800" dirty="0">
+                <a:solidFill>
+                  <a:schemeClr val="bg2">
+                    <a:lumMod val="75000"/>
+                  </a:schemeClr>
+                </a:solidFill>
+                <a:latin typeface="標楷體" panose="03000509000000000000" pitchFamily="65" charset="-120"/>
+                <a:ea typeface="標楷體" panose="03000509000000000000" pitchFamily="65" charset="-120"/>
+              </a:rPr>
+              <a:t>:</a:t>
+            </a:r>
+            <a:r>
+              <a:rPr lang="zh-TW" altLang="en-US" sz="2800" dirty="0">
+                <a:solidFill>
+                  <a:schemeClr val="bg2">
+                    <a:lumMod val="75000"/>
+                  </a:schemeClr>
+                </a:solidFill>
+                <a:latin typeface="標楷體" panose="03000509000000000000" pitchFamily="65" charset="-120"/>
+                <a:ea typeface="標楷體" panose="03000509000000000000" pitchFamily="65" charset="-120"/>
+              </a:rPr>
+              <a:t>去年我跟幾位大學同學約好在開學前要一起去綠島玩。</a:t>
+            </a:r>
+          </a:p>
+        </p:txBody>
+      </p:sp>
+      <p:pic>
+        <p:nvPicPr>
+          <p:cNvPr id="4" name="圖片 3">
+            <a:extLst>
+              <a:ext uri="{FF2B5EF4-FFF2-40B4-BE49-F238E27FC236}">
+                <a16:creationId xmlns:a16="http://schemas.microsoft.com/office/drawing/2014/main" id="{5E1A6C15-7398-4454-C9D1-356A2C2D91C0}"/>
+              </a:ext>
+            </a:extLst>
+          </p:cNvPr>
+          <p:cNvPicPr>
+            <a:picLocks noChangeAspect="1"/>
+          </p:cNvPicPr>
+          <p:nvPr/>
+        </p:nvPicPr>
+        <p:blipFill>
+          <a:blip r:embed="rId3">
+            <a:extLst>
+              <a:ext uri="{28A0092B-C50C-407E-A947-70E740481C1C}">
+                <a14:useLocalDpi xmlns:a14="http://schemas.microsoft.com/office/drawing/2010/main" val="0"/>
+              </a:ext>
+            </a:extLst>
+          </a:blip>
+          <a:stretch>
+            <a:fillRect/>
+          </a:stretch>
+        </p:blipFill>
+        <p:spPr>
+          <a:xfrm>
+            <a:off x="164430" y="794083"/>
+            <a:ext cx="5931569" cy="5931569"/>
+          </a:xfrm>
+          <a:prstGeom prst="rect">
+            <a:avLst/>
+          </a:prstGeom>
+        </p:spPr>
+      </p:pic>
+    </p:spTree>
+    <p:extLst>
+      <p:ext uri="{BB962C8B-B14F-4D97-AF65-F5344CB8AC3E}">
+        <p14:creationId xmlns:p14="http://schemas.microsoft.com/office/powerpoint/2010/main" val="1669961037"/>
+      </p:ext>
+    </p:extLst>
+  </p:cSld>
+  <p:clrMapOvr>
+    <a:masterClrMapping/>
+  </p:clrMapOvr>
+  <mc:AlternateContent xmlns:mc="http://schemas.openxmlformats.org/markup-compatibility/2006">
+    <mc:Choice xmlns:p159="http://schemas.microsoft.com/office/powerpoint/2015/09/main" Requires="p159">
+      <p:transition xmlns:p14="http://schemas.microsoft.com/office/powerpoint/2010/main" spd="slow" p14:dur="2000">
+        <p159:morph option="byWord"/>
+      </p:transition>
+    </mc:Choice>
+    <mc:Fallback>
+      <p:transition spd="slow">
+        <p:fade/>
+      </p:transition>
+    </mc:Fallback>
+  </mc:AlternateContent>
+</p:sld>
+</file>
+
+<file path=ppt/slides/slide3.xml><?xml version="1.0" encoding="utf-8"?>
+<p:sld xmlns:a="http://schemas.openxmlformats.org/drawingml/2006/main" xmlns:r="http://schemas.openxmlformats.org/officeDocument/2006/relationships" xmlns:p="http://schemas.openxmlformats.org/presentationml/2006/main">
+  <p:cSld>
+    <p:spTree>
+      <p:nvGrpSpPr>
+        <p:cNvPr id="1" name=""/>
+        <p:cNvGrpSpPr/>
+        <p:nvPr/>
+      </p:nvGrpSpPr>
+      <p:grpSpPr>
+        <a:xfrm>
+          <a:off x="0" y="0"/>
+          <a:ext cx="0" cy="0"/>
+          <a:chOff x="0" y="0"/>
+          <a:chExt cx="0" cy="0"/>
+        </a:xfrm>
+      </p:grpSpPr>
+      <p:sp>
+        <p:nvSpPr>
+          <p:cNvPr id="2" name="標題 1">
+            <a:extLst>
+              <a:ext uri="{FF2B5EF4-FFF2-40B4-BE49-F238E27FC236}">
+                <a16:creationId xmlns:a16="http://schemas.microsoft.com/office/drawing/2014/main" id="{011BBF44-C638-7AB6-485E-0562A91579B3}"/>
+              </a:ext>
+            </a:extLst>
+          </p:cNvPr>
+          <p:cNvSpPr>
+            <a:spLocks noGrp="1"/>
+          </p:cNvSpPr>
+          <p:nvPr>
+            <p:ph type="ctrTitle"/>
+          </p:nvPr>
+        </p:nvSpPr>
+        <p:spPr>
+          <a:xfrm>
+            <a:off x="272418" y="205273"/>
+            <a:ext cx="10998962" cy="527454"/>
+          </a:xfrm>
+        </p:spPr>
+        <p:txBody>
+          <a:bodyPr>
+            <a:normAutofit/>
+          </a:bodyPr>
+          <a:lstStyle/>
+          <a:p>
+            <a:pPr algn="l"/>
+            <a:r>
+              <a:rPr lang="en-US" altLang="zh-TW" sz="2800" dirty="0">
+                <a:solidFill>
+                  <a:schemeClr val="bg2">
+                    <a:lumMod val="75000"/>
+                  </a:schemeClr>
+                </a:solidFill>
+                <a:latin typeface="標楷體" panose="03000509000000000000" pitchFamily="65" charset="-120"/>
+                <a:ea typeface="標楷體" panose="03000509000000000000" pitchFamily="65" charset="-120"/>
+              </a:rPr>
+              <a:t>2.</a:t>
+            </a:r>
+            <a:r>
+              <a:rPr lang="zh-TW" altLang="en-US" sz="2800" dirty="0">
+                <a:solidFill>
+                  <a:schemeClr val="bg2">
+                    <a:lumMod val="75000"/>
+                  </a:schemeClr>
+                </a:solidFill>
+                <a:latin typeface="標楷體" panose="03000509000000000000" pitchFamily="65" charset="-120"/>
+                <a:ea typeface="標楷體" panose="03000509000000000000" pitchFamily="65" charset="-120"/>
+              </a:rPr>
+              <a:t>阻礙</a:t>
+            </a:r>
+            <a:r>
+              <a:rPr lang="en-US" altLang="zh-TW" sz="2800" dirty="0">
+                <a:solidFill>
+                  <a:schemeClr val="bg2">
+                    <a:lumMod val="75000"/>
+                  </a:schemeClr>
+                </a:solidFill>
+                <a:latin typeface="標楷體" panose="03000509000000000000" pitchFamily="65" charset="-120"/>
+                <a:ea typeface="標楷體" panose="03000509000000000000" pitchFamily="65" charset="-120"/>
+              </a:rPr>
+              <a:t>:</a:t>
+            </a:r>
+            <a:r>
+              <a:rPr lang="zh-TW" altLang="en-US" sz="2800" dirty="0">
+                <a:solidFill>
+                  <a:schemeClr val="bg2">
+                    <a:lumMod val="75000"/>
+                  </a:schemeClr>
+                </a:solidFill>
+                <a:latin typeface="標楷體" panose="03000509000000000000" pitchFamily="65" charset="-120"/>
+                <a:ea typeface="標楷體" panose="03000509000000000000" pitchFamily="65" charset="-120"/>
+              </a:rPr>
+              <a:t>出發前一天中央氣象局的網站公告綠島易有</a:t>
+            </a:r>
+            <a:r>
+              <a:rPr lang="en-US" altLang="zh-TW" sz="2800" dirty="0">
+                <a:solidFill>
+                  <a:schemeClr val="bg2">
+                    <a:lumMod val="75000"/>
+                  </a:schemeClr>
+                </a:solidFill>
+                <a:latin typeface="標楷體" panose="03000509000000000000" pitchFamily="65" charset="-120"/>
+                <a:ea typeface="標楷體" panose="03000509000000000000" pitchFamily="65" charset="-120"/>
+              </a:rPr>
+              <a:t>9~10</a:t>
+            </a:r>
+            <a:r>
+              <a:rPr lang="zh-TW" altLang="en-US" sz="2800" dirty="0">
+                <a:solidFill>
+                  <a:schemeClr val="bg2">
+                    <a:lumMod val="75000"/>
+                  </a:schemeClr>
+                </a:solidFill>
+                <a:latin typeface="標楷體" panose="03000509000000000000" pitchFamily="65" charset="-120"/>
+                <a:ea typeface="標楷體" panose="03000509000000000000" pitchFamily="65" charset="-120"/>
+              </a:rPr>
+              <a:t>級強陣風。</a:t>
+            </a:r>
+          </a:p>
+        </p:txBody>
+      </p:sp>
+      <p:pic>
+        <p:nvPicPr>
+          <p:cNvPr id="5" name="圖片 4">
+            <a:extLst>
+              <a:ext uri="{FF2B5EF4-FFF2-40B4-BE49-F238E27FC236}">
+                <a16:creationId xmlns:a16="http://schemas.microsoft.com/office/drawing/2014/main" id="{A572043C-A8DF-5A56-D81A-DCA6FF3FC077}"/>
+              </a:ext>
+            </a:extLst>
+          </p:cNvPr>
+          <p:cNvPicPr>
+            <a:picLocks noChangeAspect="1"/>
+          </p:cNvPicPr>
+          <p:nvPr/>
+        </p:nvPicPr>
+        <p:blipFill>
+          <a:blip r:embed="rId3">
+            <a:extLst>
+              <a:ext uri="{28A0092B-C50C-407E-A947-70E740481C1C}">
+                <a14:useLocalDpi xmlns:a14="http://schemas.microsoft.com/office/drawing/2010/main" val="0"/>
+              </a:ext>
+            </a:extLst>
+          </a:blip>
+          <a:stretch>
+            <a:fillRect/>
+          </a:stretch>
+        </p:blipFill>
+        <p:spPr>
+          <a:xfrm>
+            <a:off x="116304" y="745957"/>
+            <a:ext cx="6015789" cy="6015789"/>
+          </a:xfrm>
+          <a:prstGeom prst="rect">
+            <a:avLst/>
+          </a:prstGeom>
+        </p:spPr>
+      </p:pic>
+      <p:pic>
+        <p:nvPicPr>
+          <p:cNvPr id="8" name="圖片 7">
+            <a:extLst>
+              <a:ext uri="{FF2B5EF4-FFF2-40B4-BE49-F238E27FC236}">
+                <a16:creationId xmlns:a16="http://schemas.microsoft.com/office/drawing/2014/main" id="{3A5B89DD-22FE-3568-A88A-AB53E3831E70}"/>
+              </a:ext>
+            </a:extLst>
+          </p:cNvPr>
+          <p:cNvPicPr>
+            <a:picLocks noChangeAspect="1"/>
+          </p:cNvPicPr>
+          <p:nvPr/>
+        </p:nvPicPr>
+        <p:blipFill>
+          <a:blip r:embed="rId4">
+            <a:extLst>
+              <a:ext uri="{28A0092B-C50C-407E-A947-70E740481C1C}">
+                <a14:useLocalDpi xmlns:a14="http://schemas.microsoft.com/office/drawing/2010/main" val="0"/>
+              </a:ext>
+            </a:extLst>
+          </a:blip>
+          <a:stretch>
+            <a:fillRect/>
+          </a:stretch>
+        </p:blipFill>
+        <p:spPr>
+          <a:xfrm>
+            <a:off x="12456681" y="745957"/>
+            <a:ext cx="5931569" cy="5931569"/>
+          </a:xfrm>
+          <a:prstGeom prst="rect">
+            <a:avLst/>
+          </a:prstGeom>
+        </p:spPr>
+      </p:pic>
+    </p:spTree>
+    <p:extLst>
+      <p:ext uri="{BB962C8B-B14F-4D97-AF65-F5344CB8AC3E}">
+        <p14:creationId xmlns:p14="http://schemas.microsoft.com/office/powerpoint/2010/main" val="1913505172"/>
+      </p:ext>
+    </p:extLst>
+  </p:cSld>
+  <p:clrMapOvr>
+    <a:masterClrMapping/>
+  </p:clrMapOvr>
+  <mc:AlternateContent xmlns:mc="http://schemas.openxmlformats.org/markup-compatibility/2006">
+    <mc:Choice xmlns:p159="http://schemas.microsoft.com/office/powerpoint/2015/09/main" Requires="p159">
+      <p:transition xmlns:p14="http://schemas.microsoft.com/office/powerpoint/2010/main" spd="slow" p14:dur="2000">
+        <p159:morph option="byObject"/>
+      </p:transition>
+    </mc:Choice>
+    <mc:Fallback>
+      <p:transition spd="slow">
+        <p:fade/>
+      </p:transition>
+    </mc:Fallback>
+  </mc:AlternateContent>
+</p:sld>
+</file>
+
+<file path=ppt/slides/slide4.xml><?xml version="1.0" encoding="utf-8"?>
+<p:sld xmlns:a="http://schemas.openxmlformats.org/drawingml/2006/main" xmlns:r="http://schemas.openxmlformats.org/officeDocument/2006/relationships" xmlns:p="http://schemas.openxmlformats.org/presentationml/2006/main">
+  <p:cSld>
+    <p:spTree>
+      <p:nvGrpSpPr>
+        <p:cNvPr id="1" name=""/>
+        <p:cNvGrpSpPr/>
+        <p:nvPr/>
+      </p:nvGrpSpPr>
+      <p:grpSpPr>
+        <a:xfrm>
+          <a:off x="0" y="0"/>
+          <a:ext cx="0" cy="0"/>
+          <a:chOff x="0" y="0"/>
+          <a:chExt cx="0" cy="0"/>
+        </a:xfrm>
+      </p:grpSpPr>
+      <p:sp>
+        <p:nvSpPr>
+          <p:cNvPr id="2" name="標題 1">
+            <a:extLst>
+              <a:ext uri="{FF2B5EF4-FFF2-40B4-BE49-F238E27FC236}">
+                <a16:creationId xmlns:a16="http://schemas.microsoft.com/office/drawing/2014/main" id="{011BBF44-C638-7AB6-485E-0562A91579B3}"/>
+              </a:ext>
+            </a:extLst>
+          </p:cNvPr>
+          <p:cNvSpPr>
+            <a:spLocks noGrp="1"/>
+          </p:cNvSpPr>
+          <p:nvPr>
+            <p:ph type="ctrTitle"/>
+          </p:nvPr>
+        </p:nvSpPr>
+        <p:spPr>
+          <a:xfrm>
+            <a:off x="272418" y="205273"/>
+            <a:ext cx="10998962" cy="527454"/>
+          </a:xfrm>
+        </p:spPr>
+        <p:txBody>
+          <a:bodyPr>
+            <a:normAutofit/>
+          </a:bodyPr>
+          <a:lstStyle/>
+          <a:p>
+            <a:pPr algn="l"/>
+            <a:r>
+              <a:rPr lang="en-US" altLang="zh-TW" sz="2800" dirty="0">
+                <a:solidFill>
+                  <a:schemeClr val="bg2">
+                    <a:lumMod val="75000"/>
+                  </a:schemeClr>
+                </a:solidFill>
+                <a:latin typeface="標楷體" panose="03000509000000000000" pitchFamily="65" charset="-120"/>
+                <a:ea typeface="標楷體" panose="03000509000000000000" pitchFamily="65" charset="-120"/>
+              </a:rPr>
+              <a:t>3.</a:t>
+            </a:r>
+            <a:r>
+              <a:rPr lang="zh-TW" altLang="en-US" sz="2800" dirty="0">
+                <a:solidFill>
+                  <a:schemeClr val="bg2">
+                    <a:lumMod val="75000"/>
+                  </a:schemeClr>
+                </a:solidFill>
+                <a:latin typeface="標楷體" panose="03000509000000000000" pitchFamily="65" charset="-120"/>
+                <a:ea typeface="標楷體" panose="03000509000000000000" pitchFamily="65" charset="-120"/>
+              </a:rPr>
+              <a:t>努力</a:t>
+            </a:r>
+            <a:r>
+              <a:rPr lang="en-US" altLang="zh-TW" sz="2800" dirty="0">
+                <a:solidFill>
+                  <a:schemeClr val="bg2">
+                    <a:lumMod val="75000"/>
+                  </a:schemeClr>
+                </a:solidFill>
+                <a:latin typeface="標楷體" panose="03000509000000000000" pitchFamily="65" charset="-120"/>
+                <a:ea typeface="標楷體" panose="03000509000000000000" pitchFamily="65" charset="-120"/>
+              </a:rPr>
+              <a:t>:</a:t>
+            </a:r>
+            <a:r>
+              <a:rPr lang="zh-TW" altLang="en-US" sz="2800" dirty="0">
+                <a:solidFill>
+                  <a:schemeClr val="bg2">
+                    <a:lumMod val="75000"/>
+                  </a:schemeClr>
+                </a:solidFill>
+                <a:latin typeface="標楷體" panose="03000509000000000000" pitchFamily="65" charset="-120"/>
+                <a:ea typeface="標楷體" panose="03000509000000000000" pitchFamily="65" charset="-120"/>
+              </a:rPr>
+              <a:t>在出發前我們都吃好暈船藥，並且睡飽準備搭船。</a:t>
+            </a:r>
+          </a:p>
+        </p:txBody>
+      </p:sp>
+      <p:pic>
+        <p:nvPicPr>
+          <p:cNvPr id="5" name="圖片 4">
+            <a:extLst>
+              <a:ext uri="{FF2B5EF4-FFF2-40B4-BE49-F238E27FC236}">
+                <a16:creationId xmlns:a16="http://schemas.microsoft.com/office/drawing/2014/main" id="{63F9664E-BDEA-35A6-B14E-A380EA82DD77}"/>
+              </a:ext>
+            </a:extLst>
+          </p:cNvPr>
+          <p:cNvPicPr>
+            <a:picLocks noChangeAspect="1"/>
+          </p:cNvPicPr>
+          <p:nvPr/>
+        </p:nvPicPr>
+        <p:blipFill>
+          <a:blip r:embed="rId3">
+            <a:extLst>
+              <a:ext uri="{28A0092B-C50C-407E-A947-70E740481C1C}">
+                <a14:useLocalDpi xmlns:a14="http://schemas.microsoft.com/office/drawing/2010/main" val="0"/>
+              </a:ext>
+            </a:extLst>
+          </a:blip>
+          <a:stretch>
+            <a:fillRect/>
+          </a:stretch>
+        </p:blipFill>
+        <p:spPr>
+          <a:xfrm>
+            <a:off x="104275" y="732728"/>
+            <a:ext cx="5991726" cy="5991726"/>
+          </a:xfrm>
+          <a:prstGeom prst="rect">
+            <a:avLst/>
+          </a:prstGeom>
+        </p:spPr>
+      </p:pic>
+      <p:sp>
+        <p:nvSpPr>
+          <p:cNvPr id="7" name="標題 1">
+            <a:extLst>
+              <a:ext uri="{FF2B5EF4-FFF2-40B4-BE49-F238E27FC236}">
+                <a16:creationId xmlns:a16="http://schemas.microsoft.com/office/drawing/2014/main" id="{354F0D55-16F2-CF24-117A-35FA02655144}"/>
+              </a:ext>
+            </a:extLst>
+          </p:cNvPr>
+          <p:cNvSpPr txBox="1">
+            <a:spLocks/>
+          </p:cNvSpPr>
+          <p:nvPr/>
+        </p:nvSpPr>
+        <p:spPr>
+          <a:xfrm>
+            <a:off x="12442646" y="205273"/>
+            <a:ext cx="10998962" cy="527454"/>
+          </a:xfrm>
+          <a:prstGeom prst="rect">
+            <a:avLst/>
+          </a:prstGeom>
+        </p:spPr>
+        <p:txBody>
+          <a:bodyPr vert="horz" lIns="91440" tIns="45720" rIns="91440" bIns="45720" rtlCol="0" anchor="b">
+            <a:normAutofit/>
+          </a:bodyPr>
+          <a:lstStyle>
+            <a:lvl1pPr algn="ctr" defTabSz="914400" rtl="0" eaLnBrk="1" latinLnBrk="0" hangingPunct="1">
+              <a:lnSpc>
+                <a:spcPct val="90000"/>
+              </a:lnSpc>
+              <a:spcBef>
+                <a:spcPct val="0"/>
+              </a:spcBef>
+              <a:buNone/>
+              <a:defRPr sz="6000" kern="1200">
+                <a:solidFill>
+                  <a:schemeClr val="tx1"/>
+                </a:solidFill>
+                <a:latin typeface="+mj-lt"/>
+                <a:ea typeface="+mj-ea"/>
+                <a:cs typeface="+mj-cs"/>
+              </a:defRPr>
+            </a:lvl1pPr>
+          </a:lstStyle>
+          <a:p>
+            <a:pPr algn="l"/>
+            <a:r>
+              <a:rPr lang="en-US" altLang="zh-TW" sz="2800">
+                <a:solidFill>
+                  <a:schemeClr val="bg2">
+                    <a:lumMod val="75000"/>
+                  </a:schemeClr>
+                </a:solidFill>
+                <a:latin typeface="標楷體" panose="03000509000000000000" pitchFamily="65" charset="-120"/>
+                <a:ea typeface="標楷體" panose="03000509000000000000" pitchFamily="65" charset="-120"/>
+              </a:rPr>
+              <a:t>2.</a:t>
+            </a:r>
+            <a:r>
+              <a:rPr lang="zh-TW" altLang="en-US" sz="2800">
+                <a:solidFill>
+                  <a:schemeClr val="bg2">
+                    <a:lumMod val="75000"/>
+                  </a:schemeClr>
+                </a:solidFill>
+                <a:latin typeface="標楷體" panose="03000509000000000000" pitchFamily="65" charset="-120"/>
+                <a:ea typeface="標楷體" panose="03000509000000000000" pitchFamily="65" charset="-120"/>
+              </a:rPr>
+              <a:t>阻礙</a:t>
+            </a:r>
+            <a:r>
+              <a:rPr lang="en-US" altLang="zh-TW" sz="2800">
+                <a:solidFill>
+                  <a:schemeClr val="bg2">
+                    <a:lumMod val="75000"/>
+                  </a:schemeClr>
+                </a:solidFill>
+                <a:latin typeface="標楷體" panose="03000509000000000000" pitchFamily="65" charset="-120"/>
+                <a:ea typeface="標楷體" panose="03000509000000000000" pitchFamily="65" charset="-120"/>
+              </a:rPr>
+              <a:t>:</a:t>
+            </a:r>
+            <a:r>
+              <a:rPr lang="zh-TW" altLang="en-US" sz="2800">
+                <a:solidFill>
+                  <a:schemeClr val="bg2">
+                    <a:lumMod val="75000"/>
+                  </a:schemeClr>
+                </a:solidFill>
+                <a:latin typeface="標楷體" panose="03000509000000000000" pitchFamily="65" charset="-120"/>
+                <a:ea typeface="標楷體" panose="03000509000000000000" pitchFamily="65" charset="-120"/>
+              </a:rPr>
+              <a:t>出發前一天中央氣象局的網站公告綠島易有</a:t>
+            </a:r>
+            <a:r>
+              <a:rPr lang="en-US" altLang="zh-TW" sz="2800">
+                <a:solidFill>
+                  <a:schemeClr val="bg2">
+                    <a:lumMod val="75000"/>
+                  </a:schemeClr>
+                </a:solidFill>
+                <a:latin typeface="標楷體" panose="03000509000000000000" pitchFamily="65" charset="-120"/>
+                <a:ea typeface="標楷體" panose="03000509000000000000" pitchFamily="65" charset="-120"/>
+              </a:rPr>
+              <a:t>9~10</a:t>
+            </a:r>
+            <a:r>
+              <a:rPr lang="zh-TW" altLang="en-US" sz="2800">
+                <a:solidFill>
+                  <a:schemeClr val="bg2">
+                    <a:lumMod val="75000"/>
+                  </a:schemeClr>
+                </a:solidFill>
+                <a:latin typeface="標楷體" panose="03000509000000000000" pitchFamily="65" charset="-120"/>
+                <a:ea typeface="標楷體" panose="03000509000000000000" pitchFamily="65" charset="-120"/>
+              </a:rPr>
+              <a:t>級強陣風。</a:t>
+            </a:r>
+            <a:endParaRPr lang="zh-TW" altLang="en-US" sz="2800" dirty="0">
+              <a:solidFill>
+                <a:schemeClr val="bg2">
+                  <a:lumMod val="75000"/>
+                </a:schemeClr>
+              </a:solidFill>
+              <a:latin typeface="標楷體" panose="03000509000000000000" pitchFamily="65" charset="-120"/>
+              <a:ea typeface="標楷體" panose="03000509000000000000" pitchFamily="65" charset="-120"/>
+            </a:endParaRPr>
+          </a:p>
+        </p:txBody>
+      </p:sp>
+    </p:spTree>
+    <p:extLst>
+      <p:ext uri="{BB962C8B-B14F-4D97-AF65-F5344CB8AC3E}">
+        <p14:creationId xmlns:p14="http://schemas.microsoft.com/office/powerpoint/2010/main" val="4147189706"/>
+      </p:ext>
+    </p:extLst>
+  </p:cSld>
+  <p:clrMapOvr>
+    <a:masterClrMapping/>
+  </p:clrMapOvr>
+  <mc:AlternateContent xmlns:mc="http://schemas.openxmlformats.org/markup-compatibility/2006">
+    <mc:Choice xmlns:p159="http://schemas.microsoft.com/office/powerpoint/2015/09/main" Requires="p159">
+      <p:transition xmlns:p14="http://schemas.microsoft.com/office/powerpoint/2010/main" spd="slow" p14:dur="2000">
+        <p159:morph option="byWord"/>
+      </p:transition>
+    </mc:Choice>
+    <mc:Fallback>
+      <p:transition spd="slow">
+        <p:fade/>
+      </p:transition>
+    </mc:Fallback>
+  </mc:AlternateContent>
+</p:sld>
+</file>
+
+<file path=ppt/slides/slide5.xml><?xml version="1.0" encoding="utf-8"?>
+<p:sld xmlns:a="http://schemas.openxmlformats.org/drawingml/2006/main" xmlns:r="http://schemas.openxmlformats.org/officeDocument/2006/relationships" xmlns:p="http://schemas.openxmlformats.org/presentationml/2006/main">
+  <p:cSld>
+    <p:spTree>
+      <p:nvGrpSpPr>
+        <p:cNvPr id="1" name=""/>
+        <p:cNvGrpSpPr/>
+        <p:nvPr/>
+      </p:nvGrpSpPr>
+      <p:grpSpPr>
+        <a:xfrm>
+          <a:off x="0" y="0"/>
+          <a:ext cx="0" cy="0"/>
+          <a:chOff x="0" y="0"/>
+          <a:chExt cx="0" cy="0"/>
+        </a:xfrm>
+      </p:grpSpPr>
+      <p:sp>
+        <p:nvSpPr>
+          <p:cNvPr id="2" name="標題 1">
+            <a:extLst>
+              <a:ext uri="{FF2B5EF4-FFF2-40B4-BE49-F238E27FC236}">
+                <a16:creationId xmlns:a16="http://schemas.microsoft.com/office/drawing/2014/main" id="{011BBF44-C638-7AB6-485E-0562A91579B3}"/>
+              </a:ext>
+            </a:extLst>
+          </p:cNvPr>
+          <p:cNvSpPr>
+            <a:spLocks noGrp="1"/>
+          </p:cNvSpPr>
+          <p:nvPr>
+            <p:ph type="ctrTitle"/>
+          </p:nvPr>
+        </p:nvSpPr>
+        <p:spPr>
+          <a:xfrm>
+            <a:off x="272418" y="205273"/>
+            <a:ext cx="11614782" cy="527454"/>
+          </a:xfrm>
+        </p:spPr>
+        <p:txBody>
+          <a:bodyPr>
+            <a:noAutofit/>
+          </a:bodyPr>
+          <a:lstStyle/>
+          <a:p>
+            <a:pPr algn="l"/>
+            <a:r>
+              <a:rPr lang="en-US" altLang="zh-TW" sz="2800" dirty="0">
+                <a:solidFill>
+                  <a:schemeClr val="bg2">
+                    <a:lumMod val="75000"/>
+                  </a:schemeClr>
+                </a:solidFill>
+                <a:latin typeface="標楷體" panose="03000509000000000000" pitchFamily="65" charset="-120"/>
+                <a:ea typeface="標楷體" panose="03000509000000000000" pitchFamily="65" charset="-120"/>
+              </a:rPr>
+              <a:t>4.</a:t>
+            </a:r>
+            <a:r>
+              <a:rPr lang="zh-TW" altLang="en-US" sz="2800" dirty="0">
+                <a:solidFill>
+                  <a:schemeClr val="bg2">
+                    <a:lumMod val="75000"/>
+                  </a:schemeClr>
+                </a:solidFill>
+                <a:latin typeface="標楷體" panose="03000509000000000000" pitchFamily="65" charset="-120"/>
+                <a:ea typeface="標楷體" panose="03000509000000000000" pitchFamily="65" charset="-120"/>
+              </a:rPr>
+              <a:t>結果</a:t>
+            </a:r>
+            <a:r>
+              <a:rPr lang="en-US" altLang="zh-TW" sz="2800" dirty="0">
+                <a:solidFill>
+                  <a:schemeClr val="bg2">
+                    <a:lumMod val="75000"/>
+                  </a:schemeClr>
+                </a:solidFill>
+                <a:latin typeface="標楷體" panose="03000509000000000000" pitchFamily="65" charset="-120"/>
+                <a:ea typeface="標楷體" panose="03000509000000000000" pitchFamily="65" charset="-120"/>
+              </a:rPr>
+              <a:t>:</a:t>
+            </a:r>
+            <a:r>
+              <a:rPr lang="zh-TW" altLang="en-US" sz="2800" dirty="0">
+                <a:solidFill>
+                  <a:schemeClr val="bg2">
+                    <a:lumMod val="75000"/>
+                  </a:schemeClr>
+                </a:solidFill>
+                <a:latin typeface="標楷體" panose="03000509000000000000" pitchFamily="65" charset="-120"/>
+                <a:ea typeface="標楷體" panose="03000509000000000000" pitchFamily="65" charset="-120"/>
+              </a:rPr>
+              <a:t>船在出發後果然如預期的一樣晃，不時還會整艘船噴射離開海面。</a:t>
+            </a:r>
+          </a:p>
+        </p:txBody>
+      </p:sp>
+      <p:pic>
+        <p:nvPicPr>
+          <p:cNvPr id="7" name="圖片 6">
+            <a:extLst>
+              <a:ext uri="{FF2B5EF4-FFF2-40B4-BE49-F238E27FC236}">
+                <a16:creationId xmlns:a16="http://schemas.microsoft.com/office/drawing/2014/main" id="{93F8F47F-FB49-9D23-0B20-CCF98871F689}"/>
+              </a:ext>
+            </a:extLst>
+          </p:cNvPr>
+          <p:cNvPicPr>
+            <a:picLocks noChangeAspect="1"/>
+          </p:cNvPicPr>
+          <p:nvPr/>
+        </p:nvPicPr>
+        <p:blipFill>
+          <a:blip r:embed="rId3">
+            <a:extLst>
+              <a:ext uri="{28A0092B-C50C-407E-A947-70E740481C1C}">
+                <a14:useLocalDpi xmlns:a14="http://schemas.microsoft.com/office/drawing/2010/main" val="0"/>
+              </a:ext>
+            </a:extLst>
+          </a:blip>
+          <a:stretch>
+            <a:fillRect/>
+          </a:stretch>
+        </p:blipFill>
+        <p:spPr>
+          <a:xfrm>
+            <a:off x="169984" y="732727"/>
+            <a:ext cx="6019801" cy="6019801"/>
+          </a:xfrm>
+          <a:prstGeom prst="rect">
+            <a:avLst/>
+          </a:prstGeom>
+        </p:spPr>
+      </p:pic>
+      <p:pic>
+        <p:nvPicPr>
+          <p:cNvPr id="8" name="圖片 7">
+            <a:extLst>
+              <a:ext uri="{FF2B5EF4-FFF2-40B4-BE49-F238E27FC236}">
+                <a16:creationId xmlns:a16="http://schemas.microsoft.com/office/drawing/2014/main" id="{7644B32A-4118-FB99-510E-A410B0EBC8C3}"/>
+              </a:ext>
+            </a:extLst>
+          </p:cNvPr>
+          <p:cNvPicPr>
+            <a:picLocks noChangeAspect="1"/>
+          </p:cNvPicPr>
+          <p:nvPr/>
+        </p:nvPicPr>
+        <p:blipFill>
+          <a:blip r:embed="rId4">
+            <a:extLst>
+              <a:ext uri="{28A0092B-C50C-407E-A947-70E740481C1C}">
+                <a14:useLocalDpi xmlns:a14="http://schemas.microsoft.com/office/drawing/2010/main" val="0"/>
+              </a:ext>
+            </a:extLst>
+          </a:blip>
+          <a:stretch>
+            <a:fillRect/>
+          </a:stretch>
+        </p:blipFill>
+        <p:spPr>
+          <a:xfrm>
+            <a:off x="169984" y="7279982"/>
+            <a:ext cx="5991726" cy="5991726"/>
+          </a:xfrm>
+          <a:prstGeom prst="rect">
+            <a:avLst/>
+          </a:prstGeom>
+        </p:spPr>
+      </p:pic>
+      <p:sp>
+        <p:nvSpPr>
+          <p:cNvPr id="9" name="標題 1">
+            <a:extLst>
+              <a:ext uri="{FF2B5EF4-FFF2-40B4-BE49-F238E27FC236}">
+                <a16:creationId xmlns:a16="http://schemas.microsoft.com/office/drawing/2014/main" id="{1C475851-9CC1-3846-8169-961D9C02410D}"/>
+              </a:ext>
+            </a:extLst>
+          </p:cNvPr>
+          <p:cNvSpPr txBox="1">
+            <a:spLocks/>
+          </p:cNvSpPr>
+          <p:nvPr/>
+        </p:nvSpPr>
+        <p:spPr>
+          <a:xfrm>
+            <a:off x="272418" y="-569443"/>
+            <a:ext cx="12187990" cy="494523"/>
+          </a:xfrm>
+          <a:prstGeom prst="rect">
+            <a:avLst/>
+          </a:prstGeom>
+        </p:spPr>
+        <p:txBody>
+          <a:bodyPr vert="horz" lIns="91440" tIns="45720" rIns="91440" bIns="45720" rtlCol="0" anchor="b">
+            <a:noAutofit/>
+          </a:bodyPr>
+          <a:lstStyle>
+            <a:lvl1pPr algn="ctr" defTabSz="914400" rtl="0" eaLnBrk="1" latinLnBrk="0" hangingPunct="1">
+              <a:lnSpc>
+                <a:spcPct val="90000"/>
+              </a:lnSpc>
+              <a:spcBef>
+                <a:spcPct val="0"/>
+              </a:spcBef>
+              <a:buNone/>
+              <a:defRPr sz="6000" kern="1200">
+                <a:solidFill>
+                  <a:schemeClr val="tx1"/>
+                </a:solidFill>
+                <a:latin typeface="+mj-lt"/>
+                <a:ea typeface="+mj-ea"/>
+                <a:cs typeface="+mj-cs"/>
+              </a:defRPr>
+            </a:lvl1pPr>
+          </a:lstStyle>
+          <a:p>
+            <a:pPr algn="l"/>
+            <a:r>
+              <a:rPr lang="en-US" altLang="zh-TW" sz="2800">
+                <a:solidFill>
+                  <a:schemeClr val="bg2">
+                    <a:lumMod val="75000"/>
+                  </a:schemeClr>
+                </a:solidFill>
+                <a:latin typeface="標楷體" panose="03000509000000000000" pitchFamily="65" charset="-120"/>
+                <a:ea typeface="標楷體" panose="03000509000000000000" pitchFamily="65" charset="-120"/>
+              </a:rPr>
+              <a:t>5.</a:t>
+            </a:r>
+            <a:r>
+              <a:rPr lang="zh-TW" altLang="en-US" sz="2800">
+                <a:solidFill>
+                  <a:schemeClr val="bg2">
+                    <a:lumMod val="75000"/>
+                  </a:schemeClr>
+                </a:solidFill>
+                <a:latin typeface="標楷體" panose="03000509000000000000" pitchFamily="65" charset="-120"/>
+                <a:ea typeface="標楷體" panose="03000509000000000000" pitchFamily="65" charset="-120"/>
+              </a:rPr>
+              <a:t>意外</a:t>
+            </a:r>
+            <a:r>
+              <a:rPr lang="en-US" altLang="zh-TW" sz="2800">
+                <a:solidFill>
+                  <a:schemeClr val="bg2">
+                    <a:lumMod val="75000"/>
+                  </a:schemeClr>
+                </a:solidFill>
+                <a:latin typeface="標楷體" panose="03000509000000000000" pitchFamily="65" charset="-120"/>
+                <a:ea typeface="標楷體" panose="03000509000000000000" pitchFamily="65" charset="-120"/>
+              </a:rPr>
+              <a:t>:</a:t>
+            </a:r>
+            <a:r>
+              <a:rPr lang="zh-TW" altLang="en-US" sz="2800">
+                <a:solidFill>
+                  <a:schemeClr val="bg2">
+                    <a:lumMod val="75000"/>
+                  </a:schemeClr>
+                </a:solidFill>
+                <a:latin typeface="標楷體" panose="03000509000000000000" pitchFamily="65" charset="-120"/>
+                <a:ea typeface="標楷體" panose="03000509000000000000" pitchFamily="65" charset="-120"/>
+              </a:rPr>
+              <a:t>在行駛</a:t>
+            </a:r>
+            <a:r>
+              <a:rPr lang="en-US" altLang="zh-TW" sz="2800">
+                <a:solidFill>
+                  <a:schemeClr val="bg2">
+                    <a:lumMod val="75000"/>
+                  </a:schemeClr>
+                </a:solidFill>
+                <a:latin typeface="標楷體" panose="03000509000000000000" pitchFamily="65" charset="-120"/>
+                <a:ea typeface="標楷體" panose="03000509000000000000" pitchFamily="65" charset="-120"/>
+              </a:rPr>
+              <a:t>10</a:t>
+            </a:r>
+            <a:r>
+              <a:rPr lang="zh-TW" altLang="en-US" sz="2800">
+                <a:solidFill>
+                  <a:schemeClr val="bg2">
+                    <a:lumMod val="75000"/>
+                  </a:schemeClr>
+                </a:solidFill>
+                <a:latin typeface="標楷體" panose="03000509000000000000" pitchFamily="65" charset="-120"/>
+                <a:ea typeface="標楷體" panose="03000509000000000000" pitchFamily="65" charset="-120"/>
+              </a:rPr>
+              <a:t>分鐘之後船上陸陸續續開始有嘔吐的聲音出現。</a:t>
+            </a:r>
+            <a:endParaRPr lang="zh-TW" altLang="en-US" sz="2800" dirty="0">
+              <a:solidFill>
+                <a:schemeClr val="bg2">
+                  <a:lumMod val="75000"/>
+                </a:schemeClr>
+              </a:solidFill>
+              <a:latin typeface="標楷體" panose="03000509000000000000" pitchFamily="65" charset="-120"/>
+              <a:ea typeface="標楷體" panose="03000509000000000000" pitchFamily="65" charset="-120"/>
+            </a:endParaRPr>
+          </a:p>
+        </p:txBody>
+      </p:sp>
+      <p:pic>
+        <p:nvPicPr>
+          <p:cNvPr id="10" name="圖片 9">
+            <a:extLst>
+              <a:ext uri="{FF2B5EF4-FFF2-40B4-BE49-F238E27FC236}">
+                <a16:creationId xmlns:a16="http://schemas.microsoft.com/office/drawing/2014/main" id="{1CF746DA-E47C-940E-A22A-2EB9A7BE1336}"/>
+              </a:ext>
+            </a:extLst>
+          </p:cNvPr>
+          <p:cNvPicPr>
+            <a:picLocks noChangeAspect="1"/>
+          </p:cNvPicPr>
+          <p:nvPr/>
+        </p:nvPicPr>
+        <p:blipFill>
+          <a:blip r:embed="rId5">
+            <a:extLst>
+              <a:ext uri="{28A0092B-C50C-407E-A947-70E740481C1C}">
+                <a14:useLocalDpi xmlns:a14="http://schemas.microsoft.com/office/drawing/2010/main" val="0"/>
+              </a:ext>
+            </a:extLst>
+          </a:blip>
+          <a:stretch>
+            <a:fillRect/>
+          </a:stretch>
+        </p:blipFill>
+        <p:spPr>
+          <a:xfrm>
+            <a:off x="-6229738" y="711476"/>
+            <a:ext cx="6041052" cy="6041052"/>
+          </a:xfrm>
+          <a:prstGeom prst="rect">
+            <a:avLst/>
+          </a:prstGeom>
+        </p:spPr>
+      </p:pic>
+    </p:spTree>
+    <p:extLst>
+      <p:ext uri="{BB962C8B-B14F-4D97-AF65-F5344CB8AC3E}">
+        <p14:creationId xmlns:p14="http://schemas.microsoft.com/office/powerpoint/2010/main" val="2754110732"/>
+      </p:ext>
+    </p:extLst>
+  </p:cSld>
+  <p:clrMapOvr>
+    <a:masterClrMapping/>
+  </p:clrMapOvr>
+  <mc:AlternateContent xmlns:mc="http://schemas.openxmlformats.org/markup-compatibility/2006">
+    <mc:Choice xmlns:p159="http://schemas.microsoft.com/office/powerpoint/2015/09/main" Requires="p159">
+      <p:transition xmlns:p14="http://schemas.microsoft.com/office/powerpoint/2010/main" spd="slow" p14:dur="2000">
+        <p159:morph option="byObject"/>
+      </p:transition>
+    </mc:Choice>
+    <mc:Fallback>
+      <p:transition spd="slow">
+        <p:fade/>
+      </p:transition>
+    </mc:Fallback>
+  </mc:AlternateContent>
+</p:sld>
+</file>
+
+<file path=ppt/slides/slide6.xml><?xml version="1.0" encoding="utf-8"?>
+<p:sld xmlns:a="http://schemas.openxmlformats.org/drawingml/2006/main" xmlns:r="http://schemas.openxmlformats.org/officeDocument/2006/relationships" xmlns:p="http://schemas.openxmlformats.org/presentationml/2006/main">
+  <p:cSld>
+    <p:spTree>
+      <p:nvGrpSpPr>
+        <p:cNvPr id="1" name=""/>
+        <p:cNvGrpSpPr/>
+        <p:nvPr/>
+      </p:nvGrpSpPr>
+      <p:grpSpPr>
+        <a:xfrm>
+          <a:off x="0" y="0"/>
+          <a:ext cx="0" cy="0"/>
+          <a:chOff x="0" y="0"/>
+          <a:chExt cx="0" cy="0"/>
+        </a:xfrm>
+      </p:grpSpPr>
+      <p:sp>
+        <p:nvSpPr>
+          <p:cNvPr id="2" name="標題 1">
+            <a:extLst>
+              <a:ext uri="{FF2B5EF4-FFF2-40B4-BE49-F238E27FC236}">
+                <a16:creationId xmlns:a16="http://schemas.microsoft.com/office/drawing/2014/main" id="{011BBF44-C638-7AB6-485E-0562A91579B3}"/>
+              </a:ext>
+            </a:extLst>
+          </p:cNvPr>
+          <p:cNvSpPr>
+            <a:spLocks noGrp="1"/>
+          </p:cNvSpPr>
+          <p:nvPr>
+            <p:ph type="ctrTitle"/>
+          </p:nvPr>
+        </p:nvSpPr>
+        <p:spPr>
+          <a:xfrm>
+            <a:off x="163229" y="205273"/>
+            <a:ext cx="12187990" cy="494523"/>
+          </a:xfrm>
+        </p:spPr>
+        <p:txBody>
+          <a:bodyPr>
+            <a:noAutofit/>
+          </a:bodyPr>
+          <a:lstStyle/>
+          <a:p>
+            <a:pPr algn="l"/>
+            <a:r>
+              <a:rPr lang="en-US" altLang="zh-TW" sz="2800" dirty="0">
+                <a:solidFill>
+                  <a:schemeClr val="bg2">
+                    <a:lumMod val="75000"/>
+                  </a:schemeClr>
+                </a:solidFill>
+                <a:latin typeface="標楷體" panose="03000509000000000000" pitchFamily="65" charset="-120"/>
+                <a:ea typeface="標楷體" panose="03000509000000000000" pitchFamily="65" charset="-120"/>
+              </a:rPr>
+              <a:t>5.</a:t>
+            </a:r>
+            <a:r>
+              <a:rPr lang="zh-TW" altLang="en-US" sz="2800" dirty="0">
+                <a:solidFill>
+                  <a:schemeClr val="bg2">
+                    <a:lumMod val="75000"/>
+                  </a:schemeClr>
+                </a:solidFill>
+                <a:latin typeface="標楷體" panose="03000509000000000000" pitchFamily="65" charset="-120"/>
+                <a:ea typeface="標楷體" panose="03000509000000000000" pitchFamily="65" charset="-120"/>
+              </a:rPr>
+              <a:t>意外</a:t>
+            </a:r>
+            <a:r>
+              <a:rPr lang="en-US" altLang="zh-TW" sz="2800" dirty="0">
+                <a:solidFill>
+                  <a:schemeClr val="bg2">
+                    <a:lumMod val="75000"/>
+                  </a:schemeClr>
+                </a:solidFill>
+                <a:latin typeface="標楷體" panose="03000509000000000000" pitchFamily="65" charset="-120"/>
+                <a:ea typeface="標楷體" panose="03000509000000000000" pitchFamily="65" charset="-120"/>
+              </a:rPr>
+              <a:t>:</a:t>
+            </a:r>
+            <a:r>
+              <a:rPr lang="zh-TW" altLang="en-US" sz="2800" dirty="0">
+                <a:solidFill>
+                  <a:schemeClr val="bg2">
+                    <a:lumMod val="75000"/>
+                  </a:schemeClr>
+                </a:solidFill>
+                <a:latin typeface="標楷體" panose="03000509000000000000" pitchFamily="65" charset="-120"/>
+                <a:ea typeface="標楷體" panose="03000509000000000000" pitchFamily="65" charset="-120"/>
+              </a:rPr>
+              <a:t>在行駛</a:t>
+            </a:r>
+            <a:r>
+              <a:rPr lang="en-US" altLang="zh-TW" sz="2800" dirty="0">
+                <a:solidFill>
+                  <a:schemeClr val="bg2">
+                    <a:lumMod val="75000"/>
+                  </a:schemeClr>
+                </a:solidFill>
+                <a:latin typeface="標楷體" panose="03000509000000000000" pitchFamily="65" charset="-120"/>
+                <a:ea typeface="標楷體" panose="03000509000000000000" pitchFamily="65" charset="-120"/>
+              </a:rPr>
+              <a:t>10</a:t>
+            </a:r>
+            <a:r>
+              <a:rPr lang="zh-TW" altLang="en-US" sz="2800" dirty="0">
+                <a:solidFill>
+                  <a:schemeClr val="bg2">
+                    <a:lumMod val="75000"/>
+                  </a:schemeClr>
+                </a:solidFill>
+                <a:latin typeface="標楷體" panose="03000509000000000000" pitchFamily="65" charset="-120"/>
+                <a:ea typeface="標楷體" panose="03000509000000000000" pitchFamily="65" charset="-120"/>
+              </a:rPr>
+              <a:t>分鐘之後船上陸陸續續開始有嘔吐的聲音出現。</a:t>
+            </a:r>
+          </a:p>
+        </p:txBody>
+      </p:sp>
+      <p:pic>
+        <p:nvPicPr>
+          <p:cNvPr id="6" name="圖片 5">
+            <a:extLst>
+              <a:ext uri="{FF2B5EF4-FFF2-40B4-BE49-F238E27FC236}">
+                <a16:creationId xmlns:a16="http://schemas.microsoft.com/office/drawing/2014/main" id="{2D8F70EB-E10A-DD9D-F48B-4C5DAB9763EC}"/>
+              </a:ext>
+            </a:extLst>
+          </p:cNvPr>
+          <p:cNvPicPr>
+            <a:picLocks noChangeAspect="1"/>
+          </p:cNvPicPr>
+          <p:nvPr/>
+        </p:nvPicPr>
+        <p:blipFill>
+          <a:blip r:embed="rId3">
+            <a:extLst>
+              <a:ext uri="{28A0092B-C50C-407E-A947-70E740481C1C}">
+                <a14:useLocalDpi xmlns:a14="http://schemas.microsoft.com/office/drawing/2010/main" val="0"/>
+              </a:ext>
+            </a:extLst>
+          </a:blip>
+          <a:stretch>
+            <a:fillRect/>
+          </a:stretch>
+        </p:blipFill>
+        <p:spPr>
+          <a:xfrm>
+            <a:off x="164432" y="732727"/>
+            <a:ext cx="6041052" cy="6041052"/>
+          </a:xfrm>
+          <a:prstGeom prst="rect">
+            <a:avLst/>
+          </a:prstGeom>
+        </p:spPr>
+      </p:pic>
+    </p:spTree>
+    <p:extLst>
+      <p:ext uri="{BB962C8B-B14F-4D97-AF65-F5344CB8AC3E}">
+        <p14:creationId xmlns:p14="http://schemas.microsoft.com/office/powerpoint/2010/main" val="2375628326"/>
+      </p:ext>
+    </p:extLst>
+  </p:cSld>
+  <p:clrMapOvr>
+    <a:masterClrMapping/>
+  </p:clrMapOvr>
+  <mc:AlternateContent xmlns:mc="http://schemas.openxmlformats.org/markup-compatibility/2006">
+    <mc:Choice xmlns:p159="http://schemas.microsoft.com/office/powerpoint/2015/09/main" Requires="p159">
+      <p:transition xmlns:p14="http://schemas.microsoft.com/office/powerpoint/2010/main" spd="slow" p14:dur="2000">
+        <p159:morph option="byWord"/>
+      </p:transition>
+    </mc:Choice>
+    <mc:Fallback>
+      <p:transition spd="slow">
+        <p:fade/>
+      </p:transition>
+    </mc:Fallback>
+  </mc:AlternateContent>
+</p:sld>
+</file>
+
+<file path=ppt/slides/slide7.xml><?xml version="1.0" encoding="utf-8"?>
+<p:sld xmlns:a="http://schemas.openxmlformats.org/drawingml/2006/main" xmlns:r="http://schemas.openxmlformats.org/officeDocument/2006/relationships" xmlns:p="http://schemas.openxmlformats.org/presentationml/2006/main">
+  <p:cSld>
+    <p:spTree>
+      <p:nvGrpSpPr>
+        <p:cNvPr id="1" name=""/>
+        <p:cNvGrpSpPr/>
+        <p:nvPr/>
+      </p:nvGrpSpPr>
+      <p:grpSpPr>
+        <a:xfrm>
+          <a:off x="0" y="0"/>
+          <a:ext cx="0" cy="0"/>
+          <a:chOff x="0" y="0"/>
+          <a:chExt cx="0" cy="0"/>
+        </a:xfrm>
+      </p:grpSpPr>
+      <p:sp>
+        <p:nvSpPr>
+          <p:cNvPr id="2" name="標題 1">
+            <a:extLst>
+              <a:ext uri="{FF2B5EF4-FFF2-40B4-BE49-F238E27FC236}">
+                <a16:creationId xmlns:a16="http://schemas.microsoft.com/office/drawing/2014/main" id="{011BBF44-C638-7AB6-485E-0562A91579B3}"/>
+              </a:ext>
+            </a:extLst>
+          </p:cNvPr>
+          <p:cNvSpPr>
+            <a:spLocks noGrp="1"/>
+          </p:cNvSpPr>
+          <p:nvPr>
+            <p:ph type="ctrTitle"/>
+          </p:nvPr>
+        </p:nvSpPr>
+        <p:spPr>
+          <a:xfrm>
+            <a:off x="72251" y="416288"/>
+            <a:ext cx="12119749" cy="527454"/>
+          </a:xfrm>
+        </p:spPr>
+        <p:txBody>
+          <a:bodyPr>
+            <a:noAutofit/>
+          </a:bodyPr>
+          <a:lstStyle/>
+          <a:p>
+            <a:pPr algn="l"/>
+            <a:r>
+              <a:rPr lang="en-US" altLang="zh-TW" sz="2800" dirty="0">
+                <a:solidFill>
+                  <a:schemeClr val="bg2">
+                    <a:lumMod val="75000"/>
+                  </a:schemeClr>
+                </a:solidFill>
+                <a:latin typeface="標楷體" panose="03000509000000000000" pitchFamily="65" charset="-120"/>
+                <a:ea typeface="標楷體" panose="03000509000000000000" pitchFamily="65" charset="-120"/>
+              </a:rPr>
+              <a:t>6.</a:t>
+            </a:r>
+            <a:r>
+              <a:rPr lang="zh-TW" altLang="en-US" sz="2800" dirty="0">
+                <a:solidFill>
+                  <a:schemeClr val="bg2">
+                    <a:lumMod val="75000"/>
+                  </a:schemeClr>
+                </a:solidFill>
+                <a:latin typeface="標楷體" panose="03000509000000000000" pitchFamily="65" charset="-120"/>
+                <a:ea typeface="標楷體" panose="03000509000000000000" pitchFamily="65" charset="-120"/>
+              </a:rPr>
+              <a:t>轉彎</a:t>
+            </a:r>
+            <a:r>
+              <a:rPr lang="en-US" altLang="zh-TW" sz="2800" dirty="0">
+                <a:solidFill>
+                  <a:schemeClr val="bg2">
+                    <a:lumMod val="75000"/>
+                  </a:schemeClr>
+                </a:solidFill>
+                <a:latin typeface="標楷體" panose="03000509000000000000" pitchFamily="65" charset="-120"/>
+                <a:ea typeface="標楷體" panose="03000509000000000000" pitchFamily="65" charset="-120"/>
+              </a:rPr>
+              <a:t>:</a:t>
+            </a:r>
+            <a:r>
+              <a:rPr lang="zh-TW" altLang="en-US" sz="2800" dirty="0">
+                <a:solidFill>
+                  <a:schemeClr val="bg2">
+                    <a:lumMod val="75000"/>
+                  </a:schemeClr>
+                </a:solidFill>
+                <a:latin typeface="標楷體" panose="03000509000000000000" pitchFamily="65" charset="-120"/>
+                <a:ea typeface="標楷體" panose="03000509000000000000" pitchFamily="65" charset="-120"/>
+              </a:rPr>
+              <a:t>在</a:t>
+            </a:r>
+            <a:r>
+              <a:rPr lang="en-US" altLang="zh-TW" sz="2800" dirty="0">
+                <a:solidFill>
+                  <a:schemeClr val="bg2">
+                    <a:lumMod val="75000"/>
+                  </a:schemeClr>
+                </a:solidFill>
+                <a:latin typeface="標楷體" panose="03000509000000000000" pitchFamily="65" charset="-120"/>
+                <a:ea typeface="標楷體" panose="03000509000000000000" pitchFamily="65" charset="-120"/>
+              </a:rPr>
+              <a:t>50</a:t>
+            </a:r>
+            <a:r>
+              <a:rPr lang="zh-TW" altLang="en-US" sz="2800" dirty="0">
+                <a:solidFill>
+                  <a:schemeClr val="bg2">
+                    <a:lumMod val="75000"/>
+                  </a:schemeClr>
+                </a:solidFill>
+                <a:latin typeface="標楷體" panose="03000509000000000000" pitchFamily="65" charset="-120"/>
+                <a:ea typeface="標楷體" panose="03000509000000000000" pitchFamily="65" charset="-120"/>
+              </a:rPr>
+              <a:t>分鐘的航程中一直覺得快要撐不下去了，但不去注意時間，閉上眼睛休息後，好不容易終於撐過去了。</a:t>
+            </a:r>
+          </a:p>
+        </p:txBody>
+      </p:sp>
+      <p:pic>
+        <p:nvPicPr>
+          <p:cNvPr id="5" name="圖片 4">
+            <a:extLst>
+              <a:ext uri="{FF2B5EF4-FFF2-40B4-BE49-F238E27FC236}">
+                <a16:creationId xmlns:a16="http://schemas.microsoft.com/office/drawing/2014/main" id="{6FA7B0C5-0952-9F1D-FE7B-0F753257497C}"/>
+              </a:ext>
+            </a:extLst>
+          </p:cNvPr>
+          <p:cNvPicPr>
+            <a:picLocks noChangeAspect="1"/>
+          </p:cNvPicPr>
+          <p:nvPr/>
+        </p:nvPicPr>
+        <p:blipFill>
+          <a:blip r:embed="rId3">
+            <a:extLst>
+              <a:ext uri="{28A0092B-C50C-407E-A947-70E740481C1C}">
+                <a14:useLocalDpi xmlns:a14="http://schemas.microsoft.com/office/drawing/2010/main" val="0"/>
+              </a:ext>
+            </a:extLst>
+          </a:blip>
+          <a:stretch>
+            <a:fillRect/>
+          </a:stretch>
+        </p:blipFill>
+        <p:spPr>
+          <a:xfrm>
+            <a:off x="181707" y="943742"/>
+            <a:ext cx="5802923" cy="5802923"/>
+          </a:xfrm>
+          <a:prstGeom prst="rect">
+            <a:avLst/>
+          </a:prstGeom>
+        </p:spPr>
+      </p:pic>
+      <p:pic>
+        <p:nvPicPr>
+          <p:cNvPr id="6" name="圖片 5">
+            <a:extLst>
+              <a:ext uri="{FF2B5EF4-FFF2-40B4-BE49-F238E27FC236}">
+                <a16:creationId xmlns:a16="http://schemas.microsoft.com/office/drawing/2014/main" id="{3F8E5D29-BA55-642B-8560-26FEC1E98D98}"/>
+              </a:ext>
+            </a:extLst>
+          </p:cNvPr>
+          <p:cNvPicPr>
+            <a:picLocks noChangeAspect="1"/>
+          </p:cNvPicPr>
+          <p:nvPr/>
+        </p:nvPicPr>
+        <p:blipFill>
+          <a:blip r:embed="rId4">
+            <a:extLst>
+              <a:ext uri="{28A0092B-C50C-407E-A947-70E740481C1C}">
+                <a14:useLocalDpi xmlns:a14="http://schemas.microsoft.com/office/drawing/2010/main" val="0"/>
+              </a:ext>
+            </a:extLst>
+          </a:blip>
+          <a:stretch>
+            <a:fillRect/>
+          </a:stretch>
+        </p:blipFill>
+        <p:spPr>
+          <a:xfrm>
+            <a:off x="181707" y="7274119"/>
+            <a:ext cx="6041052" cy="6041052"/>
+          </a:xfrm>
+          <a:prstGeom prst="rect">
+            <a:avLst/>
+          </a:prstGeom>
+        </p:spPr>
+      </p:pic>
+      <p:sp>
+        <p:nvSpPr>
+          <p:cNvPr id="7" name="標題 1">
+            <a:extLst>
+              <a:ext uri="{FF2B5EF4-FFF2-40B4-BE49-F238E27FC236}">
+                <a16:creationId xmlns:a16="http://schemas.microsoft.com/office/drawing/2014/main" id="{0EBAAF02-1AE8-3394-C078-6D2640A68036}"/>
+              </a:ext>
+            </a:extLst>
+          </p:cNvPr>
+          <p:cNvSpPr txBox="1">
+            <a:spLocks/>
+          </p:cNvSpPr>
+          <p:nvPr/>
+        </p:nvSpPr>
+        <p:spPr>
+          <a:xfrm>
+            <a:off x="-10185461" y="205273"/>
+            <a:ext cx="12187990" cy="494523"/>
+          </a:xfrm>
+          <a:prstGeom prst="rect">
+            <a:avLst/>
+          </a:prstGeom>
+        </p:spPr>
+        <p:txBody>
+          <a:bodyPr vert="horz" lIns="91440" tIns="45720" rIns="91440" bIns="45720" rtlCol="0" anchor="b">
+            <a:noAutofit/>
+          </a:bodyPr>
+          <a:lstStyle>
+            <a:lvl1pPr algn="ctr" defTabSz="914400" rtl="0" eaLnBrk="1" latinLnBrk="0" hangingPunct="1">
+              <a:lnSpc>
+                <a:spcPct val="90000"/>
+              </a:lnSpc>
+              <a:spcBef>
+                <a:spcPct val="0"/>
+              </a:spcBef>
+              <a:buNone/>
+              <a:defRPr sz="6000" kern="1200">
+                <a:solidFill>
+                  <a:schemeClr val="tx1"/>
+                </a:solidFill>
+                <a:latin typeface="+mj-lt"/>
+                <a:ea typeface="+mj-ea"/>
+                <a:cs typeface="+mj-cs"/>
+              </a:defRPr>
+            </a:lvl1pPr>
+          </a:lstStyle>
+          <a:p>
+            <a:pPr algn="l"/>
+            <a:r>
+              <a:rPr lang="en-US" altLang="zh-TW" sz="2800" dirty="0">
+                <a:solidFill>
+                  <a:schemeClr val="bg2">
+                    <a:lumMod val="75000"/>
+                  </a:schemeClr>
+                </a:solidFill>
+                <a:latin typeface="標楷體" panose="03000509000000000000" pitchFamily="65" charset="-120"/>
+                <a:ea typeface="標楷體" panose="03000509000000000000" pitchFamily="65" charset="-120"/>
+              </a:rPr>
+              <a:t>5.</a:t>
+            </a:r>
+            <a:r>
+              <a:rPr lang="zh-TW" altLang="en-US" sz="2800" dirty="0">
+                <a:solidFill>
+                  <a:schemeClr val="bg2">
+                    <a:lumMod val="75000"/>
+                  </a:schemeClr>
+                </a:solidFill>
+                <a:latin typeface="標楷體" panose="03000509000000000000" pitchFamily="65" charset="-120"/>
+                <a:ea typeface="標楷體" panose="03000509000000000000" pitchFamily="65" charset="-120"/>
+              </a:rPr>
+              <a:t>意外</a:t>
+            </a:r>
+            <a:r>
+              <a:rPr lang="en-US" altLang="zh-TW" sz="2800" dirty="0">
+                <a:solidFill>
+                  <a:schemeClr val="bg2">
+                    <a:lumMod val="75000"/>
+                  </a:schemeClr>
+                </a:solidFill>
+                <a:latin typeface="標楷體" panose="03000509000000000000" pitchFamily="65" charset="-120"/>
+                <a:ea typeface="標楷體" panose="03000509000000000000" pitchFamily="65" charset="-120"/>
+              </a:rPr>
+              <a:t>:</a:t>
+            </a:r>
+            <a:r>
+              <a:rPr lang="zh-TW" altLang="en-US" sz="2800" dirty="0">
+                <a:solidFill>
+                  <a:schemeClr val="bg2">
+                    <a:lumMod val="75000"/>
+                  </a:schemeClr>
+                </a:solidFill>
+                <a:latin typeface="標楷體" panose="03000509000000000000" pitchFamily="65" charset="-120"/>
+                <a:ea typeface="標楷體" panose="03000509000000000000" pitchFamily="65" charset="-120"/>
+              </a:rPr>
+              <a:t>在行駛</a:t>
+            </a:r>
+            <a:r>
+              <a:rPr lang="en-US" altLang="zh-TW" sz="2800" dirty="0">
+                <a:solidFill>
+                  <a:schemeClr val="bg2">
+                    <a:lumMod val="75000"/>
+                  </a:schemeClr>
+                </a:solidFill>
+                <a:latin typeface="標楷體" panose="03000509000000000000" pitchFamily="65" charset="-120"/>
+                <a:ea typeface="標楷體" panose="03000509000000000000" pitchFamily="65" charset="-120"/>
+              </a:rPr>
+              <a:t>10</a:t>
+            </a:r>
+            <a:r>
+              <a:rPr lang="zh-TW" altLang="en-US" sz="2800" dirty="0">
+                <a:solidFill>
+                  <a:schemeClr val="bg2">
+                    <a:lumMod val="75000"/>
+                  </a:schemeClr>
+                </a:solidFill>
+                <a:latin typeface="標楷體" panose="03000509000000000000" pitchFamily="65" charset="-120"/>
+                <a:ea typeface="標楷體" panose="03000509000000000000" pitchFamily="65" charset="-120"/>
+              </a:rPr>
+              <a:t>分鐘之後船上陸陸續續開始有嘔吐的聲音出現。</a:t>
+            </a:r>
+          </a:p>
+        </p:txBody>
+      </p:sp>
+      <p:sp>
+        <p:nvSpPr>
+          <p:cNvPr id="8" name="標題 1">
+            <a:extLst>
+              <a:ext uri="{FF2B5EF4-FFF2-40B4-BE49-F238E27FC236}">
+                <a16:creationId xmlns:a16="http://schemas.microsoft.com/office/drawing/2014/main" id="{AE60842D-385D-DF1B-78A8-C441DCDD6C67}"/>
+              </a:ext>
+            </a:extLst>
+          </p:cNvPr>
+          <p:cNvSpPr txBox="1">
+            <a:spLocks/>
+          </p:cNvSpPr>
+          <p:nvPr/>
+        </p:nvSpPr>
+        <p:spPr>
+          <a:xfrm>
+            <a:off x="12184147" y="0"/>
+            <a:ext cx="12567138" cy="527454"/>
+          </a:xfrm>
+          <a:prstGeom prst="rect">
+            <a:avLst/>
+          </a:prstGeom>
+        </p:spPr>
+        <p:txBody>
+          <a:bodyPr vert="horz" lIns="91440" tIns="45720" rIns="91440" bIns="45720" rtlCol="0" anchor="b">
+            <a:noAutofit/>
+          </a:bodyPr>
+          <a:lstStyle>
+            <a:lvl1pPr algn="ctr" defTabSz="914400" rtl="0" eaLnBrk="1" latinLnBrk="0" hangingPunct="1">
+              <a:lnSpc>
+                <a:spcPct val="90000"/>
+              </a:lnSpc>
+              <a:spcBef>
+                <a:spcPct val="0"/>
+              </a:spcBef>
+              <a:buNone/>
+              <a:defRPr sz="6000" kern="1200">
+                <a:solidFill>
+                  <a:schemeClr val="tx1"/>
+                </a:solidFill>
+                <a:latin typeface="+mj-lt"/>
+                <a:ea typeface="+mj-ea"/>
+                <a:cs typeface="+mj-cs"/>
+              </a:defRPr>
+            </a:lvl1pPr>
+          </a:lstStyle>
+          <a:p>
+            <a:pPr algn="l"/>
+            <a:r>
+              <a:rPr lang="en-US" altLang="zh-TW" sz="2800">
+                <a:solidFill>
+                  <a:schemeClr val="bg2">
+                    <a:lumMod val="75000"/>
+                  </a:schemeClr>
+                </a:solidFill>
+                <a:latin typeface="標楷體" panose="03000509000000000000" pitchFamily="65" charset="-120"/>
+                <a:ea typeface="標楷體" panose="03000509000000000000" pitchFamily="65" charset="-120"/>
+              </a:rPr>
+              <a:t>7.</a:t>
+            </a:r>
+            <a:r>
+              <a:rPr lang="zh-TW" altLang="en-US" sz="2800">
+                <a:solidFill>
+                  <a:schemeClr val="bg2">
+                    <a:lumMod val="75000"/>
+                  </a:schemeClr>
+                </a:solidFill>
+                <a:latin typeface="標楷體" panose="03000509000000000000" pitchFamily="65" charset="-120"/>
+                <a:ea typeface="標楷體" panose="03000509000000000000" pitchFamily="65" charset="-120"/>
+              </a:rPr>
+              <a:t>結局</a:t>
+            </a:r>
+            <a:r>
+              <a:rPr lang="en-US" altLang="zh-TW" sz="2800">
+                <a:solidFill>
+                  <a:schemeClr val="bg2">
+                    <a:lumMod val="75000"/>
+                  </a:schemeClr>
+                </a:solidFill>
+                <a:latin typeface="標楷體" panose="03000509000000000000" pitchFamily="65" charset="-120"/>
+                <a:ea typeface="標楷體" panose="03000509000000000000" pitchFamily="65" charset="-120"/>
+              </a:rPr>
+              <a:t>:</a:t>
+            </a:r>
+            <a:r>
+              <a:rPr lang="zh-TW" altLang="en-US" sz="2800">
+                <a:solidFill>
+                  <a:schemeClr val="bg2">
+                    <a:lumMod val="75000"/>
+                  </a:schemeClr>
+                </a:solidFill>
+                <a:latin typeface="標楷體" panose="03000509000000000000" pitchFamily="65" charset="-120"/>
+                <a:ea typeface="標楷體" panose="03000509000000000000" pitchFamily="65" charset="-120"/>
+              </a:rPr>
+              <a:t>於是我們開心地在綠島玩了兩天，回程的船也不像去的時候那麼晃。</a:t>
+            </a:r>
+            <a:endParaRPr lang="zh-TW" altLang="en-US" sz="2800" dirty="0">
+              <a:solidFill>
+                <a:schemeClr val="bg2">
+                  <a:lumMod val="75000"/>
+                </a:schemeClr>
+              </a:solidFill>
+              <a:latin typeface="標楷體" panose="03000509000000000000" pitchFamily="65" charset="-120"/>
+              <a:ea typeface="標楷體" panose="03000509000000000000" pitchFamily="65" charset="-120"/>
+            </a:endParaRPr>
+          </a:p>
+        </p:txBody>
+      </p:sp>
+    </p:spTree>
+    <p:extLst>
+      <p:ext uri="{BB962C8B-B14F-4D97-AF65-F5344CB8AC3E}">
+        <p14:creationId xmlns:p14="http://schemas.microsoft.com/office/powerpoint/2010/main" val="1642784093"/>
+      </p:ext>
+    </p:extLst>
+  </p:cSld>
+  <p:clrMapOvr>
+    <a:masterClrMapping/>
+  </p:clrMapOvr>
+  <mc:AlternateContent xmlns:mc="http://schemas.openxmlformats.org/markup-compatibility/2006">
+    <mc:Choice xmlns:p159="http://schemas.microsoft.com/office/powerpoint/2015/09/main" Requires="p159">
+      <p:transition xmlns:p14="http://schemas.microsoft.com/office/powerpoint/2010/main" spd="slow" p14:dur="2000">
+        <p159:morph option="byWord"/>
+      </p:transition>
+    </mc:Choice>
+    <mc:Fallback>
+      <p:transition spd="slow">
+        <p:fade/>
+      </p:transition>
+    </mc:Fallback>
+  </mc:AlternateContent>
+</p:sld>
+</file>
+
+<file path=ppt/slides/slide8.xml><?xml version="1.0" encoding="utf-8"?>
+<p:sld xmlns:a="http://schemas.openxmlformats.org/drawingml/2006/main" xmlns:r="http://schemas.openxmlformats.org/officeDocument/2006/relationships" xmlns:p="http://schemas.openxmlformats.org/presentationml/2006/main">
+  <p:cSld>
+    <p:spTree>
+      <p:nvGrpSpPr>
+        <p:cNvPr id="1" name=""/>
+        <p:cNvGrpSpPr/>
+        <p:nvPr/>
+      </p:nvGrpSpPr>
+      <p:grpSpPr>
+        <a:xfrm>
+          <a:off x="0" y="0"/>
+          <a:ext cx="0" cy="0"/>
+          <a:chOff x="0" y="0"/>
+          <a:chExt cx="0" cy="0"/>
+        </a:xfrm>
+      </p:grpSpPr>
+      <p:sp>
+        <p:nvSpPr>
+          <p:cNvPr id="2" name="標題 1">
+            <a:extLst>
+              <a:ext uri="{FF2B5EF4-FFF2-40B4-BE49-F238E27FC236}">
+                <a16:creationId xmlns:a16="http://schemas.microsoft.com/office/drawing/2014/main" id="{011BBF44-C638-7AB6-485E-0562A91579B3}"/>
+              </a:ext>
+            </a:extLst>
+          </p:cNvPr>
+          <p:cNvSpPr>
+            <a:spLocks noGrp="1"/>
+          </p:cNvSpPr>
+          <p:nvPr>
+            <p:ph type="ctrTitle"/>
+          </p:nvPr>
+        </p:nvSpPr>
+        <p:spPr>
+          <a:xfrm>
+            <a:off x="137283" y="0"/>
+            <a:ext cx="12567138" cy="527454"/>
+          </a:xfrm>
+        </p:spPr>
+        <p:txBody>
+          <a:bodyPr>
+            <a:noAutofit/>
+          </a:bodyPr>
+          <a:lstStyle/>
+          <a:p>
+            <a:pPr algn="l"/>
+            <a:r>
+              <a:rPr lang="en-US" altLang="zh-TW" sz="2800" dirty="0">
+                <a:solidFill>
+                  <a:schemeClr val="bg2">
+                    <a:lumMod val="75000"/>
+                  </a:schemeClr>
+                </a:solidFill>
+                <a:latin typeface="標楷體" panose="03000509000000000000" pitchFamily="65" charset="-120"/>
+                <a:ea typeface="標楷體" panose="03000509000000000000" pitchFamily="65" charset="-120"/>
+              </a:rPr>
+              <a:t>7.</a:t>
+            </a:r>
+            <a:r>
+              <a:rPr lang="zh-TW" altLang="en-US" sz="2800" dirty="0">
+                <a:solidFill>
+                  <a:schemeClr val="bg2">
+                    <a:lumMod val="75000"/>
+                  </a:schemeClr>
+                </a:solidFill>
+                <a:latin typeface="標楷體" panose="03000509000000000000" pitchFamily="65" charset="-120"/>
+                <a:ea typeface="標楷體" panose="03000509000000000000" pitchFamily="65" charset="-120"/>
+              </a:rPr>
+              <a:t>結局</a:t>
+            </a:r>
+            <a:r>
+              <a:rPr lang="en-US" altLang="zh-TW" sz="2800" dirty="0">
+                <a:solidFill>
+                  <a:schemeClr val="bg2">
+                    <a:lumMod val="75000"/>
+                  </a:schemeClr>
+                </a:solidFill>
+                <a:latin typeface="標楷體" panose="03000509000000000000" pitchFamily="65" charset="-120"/>
+                <a:ea typeface="標楷體" panose="03000509000000000000" pitchFamily="65" charset="-120"/>
+              </a:rPr>
+              <a:t>:</a:t>
+            </a:r>
+            <a:r>
+              <a:rPr lang="zh-TW" altLang="en-US" sz="2800" dirty="0">
+                <a:solidFill>
+                  <a:schemeClr val="bg2">
+                    <a:lumMod val="75000"/>
+                  </a:schemeClr>
+                </a:solidFill>
+                <a:latin typeface="標楷體" panose="03000509000000000000" pitchFamily="65" charset="-120"/>
+                <a:ea typeface="標楷體" panose="03000509000000000000" pitchFamily="65" charset="-120"/>
+              </a:rPr>
+              <a:t>於是我們開心地在綠島玩了兩天，回程的船也不像去的時候那麼晃。</a:t>
+            </a:r>
+          </a:p>
+        </p:txBody>
+      </p:sp>
+      <p:pic>
+        <p:nvPicPr>
+          <p:cNvPr id="5" name="圖片 4">
+            <a:extLst>
+              <a:ext uri="{FF2B5EF4-FFF2-40B4-BE49-F238E27FC236}">
+                <a16:creationId xmlns:a16="http://schemas.microsoft.com/office/drawing/2014/main" id="{B483E906-C7CE-6225-3E7D-4768ED197C0B}"/>
+              </a:ext>
+            </a:extLst>
+          </p:cNvPr>
+          <p:cNvPicPr>
+            <a:picLocks noChangeAspect="1"/>
+          </p:cNvPicPr>
+          <p:nvPr/>
+        </p:nvPicPr>
+        <p:blipFill>
+          <a:blip r:embed="rId3">
+            <a:extLst>
+              <a:ext uri="{28A0092B-C50C-407E-A947-70E740481C1C}">
+                <a14:useLocalDpi xmlns:a14="http://schemas.microsoft.com/office/drawing/2010/main" val="0"/>
+              </a:ext>
+            </a:extLst>
+          </a:blip>
+          <a:stretch>
+            <a:fillRect/>
+          </a:stretch>
+        </p:blipFill>
+        <p:spPr>
+          <a:xfrm>
+            <a:off x="260684" y="527454"/>
+            <a:ext cx="6126009" cy="6126009"/>
+          </a:xfrm>
+          <a:prstGeom prst="rect">
+            <a:avLst/>
+          </a:prstGeom>
+        </p:spPr>
+      </p:pic>
+      <p:pic>
+        <p:nvPicPr>
+          <p:cNvPr id="6" name="圖片 5">
+            <a:extLst>
+              <a:ext uri="{FF2B5EF4-FFF2-40B4-BE49-F238E27FC236}">
+                <a16:creationId xmlns:a16="http://schemas.microsoft.com/office/drawing/2014/main" id="{634BCB25-96AF-C49D-236B-C338A257C958}"/>
+              </a:ext>
+            </a:extLst>
+          </p:cNvPr>
+          <p:cNvPicPr>
+            <a:picLocks noChangeAspect="1"/>
+          </p:cNvPicPr>
+          <p:nvPr/>
+        </p:nvPicPr>
+        <p:blipFill>
+          <a:blip r:embed="rId4">
+            <a:extLst>
+              <a:ext uri="{28A0092B-C50C-407E-A947-70E740481C1C}">
+                <a14:useLocalDpi xmlns:a14="http://schemas.microsoft.com/office/drawing/2010/main" val="0"/>
+              </a:ext>
+            </a:extLst>
+          </a:blip>
+          <a:stretch>
+            <a:fillRect/>
+          </a:stretch>
+        </p:blipFill>
+        <p:spPr>
+          <a:xfrm>
+            <a:off x="-5943323" y="943742"/>
+            <a:ext cx="5802923" cy="5802923"/>
+          </a:xfrm>
+          <a:prstGeom prst="rect">
+            <a:avLst/>
+          </a:prstGeom>
+        </p:spPr>
+      </p:pic>
+    </p:spTree>
+    <p:extLst>
+      <p:ext uri="{BB962C8B-B14F-4D97-AF65-F5344CB8AC3E}">
+        <p14:creationId xmlns:p14="http://schemas.microsoft.com/office/powerpoint/2010/main" val="2071910783"/>
+      </p:ext>
+    </p:extLst>
+  </p:cSld>
+  <p:clrMapOvr>
+    <a:masterClrMapping/>
+  </p:clrMapOvr>
+  <mc:AlternateContent xmlns:mc="http://schemas.openxmlformats.org/markup-compatibility/2006">
+    <mc:Choice xmlns:p159="http://schemas.microsoft.com/office/powerpoint/2015/09/main" Requires="p159">
+      <p:transition xmlns:p14="http://schemas.microsoft.com/office/powerpoint/2010/main" spd="slow" p14:dur="2000">
+        <p159:morph option="byWord"/>
+      </p:transition>
+    </mc:Choice>
+    <mc:Fallback>
+      <p:transition spd="slow">
+        <p:fade/>
+      </p:transition>
+    </mc:Fallback>
+  </mc:AlternateContent>
 </p:sld>
 </file>
 
@@ -3677,4 +7097,299 @@
     </a:ext>
   </a:extLst>
 </a:theme>
+</file>
+
+<file path=ppt/theme/theme2.xml><?xml version="1.0" encoding="utf-8"?>
+<a:theme xmlns:a="http://schemas.openxmlformats.org/drawingml/2006/main" name="Office 佈景主題">
+  <a:themeElements>
+    <a:clrScheme name="Office">
+      <a:dk1>
+        <a:sysClr val="windowText" lastClr="000000"/>
+      </a:dk1>
+      <a:lt1>
+        <a:sysClr val="window" lastClr="FFFFFF"/>
+      </a:lt1>
+      <a:dk2>
+        <a:srgbClr val="44546A"/>
+      </a:dk2>
+      <a:lt2>
+        <a:srgbClr val="E7E6E6"/>
+      </a:lt2>
+      <a:accent1>
+        <a:srgbClr val="4472C4"/>
+      </a:accent1>
+      <a:accent2>
+        <a:srgbClr val="ED7D31"/>
+      </a:accent2>
+      <a:accent3>
+        <a:srgbClr val="A5A5A5"/>
+      </a:accent3>
+      <a:accent4>
+        <a:srgbClr val="FFC000"/>
+      </a:accent4>
+      <a:accent5>
+        <a:srgbClr val="5B9BD5"/>
+      </a:accent5>
+      <a:accent6>
+        <a:srgbClr val="70AD47"/>
+      </a:accent6>
+      <a:hlink>
+        <a:srgbClr val="0563C1"/>
+      </a:hlink>
+      <a:folHlink>
+        <a:srgbClr val="954F72"/>
+      </a:folHlink>
+    </a:clrScheme>
+    <a:fontScheme name="Office">
+      <a:majorFont>
+        <a:latin typeface="Calibri Light" panose="020F0302020204030204"/>
+        <a:ea typeface=""/>
+        <a:cs typeface=""/>
+        <a:font script="Jpan" typeface="游ゴシック Light"/>
+        <a:font script="Hang" typeface="맑은 고딕"/>
+        <a:font script="Hans" typeface="等线 Light"/>
+        <a:font script="Hant" typeface="新細明體"/>
+        <a:font script="Arab" typeface="Times New Roman"/>
+        <a:font script="Hebr" typeface="Times New Roman"/>
+        <a:font script="Thai" typeface="Angsana New"/>
+        <a:font script="Ethi" typeface="Nyala"/>
+        <a:font script="Beng" typeface="Vrinda"/>
+        <a:font script="Gujr" typeface="Shruti"/>
+        <a:font script="Khmr" typeface="MoolBoran"/>
+        <a:font script="Knda" typeface="Tunga"/>
+        <a:font script="Guru" typeface="Raavi"/>
+        <a:font script="Cans" typeface="Euphemia"/>
+        <a:font script="Cher" typeface="Plantagenet Cherokee"/>
+        <a:font script="Yiii" typeface="Microsoft Yi Baiti"/>
+        <a:font script="Tibt" typeface="Microsoft Himalaya"/>
+        <a:font script="Thaa" typeface="MV Boli"/>
+        <a:font script="Deva" typeface="Mangal"/>
+        <a:font script="Telu" typeface="Gautami"/>
+        <a:font script="Taml" typeface="Latha"/>
+        <a:font script="Syrc" typeface="Estrangelo Edessa"/>
+        <a:font script="Orya" typeface="Kalinga"/>
+        <a:font script="Mlym" typeface="Kartika"/>
+        <a:font script="Laoo" typeface="DokChampa"/>
+        <a:font script="Sinh" typeface="Iskoola Pota"/>
+        <a:font script="Mong" typeface="Mongolian Baiti"/>
+        <a:font script="Viet" typeface="Times New Roman"/>
+        <a:font script="Uigh" typeface="Microsoft Uighur"/>
+        <a:font script="Geor" typeface="Sylfaen"/>
+        <a:font script="Armn" typeface="Arial"/>
+        <a:font script="Bugi" typeface="Leelawadee UI"/>
+        <a:font script="Bopo" typeface="Microsoft JhengHei"/>
+        <a:font script="Java" typeface="Javanese Text"/>
+        <a:font script="Lisu" typeface="Segoe UI"/>
+        <a:font script="Mymr" typeface="Myanmar Text"/>
+        <a:font script="Nkoo" typeface="Ebrima"/>
+        <a:font script="Olck" typeface="Nirmala UI"/>
+        <a:font script="Osma" typeface="Ebrima"/>
+        <a:font script="Phag" typeface="Phagspa"/>
+        <a:font script="Syrn" typeface="Estrangelo Edessa"/>
+        <a:font script="Syrj" typeface="Estrangelo Edessa"/>
+        <a:font script="Syre" typeface="Estrangelo Edessa"/>
+        <a:font script="Sora" typeface="Nirmala UI"/>
+        <a:font script="Tale" typeface="Microsoft Tai Le"/>
+        <a:font script="Talu" typeface="Microsoft New Tai Lue"/>
+        <a:font script="Tfng" typeface="Ebrima"/>
+      </a:majorFont>
+      <a:minorFont>
+        <a:latin typeface="Calibri" panose="020F0502020204030204"/>
+        <a:ea typeface=""/>
+        <a:cs typeface=""/>
+        <a:font script="Jpan" typeface="游ゴシック"/>
+        <a:font script="Hang" typeface="맑은 고딕"/>
+        <a:font script="Hans" typeface="等线"/>
+        <a:font script="Hant" typeface="新細明體"/>
+        <a:font script="Arab" typeface="Arial"/>
+        <a:font script="Hebr" typeface="Arial"/>
+        <a:font script="Thai" typeface="Cordia New"/>
+        <a:font script="Ethi" typeface="Nyala"/>
+        <a:font script="Beng" typeface="Vrinda"/>
+        <a:font script="Gujr" typeface="Shruti"/>
+        <a:font script="Khmr" typeface="DaunPenh"/>
+        <a:font script="Knda" typeface="Tunga"/>
+        <a:font script="Guru" typeface="Raavi"/>
+        <a:font script="Cans" typeface="Euphemia"/>
+        <a:font script="Cher" typeface="Plantagenet Cherokee"/>
+        <a:font script="Yiii" typeface="Microsoft Yi Baiti"/>
+        <a:font script="Tibt" typeface="Microsoft Himalaya"/>
+        <a:font script="Thaa" typeface="MV Boli"/>
+        <a:font script="Deva" typeface="Mangal"/>
+        <a:font script="Telu" typeface="Gautami"/>
+        <a:font script="Taml" typeface="Latha"/>
+        <a:font script="Syrc" typeface="Estrangelo Edessa"/>
+        <a:font script="Orya" typeface="Kalinga"/>
+        <a:font script="Mlym" typeface="Kartika"/>
+        <a:font script="Laoo" typeface="DokChampa"/>
+        <a:font script="Sinh" typeface="Iskoola Pota"/>
+        <a:font script="Mong" typeface="Mongolian Baiti"/>
+        <a:font script="Viet" typeface="Arial"/>
+        <a:font script="Uigh" typeface="Microsoft Uighur"/>
+        <a:font script="Geor" typeface="Sylfaen"/>
+        <a:font script="Armn" typeface="Arial"/>
+        <a:font script="Bugi" typeface="Leelawadee UI"/>
+        <a:font script="Bopo" typeface="Microsoft JhengHei"/>
+        <a:font script="Java" typeface="Javanese Text"/>
+        <a:font script="Lisu" typeface="Segoe UI"/>
+        <a:font script="Mymr" typeface="Myanmar Text"/>
+        <a:font script="Nkoo" typeface="Ebrima"/>
+        <a:font script="Olck" typeface="Nirmala UI"/>
+        <a:font script="Osma" typeface="Ebrima"/>
+        <a:font script="Phag" typeface="Phagspa"/>
+        <a:font script="Syrn" typeface="Estrangelo Edessa"/>
+        <a:font script="Syrj" typeface="Estrangelo Edessa"/>
+        <a:font script="Syre" typeface="Estrangelo Edessa"/>
+        <a:font script="Sora" typeface="Nirmala UI"/>
+        <a:font script="Tale" typeface="Microsoft Tai Le"/>
+        <a:font script="Talu" typeface="Microsoft New Tai Lue"/>
+        <a:font script="Tfng" typeface="Ebrima"/>
+      </a:minorFont>
+    </a:fontScheme>
+    <a:fmtScheme name="Office">
+      <a:fillStyleLst>
+        <a:solidFill>
+          <a:schemeClr val="phClr"/>
+        </a:solidFill>
+        <a:gradFill rotWithShape="1">
+          <a:gsLst>
+            <a:gs pos="0">
+              <a:schemeClr val="phClr">
+                <a:lumMod val="110000"/>
+                <a:satMod val="105000"/>
+                <a:tint val="67000"/>
+              </a:schemeClr>
+            </a:gs>
+            <a:gs pos="50000">
+              <a:schemeClr val="phClr">
+                <a:lumMod val="105000"/>
+                <a:satMod val="103000"/>
+                <a:tint val="73000"/>
+              </a:schemeClr>
+            </a:gs>
+            <a:gs pos="100000">
+              <a:schemeClr val="phClr">
+                <a:lumMod val="105000"/>
+                <a:satMod val="109000"/>
+                <a:tint val="81000"/>
+              </a:schemeClr>
+            </a:gs>
+          </a:gsLst>
+          <a:lin ang="5400000" scaled="0"/>
+        </a:gradFill>
+        <a:gradFill rotWithShape="1">
+          <a:gsLst>
+            <a:gs pos="0">
+              <a:schemeClr val="phClr">
+                <a:satMod val="103000"/>
+                <a:lumMod val="102000"/>
+                <a:tint val="94000"/>
+              </a:schemeClr>
+            </a:gs>
+            <a:gs pos="50000">
+              <a:schemeClr val="phClr">
+                <a:satMod val="110000"/>
+                <a:lumMod val="100000"/>
+                <a:shade val="100000"/>
+              </a:schemeClr>
+            </a:gs>
+            <a:gs pos="100000">
+              <a:schemeClr val="phClr">
+                <a:lumMod val="99000"/>
+                <a:satMod val="120000"/>
+                <a:shade val="78000"/>
+              </a:schemeClr>
+            </a:gs>
+          </a:gsLst>
+          <a:lin ang="5400000" scaled="0"/>
+        </a:gradFill>
+      </a:fillStyleLst>
+      <a:lnStyleLst>
+        <a:ln w="6350" cap="flat" cmpd="sng" algn="ctr">
+          <a:solidFill>
+            <a:schemeClr val="phClr"/>
+          </a:solidFill>
+          <a:prstDash val="solid"/>
+          <a:miter lim="800000"/>
+        </a:ln>
+        <a:ln w="12700" cap="flat" cmpd="sng" algn="ctr">
+          <a:solidFill>
+            <a:schemeClr val="phClr"/>
+          </a:solidFill>
+          <a:prstDash val="solid"/>
+          <a:miter lim="800000"/>
+        </a:ln>
+        <a:ln w="19050" cap="flat" cmpd="sng" algn="ctr">
+          <a:solidFill>
+            <a:schemeClr val="phClr"/>
+          </a:solidFill>
+          <a:prstDash val="solid"/>
+          <a:miter lim="800000"/>
+        </a:ln>
+      </a:lnStyleLst>
+      <a:effectStyleLst>
+        <a:effectStyle>
+          <a:effectLst/>
+        </a:effectStyle>
+        <a:effectStyle>
+          <a:effectLst/>
+        </a:effectStyle>
+        <a:effectStyle>
+          <a:effectLst>
+            <a:outerShdw blurRad="57150" dist="19050" dir="5400000" algn="ctr" rotWithShape="0">
+              <a:srgbClr val="000000">
+                <a:alpha val="63000"/>
+              </a:srgbClr>
+            </a:outerShdw>
+          </a:effectLst>
+        </a:effectStyle>
+      </a:effectStyleLst>
+      <a:bgFillStyleLst>
+        <a:solidFill>
+          <a:schemeClr val="phClr"/>
+        </a:solidFill>
+        <a:solidFill>
+          <a:schemeClr val="phClr">
+            <a:tint val="95000"/>
+            <a:satMod val="170000"/>
+          </a:schemeClr>
+        </a:solidFill>
+        <a:gradFill rotWithShape="1">
+          <a:gsLst>
+            <a:gs pos="0">
+              <a:schemeClr val="phClr">
+                <a:tint val="93000"/>
+                <a:satMod val="150000"/>
+                <a:shade val="98000"/>
+                <a:lumMod val="102000"/>
+              </a:schemeClr>
+            </a:gs>
+            <a:gs pos="50000">
+              <a:schemeClr val="phClr">
+                <a:tint val="98000"/>
+                <a:satMod val="130000"/>
+                <a:shade val="90000"/>
+                <a:lumMod val="103000"/>
+              </a:schemeClr>
+            </a:gs>
+            <a:gs pos="100000">
+              <a:schemeClr val="phClr">
+                <a:shade val="63000"/>
+                <a:satMod val="120000"/>
+              </a:schemeClr>
+            </a:gs>
+          </a:gsLst>
+          <a:lin ang="5400000" scaled="0"/>
+        </a:gradFill>
+      </a:bgFillStyleLst>
+    </a:fmtScheme>
+  </a:themeElements>
+  <a:objectDefaults/>
+  <a:extraClrSchemeLst/>
+  <a:extLst>
+    <a:ext uri="{05A4C25C-085E-4340-85A3-A5531E510DB2}">
+      <thm15:themeFamily xmlns:thm15="http://schemas.microsoft.com/office/thememl/2012/main" name="Office Theme" id="{62F939B6-93AF-4DB8-9C6B-D6C7DFDC589F}" vid="{4A3C46E8-61CC-4603-A589-7422A47A8E4A}"/>
+    </a:ext>
+  </a:extLst>
+</a:theme>
 </file>
--- a/hw02.pptx
+++ b/hw02.pptx
@@ -204,7 +204,7 @@
           <a:p>
             <a:fld id="{66B67B9B-FC1C-4B2B-B81B-2ED2DA6C8B6F}" type="datetimeFigureOut">
               <a:rPr lang="zh-TW" altLang="en-US" smtClean="0"/>
-              <a:t>2024/10/20</a:t>
+              <a:t>2024/10/21</a:t>
             </a:fld>
             <a:endParaRPr lang="zh-TW" altLang="en-US"/>
           </a:p>
@@ -1627,7 +1627,7 @@
           <a:p>
             <a:fld id="{29C5B9B3-A2F1-4F61-B536-CCB8A05526C9}" type="datetimeFigureOut">
               <a:rPr lang="zh-TW" altLang="en-US" smtClean="0"/>
-              <a:t>2024/10/20</a:t>
+              <a:t>2024/10/21</a:t>
             </a:fld>
             <a:endParaRPr lang="zh-TW" altLang="en-US"/>
           </a:p>
@@ -1825,7 +1825,7 @@
           <a:p>
             <a:fld id="{29C5B9B3-A2F1-4F61-B536-CCB8A05526C9}" type="datetimeFigureOut">
               <a:rPr lang="zh-TW" altLang="en-US" smtClean="0"/>
-              <a:t>2024/10/20</a:t>
+              <a:t>2024/10/21</a:t>
             </a:fld>
             <a:endParaRPr lang="zh-TW" altLang="en-US"/>
           </a:p>
@@ -2033,7 +2033,7 @@
           <a:p>
             <a:fld id="{29C5B9B3-A2F1-4F61-B536-CCB8A05526C9}" type="datetimeFigureOut">
               <a:rPr lang="zh-TW" altLang="en-US" smtClean="0"/>
-              <a:t>2024/10/20</a:t>
+              <a:t>2024/10/21</a:t>
             </a:fld>
             <a:endParaRPr lang="zh-TW" altLang="en-US"/>
           </a:p>
@@ -2231,7 +2231,7 @@
           <a:p>
             <a:fld id="{29C5B9B3-A2F1-4F61-B536-CCB8A05526C9}" type="datetimeFigureOut">
               <a:rPr lang="zh-TW" altLang="en-US" smtClean="0"/>
-              <a:t>2024/10/20</a:t>
+              <a:t>2024/10/21</a:t>
             </a:fld>
             <a:endParaRPr lang="zh-TW" altLang="en-US"/>
           </a:p>
@@ -2506,7 +2506,7 @@
           <a:p>
             <a:fld id="{29C5B9B3-A2F1-4F61-B536-CCB8A05526C9}" type="datetimeFigureOut">
               <a:rPr lang="zh-TW" altLang="en-US" smtClean="0"/>
-              <a:t>2024/10/20</a:t>
+              <a:t>2024/10/21</a:t>
             </a:fld>
             <a:endParaRPr lang="zh-TW" altLang="en-US"/>
           </a:p>
@@ -2771,7 +2771,7 @@
           <a:p>
             <a:fld id="{29C5B9B3-A2F1-4F61-B536-CCB8A05526C9}" type="datetimeFigureOut">
               <a:rPr lang="zh-TW" altLang="en-US" smtClean="0"/>
-              <a:t>2024/10/20</a:t>
+              <a:t>2024/10/21</a:t>
             </a:fld>
             <a:endParaRPr lang="zh-TW" altLang="en-US"/>
           </a:p>
@@ -3183,7 +3183,7 @@
           <a:p>
             <a:fld id="{29C5B9B3-A2F1-4F61-B536-CCB8A05526C9}" type="datetimeFigureOut">
               <a:rPr lang="zh-TW" altLang="en-US" smtClean="0"/>
-              <a:t>2024/10/20</a:t>
+              <a:t>2024/10/21</a:t>
             </a:fld>
             <a:endParaRPr lang="zh-TW" altLang="en-US"/>
           </a:p>
@@ -3324,7 +3324,7 @@
           <a:p>
             <a:fld id="{29C5B9B3-A2F1-4F61-B536-CCB8A05526C9}" type="datetimeFigureOut">
               <a:rPr lang="zh-TW" altLang="en-US" smtClean="0"/>
-              <a:t>2024/10/20</a:t>
+              <a:t>2024/10/21</a:t>
             </a:fld>
             <a:endParaRPr lang="zh-TW" altLang="en-US"/>
           </a:p>
@@ -3437,7 +3437,7 @@
           <a:p>
             <a:fld id="{29C5B9B3-A2F1-4F61-B536-CCB8A05526C9}" type="datetimeFigureOut">
               <a:rPr lang="zh-TW" altLang="en-US" smtClean="0"/>
-              <a:t>2024/10/20</a:t>
+              <a:t>2024/10/21</a:t>
             </a:fld>
             <a:endParaRPr lang="zh-TW" altLang="en-US"/>
           </a:p>
@@ -3748,7 +3748,7 @@
           <a:p>
             <a:fld id="{29C5B9B3-A2F1-4F61-B536-CCB8A05526C9}" type="datetimeFigureOut">
               <a:rPr lang="zh-TW" altLang="en-US" smtClean="0"/>
-              <a:t>2024/10/20</a:t>
+              <a:t>2024/10/21</a:t>
             </a:fld>
             <a:endParaRPr lang="zh-TW" altLang="en-US"/>
           </a:p>
@@ -4036,7 +4036,7 @@
           <a:p>
             <a:fld id="{29C5B9B3-A2F1-4F61-B536-CCB8A05526C9}" type="datetimeFigureOut">
               <a:rPr lang="zh-TW" altLang="en-US" smtClean="0"/>
-              <a:t>2024/10/20</a:t>
+              <a:t>2024/10/21</a:t>
             </a:fld>
             <a:endParaRPr lang="zh-TW" altLang="en-US"/>
           </a:p>
@@ -4282,7 +4282,7 @@
           <a:p>
             <a:fld id="{29C5B9B3-A2F1-4F61-B536-CCB8A05526C9}" type="datetimeFigureOut">
               <a:rPr lang="zh-TW" altLang="en-US" smtClean="0"/>
-              <a:t>2024/10/20</a:t>
+              <a:t>2024/10/21</a:t>
             </a:fld>
             <a:endParaRPr lang="zh-TW" altLang="en-US"/>
           </a:p>
@@ -4737,105 +4737,8 @@
                 <a:latin typeface="標楷體" panose="03000509000000000000" pitchFamily="65" charset="-120"/>
                 <a:ea typeface="標楷體" panose="03000509000000000000" pitchFamily="65" charset="-120"/>
               </a:rPr>
-              <a:t>電腦動畫作業二</a:t>
-            </a:r>
-          </a:p>
-        </p:txBody>
-      </p:sp>
-      <p:sp>
-        <p:nvSpPr>
-          <p:cNvPr id="3" name="副標題 2">
-            <a:extLst>
-              <a:ext uri="{FF2B5EF4-FFF2-40B4-BE49-F238E27FC236}">
-                <a16:creationId xmlns:a16="http://schemas.microsoft.com/office/drawing/2014/main" id="{ED9725C5-F99F-C5F0-3056-013663D040BF}"/>
-              </a:ext>
-            </a:extLst>
-          </p:cNvPr>
-          <p:cNvSpPr>
-            <a:spLocks noGrp="1"/>
-          </p:cNvSpPr>
-          <p:nvPr>
-            <p:ph type="subTitle" idx="1"/>
-          </p:nvPr>
-        </p:nvSpPr>
-        <p:spPr>
-          <a:xfrm>
-            <a:off x="1515036" y="4247497"/>
-            <a:ext cx="2510118" cy="876765"/>
-          </a:xfrm>
-        </p:spPr>
-        <p:txBody>
-          <a:bodyPr>
-            <a:normAutofit lnSpcReduction="10000"/>
-          </a:bodyPr>
-          <a:lstStyle/>
-          <a:p>
-            <a:r>
-              <a:rPr lang="zh-TW" altLang="en-US" dirty="0">
-                <a:solidFill>
-                  <a:schemeClr val="bg2">
-                    <a:lumMod val="75000"/>
-                  </a:schemeClr>
-                </a:solidFill>
-              </a:rPr>
-              <a:t>資工碩一 葉峻宇</a:t>
-            </a:r>
-            <a:endParaRPr lang="en-US" altLang="zh-TW" dirty="0">
-              <a:solidFill>
-                <a:schemeClr val="bg2">
-                  <a:lumMod val="75000"/>
-                </a:schemeClr>
-              </a:solidFill>
-            </a:endParaRPr>
-          </a:p>
-          <a:p>
-            <a:r>
-              <a:rPr lang="zh-TW" altLang="en-US" dirty="0">
-                <a:solidFill>
-                  <a:schemeClr val="bg2">
-                    <a:lumMod val="75000"/>
-                  </a:schemeClr>
-                </a:solidFill>
-              </a:rPr>
-              <a:t>學號 </a:t>
-            </a:r>
-            <a:r>
-              <a:rPr lang="en-US" altLang="zh-TW" dirty="0">
-                <a:solidFill>
-                  <a:schemeClr val="bg2">
-                    <a:lumMod val="75000"/>
-                  </a:schemeClr>
-                </a:solidFill>
-              </a:rPr>
-              <a:t>:</a:t>
-            </a:r>
-            <a:r>
-              <a:rPr lang="zh-TW" altLang="en-US" dirty="0">
-                <a:solidFill>
-                  <a:schemeClr val="bg2">
-                    <a:lumMod val="75000"/>
-                  </a:schemeClr>
-                </a:solidFill>
-              </a:rPr>
-              <a:t> </a:t>
-            </a:r>
-            <a:r>
-              <a:rPr lang="en-US" altLang="zh-TW" dirty="0">
-                <a:solidFill>
-                  <a:schemeClr val="bg2">
-                    <a:lumMod val="75000"/>
-                  </a:schemeClr>
-                </a:solidFill>
-              </a:rPr>
-              <a:t>113598028</a:t>
-            </a:r>
-            <a:endParaRPr lang="zh-TW" altLang="en-US" dirty="0">
-              <a:solidFill>
-                <a:schemeClr val="bg2">
-                  <a:lumMod val="75000"/>
-                </a:schemeClr>
-              </a:solidFill>
-            </a:endParaRPr>
+              <a:t>冒險故事</a:t>
+            </a:r>
           </a:p>
         </p:txBody>
       </p:sp>
@@ -4935,6 +4838,31 @@
               </a:rPr>
               <a:t>去年我跟幾位大學同學約好在開學前要一起去綠島玩。</a:t>
             </a:r>
+          </a:p>
+        </p:txBody>
+      </p:sp>
+      <p:sp>
+        <p:nvSpPr>
+          <p:cNvPr id="6" name="副標題 5">
+            <a:extLst>
+              <a:ext uri="{FF2B5EF4-FFF2-40B4-BE49-F238E27FC236}">
+                <a16:creationId xmlns:a16="http://schemas.microsoft.com/office/drawing/2014/main" id="{586902FB-4F6F-B3A4-F666-FC3CA97844DF}"/>
+              </a:ext>
+            </a:extLst>
+          </p:cNvPr>
+          <p:cNvSpPr>
+            <a:spLocks noGrp="1"/>
+          </p:cNvSpPr>
+          <p:nvPr>
+            <p:ph type="subTitle" idx="1"/>
+          </p:nvPr>
+        </p:nvSpPr>
+        <p:spPr/>
+        <p:txBody>
+          <a:bodyPr/>
+          <a:lstStyle/>
+          <a:p>
+            <a:endParaRPr lang="zh-TW" altLang="en-US"/>
           </a:p>
         </p:txBody>
       </p:sp>
@@ -5094,13 +5022,13 @@
   <p:clrMapOvr>
     <a:masterClrMapping/>
   </p:clrMapOvr>
-  <mc:AlternateContent xmlns:mc="http://schemas.openxmlformats.org/markup-compatibility/2006">
-    <mc:Choice xmlns:p159="http://schemas.microsoft.com/office/powerpoint/2015/09/main" Requires="p159">
+  <mc:AlternateContent xmlns:mc="http://schemas.openxmlformats.org/markup-compatibility/2006" xmlns:p159="http://schemas.microsoft.com/office/powerpoint/2015/09/main">
+    <mc:Choice Requires="p159">
       <p:transition xmlns:p14="http://schemas.microsoft.com/office/powerpoint/2010/main" spd="slow" p14:dur="2000">
         <p159:morph option="byWord"/>
       </p:transition>
     </mc:Choice>
-    <mc:Fallback>
+    <mc:Fallback xmlns="">
       <p:transition spd="slow">
         <p:fade/>
       </p:transition>
@@ -5312,13 +5240,13 @@
   <p:clrMapOvr>
     <a:masterClrMapping/>
   </p:clrMapOvr>
-  <mc:AlternateContent xmlns:mc="http://schemas.openxmlformats.org/markup-compatibility/2006">
-    <mc:Choice xmlns:p159="http://schemas.microsoft.com/office/powerpoint/2015/09/main" Requires="p159">
+  <mc:AlternateContent xmlns:mc="http://schemas.openxmlformats.org/markup-compatibility/2006" xmlns:p159="http://schemas.microsoft.com/office/powerpoint/2015/09/main">
+    <mc:Choice Requires="p159">
       <p:transition xmlns:p14="http://schemas.microsoft.com/office/powerpoint/2010/main" spd="slow" p14:dur="2000">
         <p159:morph option="byObject"/>
       </p:transition>
     </mc:Choice>
-    <mc:Fallback>
+    <mc:Fallback xmlns="">
       <p:transition spd="slow">
         <p:fade/>
       </p:transition>
@@ -5602,13 +5530,13 @@
   <p:clrMapOvr>
     <a:masterClrMapping/>
   </p:clrMapOvr>
-  <mc:AlternateContent xmlns:mc="http://schemas.openxmlformats.org/markup-compatibility/2006">
-    <mc:Choice xmlns:p159="http://schemas.microsoft.com/office/powerpoint/2015/09/main" Requires="p159">
+  <mc:AlternateContent xmlns:mc="http://schemas.openxmlformats.org/markup-compatibility/2006" xmlns:p159="http://schemas.microsoft.com/office/powerpoint/2015/09/main">
+    <mc:Choice Requires="p159">
       <p:transition xmlns:p14="http://schemas.microsoft.com/office/powerpoint/2010/main" spd="slow" p14:dur="2000">
         <p159:morph option="byWord"/>
       </p:transition>
     </mc:Choice>
-    <mc:Fallback>
+    <mc:Fallback xmlns="">
       <p:transition spd="slow">
         <p:fade/>
       </p:transition>
@@ -5964,13 +5892,13 @@
   <p:clrMapOvr>
     <a:masterClrMapping/>
   </p:clrMapOvr>
-  <mc:AlternateContent xmlns:mc="http://schemas.openxmlformats.org/markup-compatibility/2006">
-    <mc:Choice xmlns:p159="http://schemas.microsoft.com/office/powerpoint/2015/09/main" Requires="p159">
+  <mc:AlternateContent xmlns:mc="http://schemas.openxmlformats.org/markup-compatibility/2006" xmlns:p159="http://schemas.microsoft.com/office/powerpoint/2015/09/main">
+    <mc:Choice Requires="p159">
       <p:transition xmlns:p14="http://schemas.microsoft.com/office/powerpoint/2010/main" spd="slow" p14:dur="2000">
         <p159:morph option="byObject"/>
       </p:transition>
     </mc:Choice>
-    <mc:Fallback>
+    <mc:Fallback xmlns="">
       <p:transition spd="slow">
         <p:fade/>
       </p:transition>
@@ -6146,13 +6074,13 @@
   <p:clrMapOvr>
     <a:masterClrMapping/>
   </p:clrMapOvr>
-  <mc:AlternateContent xmlns:mc="http://schemas.openxmlformats.org/markup-compatibility/2006">
-    <mc:Choice xmlns:p159="http://schemas.microsoft.com/office/powerpoint/2015/09/main" Requires="p159">
+  <mc:AlternateContent xmlns:mc="http://schemas.openxmlformats.org/markup-compatibility/2006" xmlns:p159="http://schemas.microsoft.com/office/powerpoint/2015/09/main">
+    <mc:Choice Requires="p159">
       <p:transition xmlns:p14="http://schemas.microsoft.com/office/powerpoint/2010/main" spd="slow" p14:dur="2000">
         <p159:morph option="byWord"/>
       </p:transition>
     </mc:Choice>
-    <mc:Fallback>
+    <mc:Fallback xmlns="">
       <p:transition spd="slow">
         <p:fade/>
       </p:transition>
@@ -6595,13 +6523,13 @@
   <p:clrMapOvr>
     <a:masterClrMapping/>
   </p:clrMapOvr>
-  <mc:AlternateContent xmlns:mc="http://schemas.openxmlformats.org/markup-compatibility/2006">
-    <mc:Choice xmlns:p159="http://schemas.microsoft.com/office/powerpoint/2015/09/main" Requires="p159">
+  <mc:AlternateContent xmlns:mc="http://schemas.openxmlformats.org/markup-compatibility/2006" xmlns:p159="http://schemas.microsoft.com/office/powerpoint/2015/09/main">
+    <mc:Choice Requires="p159">
       <p:transition xmlns:p14="http://schemas.microsoft.com/office/powerpoint/2010/main" spd="slow" p14:dur="2000">
         <p159:morph option="byWord"/>
       </p:transition>
     </mc:Choice>
-    <mc:Fallback>
+    <mc:Fallback xmlns="">
       <p:transition spd="slow">
         <p:fade/>
       </p:transition>
@@ -6789,13 +6717,13 @@
   <p:clrMapOvr>
     <a:masterClrMapping/>
   </p:clrMapOvr>
-  <mc:AlternateContent xmlns:mc="http://schemas.openxmlformats.org/markup-compatibility/2006">
-    <mc:Choice xmlns:p159="http://schemas.microsoft.com/office/powerpoint/2015/09/main" Requires="p159">
+  <mc:AlternateContent xmlns:mc="http://schemas.openxmlformats.org/markup-compatibility/2006" xmlns:p159="http://schemas.microsoft.com/office/powerpoint/2015/09/main">
+    <mc:Choice Requires="p159">
       <p:transition xmlns:p14="http://schemas.microsoft.com/office/powerpoint/2010/main" spd="slow" p14:dur="2000">
         <p159:morph option="byWord"/>
       </p:transition>
     </mc:Choice>
-    <mc:Fallback>
+    <mc:Fallback xmlns="">
       <p:transition spd="slow">
         <p:fade/>
       </p:transition>
